--- a/pre.pptx
+++ b/pre.pptx
@@ -1,6 +1,6 @@
 
 <file path=ppt/presentation.xml><?xml version="1.0" encoding="utf-8"?>
-<p:presentation xmlns:a="http://schemas.openxmlformats.org/drawingml/2006/main" xmlns:r="http://schemas.openxmlformats.org/officeDocument/2006/relationships" xmlns:p="http://schemas.openxmlformats.org/presentationml/2006/main" autoCompressPictures="0">
+<p:presentation xmlns:a="http://schemas.openxmlformats.org/drawingml/2006/main" xmlns:r="http://schemas.openxmlformats.org/officeDocument/2006/relationships" xmlns:p="http://schemas.openxmlformats.org/presentationml/2006/main" saveSubsetFonts="1" autoCompressPictures="0">
   <p:sldMasterIdLst>
     <p:sldMasterId id="2147483648" r:id="rId1"/>
   </p:sldMasterIdLst>
@@ -11,6 +11,8 @@
     <p:sldId id="259" r:id="rId5"/>
     <p:sldId id="260" r:id="rId6"/>
     <p:sldId id="261" r:id="rId7"/>
+    <p:sldId id="262" r:id="rId8"/>
+    <p:sldId id="263" r:id="rId9"/>
   </p:sldIdLst>
   <p:sldSz cx="12192000" cy="6858000"/>
   <p:notesSz cx="6858000" cy="9144000"/>
@@ -109,6 +111,11 @@
       </a:defRPr>
     </a:lvl9pPr>
   </p:defaultTextStyle>
+  <p:extLst>
+    <p:ext uri="{EFAFB233-063F-42B5-8137-9DF3F51BA10A}">
+      <p15:sldGuideLst xmlns:p15="http://schemas.microsoft.com/office/powerpoint/2012/main"/>
+    </p:ext>
+  </p:extLst>
 </p:presentation>
 </file>
 
@@ -301,7 +308,7 @@
             <a:fld id="{B61BEF0D-F0BB-DE4B-95CE-6DB70DBA9567}" type="datetimeFigureOut">
               <a:rPr lang="en-US" dirty="0"/>
               <a:pPr/>
-              <a:t>7/27/2017</a:t>
+              <a:t>7/27/17</a:t>
             </a:fld>
             <a:endParaRPr lang="en-US" dirty="0"/>
           </a:p>
@@ -636,7 +643,7 @@
             <a:fld id="{B61BEF0D-F0BB-DE4B-95CE-6DB70DBA9567}" type="datetimeFigureOut">
               <a:rPr lang="en-US" dirty="0"/>
               <a:pPr/>
-              <a:t>7/27/2017</a:t>
+              <a:t>7/27/17</a:t>
             </a:fld>
             <a:endParaRPr lang="en-US" dirty="0"/>
           </a:p>
@@ -1034,7 +1041,7 @@
             <a:fld id="{B61BEF0D-F0BB-DE4B-95CE-6DB70DBA9567}" type="datetimeFigureOut">
               <a:rPr lang="en-US" dirty="0"/>
               <a:pPr/>
-              <a:t>7/27/2017</a:t>
+              <a:t>7/27/17</a:t>
             </a:fld>
             <a:endParaRPr lang="en-US" dirty="0"/>
           </a:p>
@@ -1367,7 +1374,7 @@
             <a:fld id="{B61BEF0D-F0BB-DE4B-95CE-6DB70DBA9567}" type="datetimeFigureOut">
               <a:rPr lang="en-US" dirty="0"/>
               <a:pPr/>
-              <a:t>7/27/2017</a:t>
+              <a:t>7/27/17</a:t>
             </a:fld>
             <a:endParaRPr lang="en-US" dirty="0"/>
           </a:p>
@@ -1684,7 +1691,7 @@
             <a:fld id="{B61BEF0D-F0BB-DE4B-95CE-6DB70DBA9567}" type="datetimeFigureOut">
               <a:rPr lang="en-US" dirty="0"/>
               <a:pPr/>
-              <a:t>7/27/2017</a:t>
+              <a:t>7/27/17</a:t>
             </a:fld>
             <a:endParaRPr lang="en-US" dirty="0"/>
           </a:p>
@@ -2077,7 +2084,7 @@
             <a:fld id="{B61BEF0D-F0BB-DE4B-95CE-6DB70DBA9567}" type="datetimeFigureOut">
               <a:rPr lang="en-US" dirty="0"/>
               <a:pPr/>
-              <a:t>7/27/2017</a:t>
+              <a:t>7/27/17</a:t>
             </a:fld>
             <a:endParaRPr lang="en-US" dirty="0"/>
           </a:p>
@@ -2331,7 +2338,7 @@
             <a:fld id="{B61BEF0D-F0BB-DE4B-95CE-6DB70DBA9567}" type="datetimeFigureOut">
               <a:rPr lang="en-US" dirty="0"/>
               <a:pPr/>
-              <a:t>7/27/2017</a:t>
+              <a:t>7/27/17</a:t>
             </a:fld>
             <a:endParaRPr lang="en-US" dirty="0"/>
           </a:p>
@@ -2590,7 +2597,7 @@
             <a:fld id="{B61BEF0D-F0BB-DE4B-95CE-6DB70DBA9567}" type="datetimeFigureOut">
               <a:rPr lang="en-US" dirty="0"/>
               <a:pPr/>
-              <a:t>7/27/2017</a:t>
+              <a:t>7/27/17</a:t>
             </a:fld>
             <a:endParaRPr lang="en-US" dirty="0"/>
           </a:p>
@@ -2849,7 +2856,7 @@
             <a:fld id="{B61BEF0D-F0BB-DE4B-95CE-6DB70DBA9567}" type="datetimeFigureOut">
               <a:rPr lang="en-US" dirty="0"/>
               <a:pPr/>
-              <a:t>7/27/2017</a:t>
+              <a:t>7/27/17</a:t>
             </a:fld>
             <a:endParaRPr lang="en-US" dirty="0"/>
           </a:p>
@@ -3175,7 +3182,7 @@
             <a:fld id="{B61BEF0D-F0BB-DE4B-95CE-6DB70DBA9567}" type="datetimeFigureOut">
               <a:rPr lang="en-US" dirty="0"/>
               <a:pPr/>
-              <a:t>7/27/2017</a:t>
+              <a:t>7/27/17</a:t>
             </a:fld>
             <a:endParaRPr lang="en-US" dirty="0"/>
           </a:p>
@@ -3495,7 +3502,7 @@
             <a:fld id="{B61BEF0D-F0BB-DE4B-95CE-6DB70DBA9567}" type="datetimeFigureOut">
               <a:rPr lang="en-US" dirty="0"/>
               <a:pPr/>
-              <a:t>7/27/2017</a:t>
+              <a:t>7/27/17</a:t>
             </a:fld>
             <a:endParaRPr lang="en-US" dirty="0"/>
           </a:p>
@@ -3949,7 +3956,7 @@
             <a:fld id="{B61BEF0D-F0BB-DE4B-95CE-6DB70DBA9567}" type="datetimeFigureOut">
               <a:rPr lang="en-US" dirty="0"/>
               <a:pPr/>
-              <a:t>7/27/2017</a:t>
+              <a:t>7/27/17</a:t>
             </a:fld>
             <a:endParaRPr lang="en-US" dirty="0"/>
           </a:p>
@@ -4151,7 +4158,7 @@
             <a:fld id="{B61BEF0D-F0BB-DE4B-95CE-6DB70DBA9567}" type="datetimeFigureOut">
               <a:rPr lang="en-US" dirty="0"/>
               <a:pPr/>
-              <a:t>7/27/2017</a:t>
+              <a:t>7/27/17</a:t>
             </a:fld>
             <a:endParaRPr lang="en-US" dirty="0"/>
           </a:p>
@@ -4325,7 +4332,7 @@
             <a:fld id="{B61BEF0D-F0BB-DE4B-95CE-6DB70DBA9567}" type="datetimeFigureOut">
               <a:rPr lang="en-US" dirty="0"/>
               <a:pPr/>
-              <a:t>7/27/2017</a:t>
+              <a:t>7/27/17</a:t>
             </a:fld>
             <a:endParaRPr lang="en-US" dirty="0"/>
           </a:p>
@@ -4655,7 +4662,7 @@
             <a:fld id="{B61BEF0D-F0BB-DE4B-95CE-6DB70DBA9567}" type="datetimeFigureOut">
               <a:rPr lang="en-US" dirty="0"/>
               <a:pPr/>
-              <a:t>7/27/2017</a:t>
+              <a:t>7/27/17</a:t>
             </a:fld>
             <a:endParaRPr lang="en-US" dirty="0"/>
           </a:p>
@@ -4997,7 +5004,7 @@
             <a:fld id="{B61BEF0D-F0BB-DE4B-95CE-6DB70DBA9567}" type="datetimeFigureOut">
               <a:rPr lang="en-US" dirty="0"/>
               <a:pPr/>
-              <a:t>7/27/2017</a:t>
+              <a:t>7/27/17</a:t>
             </a:fld>
             <a:endParaRPr lang="en-US" dirty="0"/>
           </a:p>
@@ -7111,7 +7118,7 @@
             <a:fld id="{B61BEF0D-F0BB-DE4B-95CE-6DB70DBA9567}" type="datetimeFigureOut">
               <a:rPr lang="en-US" dirty="0"/>
               <a:pPr/>
-              <a:t>7/27/2017</a:t>
+              <a:t>7/27/17</a:t>
             </a:fld>
             <a:endParaRPr lang="en-US" dirty="0"/>
           </a:p>
@@ -8257,7 +8264,104 @@
           <a:bodyPr/>
           <a:lstStyle/>
           <a:p>
-            <a:endParaRPr lang="zh-CN" altLang="en-US"/>
+            <a:r>
+              <a:rPr lang="zh-CN" altLang="en-US" dirty="0" smtClean="0"/>
+              <a:t>采用了</a:t>
+            </a:r>
+            <a:r>
+              <a:rPr lang="en-US" altLang="zh-CN" dirty="0" smtClean="0"/>
+              <a:t>Django </a:t>
+            </a:r>
+            <a:r>
+              <a:rPr lang="en-US" altLang="zh-CN" dirty="0"/>
+              <a:t>REST </a:t>
+            </a:r>
+            <a:r>
+              <a:rPr lang="en-US" altLang="zh-CN" dirty="0" smtClean="0"/>
+              <a:t>framework</a:t>
+            </a:r>
+            <a:r>
+              <a:rPr lang="zh-CN" altLang="en-US" dirty="0" smtClean="0"/>
+              <a:t>作为网站后台的框架</a:t>
+            </a:r>
+            <a:endParaRPr lang="en-US" altLang="zh-CN" dirty="0" smtClean="0"/>
+          </a:p>
+          <a:p>
+            <a:pPr lvl="1"/>
+            <a:r>
+              <a:rPr lang="zh-CN" altLang="en-US" dirty="0" smtClean="0"/>
+              <a:t>提供</a:t>
+            </a:r>
+            <a:r>
+              <a:rPr lang="en-US" altLang="zh-CN" dirty="0" smtClean="0"/>
+              <a:t>RESTful</a:t>
+            </a:r>
+            <a:r>
+              <a:rPr lang="zh-CN" altLang="en-US" dirty="0" smtClean="0"/>
+              <a:t>形式的</a:t>
+            </a:r>
+            <a:r>
+              <a:rPr lang="en-US" altLang="zh-CN" dirty="0" smtClean="0"/>
+              <a:t>API</a:t>
+            </a:r>
+          </a:p>
+          <a:p>
+            <a:pPr lvl="1"/>
+            <a:r>
+              <a:rPr lang="zh-CN" altLang="en-US" dirty="0" smtClean="0"/>
+              <a:t>方便的权限管理</a:t>
+            </a:r>
+            <a:endParaRPr lang="en-US" altLang="zh-CN" dirty="0" smtClean="0"/>
+          </a:p>
+          <a:p>
+            <a:r>
+              <a:rPr lang="en-US" altLang="zh-CN" dirty="0" err="1" smtClean="0"/>
+              <a:t>Apache+https</a:t>
+            </a:r>
+            <a:r>
+              <a:rPr lang="zh-CN" altLang="en-US" dirty="0" smtClean="0"/>
+              <a:t>的配置</a:t>
+            </a:r>
+            <a:endParaRPr lang="en-US" altLang="zh-CN" dirty="0" smtClean="0"/>
+          </a:p>
+          <a:p>
+            <a:pPr lvl="1"/>
+            <a:r>
+              <a:rPr lang="zh-CN" altLang="en-US" dirty="0" smtClean="0"/>
+              <a:t>传输层面更加安全</a:t>
+            </a:r>
+            <a:endParaRPr lang="en-US" altLang="zh-CN" dirty="0" smtClean="0"/>
+          </a:p>
+          <a:p>
+            <a:pPr lvl="1"/>
+            <a:r>
+              <a:rPr lang="zh-CN" altLang="en-US" dirty="0" smtClean="0"/>
+              <a:t>并发性更好</a:t>
+            </a:r>
+            <a:endParaRPr lang="en-US" altLang="zh-CN" dirty="0" smtClean="0"/>
+          </a:p>
+          <a:p>
+            <a:r>
+              <a:rPr lang="zh-CN" altLang="en-US" dirty="0" smtClean="0"/>
+              <a:t>采用</a:t>
+            </a:r>
+            <a:r>
+              <a:rPr lang="en-US" altLang="zh-CN" dirty="0" smtClean="0"/>
+              <a:t>token</a:t>
+            </a:r>
+            <a:r>
+              <a:rPr lang="zh-CN" altLang="en-US" dirty="0" smtClean="0"/>
+              <a:t>的验证方式</a:t>
+            </a:r>
+            <a:endParaRPr lang="en-US" altLang="zh-CN" dirty="0" smtClean="0"/>
+          </a:p>
+          <a:p>
+            <a:pPr lvl="1"/>
+            <a:r>
+              <a:rPr lang="zh-CN" altLang="en-US" dirty="0" smtClean="0"/>
+              <a:t>避免了直接使用密码明文</a:t>
+            </a:r>
+            <a:endParaRPr lang="zh-CN" altLang="en-US" dirty="0"/>
           </a:p>
         </p:txBody>
       </p:sp>
@@ -8265,6 +8369,420 @@
     <p:extLst>
       <p:ext uri="{BB962C8B-B14F-4D97-AF65-F5344CB8AC3E}">
         <p14:creationId xmlns:p14="http://schemas.microsoft.com/office/powerpoint/2010/main" val="3299760390"/>
+      </p:ext>
+    </p:extLst>
+  </p:cSld>
+  <p:clrMapOvr>
+    <a:masterClrMapping/>
+  </p:clrMapOvr>
+</p:sld>
+</file>
+
+<file path=ppt/slides/slide7.xml><?xml version="1.0" encoding="utf-8"?>
+<p:sld xmlns:a="http://schemas.openxmlformats.org/drawingml/2006/main" xmlns:r="http://schemas.openxmlformats.org/officeDocument/2006/relationships" xmlns:p="http://schemas.openxmlformats.org/presentationml/2006/main">
+  <p:cSld>
+    <p:spTree>
+      <p:nvGrpSpPr>
+        <p:cNvPr id="1" name=""/>
+        <p:cNvGrpSpPr/>
+        <p:nvPr/>
+      </p:nvGrpSpPr>
+      <p:grpSpPr>
+        <a:xfrm>
+          <a:off x="0" y="0"/>
+          <a:ext cx="0" cy="0"/>
+          <a:chOff x="0" y="0"/>
+          <a:chExt cx="0" cy="0"/>
+        </a:xfrm>
+      </p:grpSpPr>
+      <p:sp>
+        <p:nvSpPr>
+          <p:cNvPr id="2" name="标题 1"/>
+          <p:cNvSpPr>
+            <a:spLocks noGrp="1"/>
+          </p:cNvSpPr>
+          <p:nvPr>
+            <p:ph type="title"/>
+          </p:nvPr>
+        </p:nvSpPr>
+        <p:spPr/>
+        <p:txBody>
+          <a:bodyPr/>
+          <a:lstStyle/>
+          <a:p>
+            <a:r>
+              <a:rPr kumimoji="1" lang="zh-CN" altLang="en-US" dirty="0" smtClean="0"/>
+              <a:t>终端用户分类</a:t>
+            </a:r>
+            <a:endParaRPr kumimoji="1" lang="zh-CN" altLang="en-US" dirty="0"/>
+          </a:p>
+        </p:txBody>
+      </p:sp>
+      <p:sp>
+        <p:nvSpPr>
+          <p:cNvPr id="3" name="内容占位符 2"/>
+          <p:cNvSpPr>
+            <a:spLocks noGrp="1"/>
+          </p:cNvSpPr>
+          <p:nvPr>
+            <p:ph idx="1"/>
+          </p:nvPr>
+        </p:nvSpPr>
+        <p:spPr>
+          <a:xfrm>
+            <a:off x="2589212" y="1490597"/>
+            <a:ext cx="8915400" cy="5248405"/>
+          </a:xfrm>
+        </p:spPr>
+        <p:txBody>
+          <a:bodyPr>
+            <a:normAutofit fontScale="92500" lnSpcReduction="10000"/>
+          </a:bodyPr>
+          <a:lstStyle/>
+          <a:p>
+            <a:r>
+              <a:rPr kumimoji="1" lang="en-US" altLang="zh-CN" dirty="0" smtClean="0"/>
+              <a:t>Register</a:t>
+            </a:r>
+          </a:p>
+          <a:p>
+            <a:pPr lvl="1"/>
+            <a:r>
+              <a:rPr kumimoji="1" lang="zh-CN" altLang="en-US" dirty="0" smtClean="0"/>
+              <a:t>场景：注册中心的终端</a:t>
+            </a:r>
+            <a:endParaRPr kumimoji="1" lang="en-US" altLang="zh-CN" dirty="0" smtClean="0"/>
+          </a:p>
+          <a:p>
+            <a:pPr lvl="1"/>
+            <a:r>
+              <a:rPr lang="zh-CN" altLang="en-US" dirty="0" smtClean="0"/>
+              <a:t>权限：为</a:t>
+            </a:r>
+            <a:r>
+              <a:rPr lang="zh-CN" altLang="en-US" dirty="0"/>
+              <a:t>一个学生注册新卡、更新卡的有效期和获取学生的基本信息</a:t>
+            </a:r>
+            <a:r>
+              <a:rPr lang="zh-CN" altLang="en-US" dirty="0" smtClean="0"/>
+              <a:t>等</a:t>
+            </a:r>
+            <a:endParaRPr lang="en-US" altLang="zh-CN" dirty="0" smtClean="0"/>
+          </a:p>
+          <a:p>
+            <a:r>
+              <a:rPr kumimoji="1" lang="en-US" altLang="zh-CN" dirty="0" err="1" smtClean="0"/>
+              <a:t>Pos</a:t>
+            </a:r>
+            <a:endParaRPr kumimoji="1" lang="en-US" altLang="zh-CN" dirty="0" smtClean="0"/>
+          </a:p>
+          <a:p>
+            <a:pPr lvl="1"/>
+            <a:r>
+              <a:rPr kumimoji="1" lang="zh-CN" altLang="en-US" dirty="0" smtClean="0"/>
+              <a:t>场景：云闪付消费场所，如食堂和超市等</a:t>
+            </a:r>
+            <a:endParaRPr kumimoji="1" lang="en-US" altLang="zh-CN" dirty="0" smtClean="0"/>
+          </a:p>
+          <a:p>
+            <a:pPr lvl="1"/>
+            <a:r>
+              <a:rPr kumimoji="1" lang="zh-CN" altLang="en-US" dirty="0" smtClean="0"/>
+              <a:t>权限：</a:t>
+            </a:r>
+            <a:r>
+              <a:rPr lang="zh-CN" altLang="en-US" dirty="0" smtClean="0"/>
+              <a:t>减少</a:t>
+            </a:r>
+            <a:r>
+              <a:rPr lang="zh-CN" altLang="en-US" dirty="0"/>
+              <a:t>卡的</a:t>
+            </a:r>
+            <a:r>
+              <a:rPr lang="zh-CN" altLang="en-US" dirty="0" smtClean="0"/>
+              <a:t>金额</a:t>
+            </a:r>
+            <a:endParaRPr lang="en-US" altLang="zh-CN" dirty="0" smtClean="0"/>
+          </a:p>
+          <a:p>
+            <a:r>
+              <a:rPr kumimoji="1" lang="en-US" altLang="zh-CN" dirty="0" smtClean="0"/>
+              <a:t>ATM</a:t>
+            </a:r>
+          </a:p>
+          <a:p>
+            <a:pPr lvl="1"/>
+            <a:r>
+              <a:rPr kumimoji="1" lang="zh-CN" altLang="en-US" dirty="0" smtClean="0"/>
+              <a:t>场景：圈存机等机器</a:t>
+            </a:r>
+            <a:endParaRPr kumimoji="1" lang="en-US" altLang="zh-CN" dirty="0" smtClean="0"/>
+          </a:p>
+          <a:p>
+            <a:pPr lvl="1"/>
+            <a:r>
+              <a:rPr kumimoji="1" lang="zh-CN" altLang="en-US" dirty="0" smtClean="0"/>
+              <a:t>权限：增加和减少卡上的金额</a:t>
+            </a:r>
+            <a:endParaRPr kumimoji="1" lang="en-US" altLang="zh-CN" dirty="0" smtClean="0"/>
+          </a:p>
+          <a:p>
+            <a:r>
+              <a:rPr kumimoji="1" lang="en-US" altLang="zh-CN" dirty="0" smtClean="0"/>
+              <a:t>Access</a:t>
+            </a:r>
+          </a:p>
+          <a:p>
+            <a:pPr lvl="1"/>
+            <a:r>
+              <a:rPr kumimoji="1" lang="zh-CN" altLang="en-US" dirty="0" smtClean="0"/>
+              <a:t>场景：宿舍楼下的门禁终端</a:t>
+            </a:r>
+            <a:endParaRPr kumimoji="1" lang="en-US" altLang="zh-CN" dirty="0" smtClean="0"/>
+          </a:p>
+          <a:p>
+            <a:pPr lvl="1"/>
+            <a:r>
+              <a:rPr kumimoji="1" lang="zh-CN" altLang="en-US" dirty="0" smtClean="0"/>
+              <a:t>权限：</a:t>
+            </a:r>
+            <a:r>
+              <a:rPr lang="zh-CN" altLang="en-US" dirty="0"/>
+              <a:t>判断一张卡是否有通过的</a:t>
+            </a:r>
+            <a:r>
+              <a:rPr lang="zh-CN" altLang="en-US" dirty="0" smtClean="0"/>
+              <a:t>权限</a:t>
+            </a:r>
+            <a:endParaRPr lang="en-US" altLang="zh-CN" dirty="0" smtClean="0"/>
+          </a:p>
+          <a:p>
+            <a:r>
+              <a:rPr kumimoji="1" lang="en-US" altLang="zh-CN" dirty="0" smtClean="0"/>
+              <a:t>Root</a:t>
+            </a:r>
+          </a:p>
+          <a:p>
+            <a:pPr lvl="1"/>
+            <a:r>
+              <a:rPr kumimoji="1" lang="zh-CN" altLang="en-US" dirty="0" smtClean="0"/>
+              <a:t>场景：后台管理员</a:t>
+            </a:r>
+            <a:endParaRPr kumimoji="1" lang="en-US" altLang="zh-CN" dirty="0" smtClean="0"/>
+          </a:p>
+          <a:p>
+            <a:pPr lvl="1"/>
+            <a:r>
+              <a:rPr kumimoji="1" lang="zh-CN" altLang="en-US" dirty="0" smtClean="0"/>
+              <a:t>权限：以上所有权限，此外可以查看终端的操作日志</a:t>
+            </a:r>
+            <a:endParaRPr kumimoji="1" lang="en-US" altLang="zh-CN" dirty="0" smtClean="0"/>
+          </a:p>
+          <a:p>
+            <a:pPr lvl="1"/>
+            <a:endParaRPr kumimoji="1" lang="zh-CN" altLang="en-US" dirty="0"/>
+          </a:p>
+        </p:txBody>
+      </p:sp>
+    </p:spTree>
+    <p:extLst>
+      <p:ext uri="{BB962C8B-B14F-4D97-AF65-F5344CB8AC3E}">
+        <p14:creationId xmlns:p14="http://schemas.microsoft.com/office/powerpoint/2010/main" val="303073681"/>
+      </p:ext>
+    </p:extLst>
+  </p:cSld>
+  <p:clrMapOvr>
+    <a:masterClrMapping/>
+  </p:clrMapOvr>
+</p:sld>
+</file>
+
+<file path=ppt/slides/slide8.xml><?xml version="1.0" encoding="utf-8"?>
+<p:sld xmlns:a="http://schemas.openxmlformats.org/drawingml/2006/main" xmlns:r="http://schemas.openxmlformats.org/officeDocument/2006/relationships" xmlns:p="http://schemas.openxmlformats.org/presentationml/2006/main">
+  <p:cSld>
+    <p:spTree>
+      <p:nvGrpSpPr>
+        <p:cNvPr id="1" name=""/>
+        <p:cNvGrpSpPr/>
+        <p:nvPr/>
+      </p:nvGrpSpPr>
+      <p:grpSpPr>
+        <a:xfrm>
+          <a:off x="0" y="0"/>
+          <a:ext cx="0" cy="0"/>
+          <a:chOff x="0" y="0"/>
+          <a:chExt cx="0" cy="0"/>
+        </a:xfrm>
+      </p:grpSpPr>
+      <p:sp>
+        <p:nvSpPr>
+          <p:cNvPr id="2" name="标题 1"/>
+          <p:cNvSpPr>
+            <a:spLocks noGrp="1"/>
+          </p:cNvSpPr>
+          <p:nvPr>
+            <p:ph type="title"/>
+          </p:nvPr>
+        </p:nvSpPr>
+        <p:spPr/>
+        <p:txBody>
+          <a:bodyPr/>
+          <a:lstStyle/>
+          <a:p>
+            <a:r>
+              <a:rPr kumimoji="1" lang="zh-CN" altLang="en-US" dirty="0" smtClean="0"/>
+              <a:t>安全性分析</a:t>
+            </a:r>
+            <a:endParaRPr kumimoji="1" lang="zh-CN" altLang="en-US" dirty="0"/>
+          </a:p>
+        </p:txBody>
+      </p:sp>
+      <p:sp>
+        <p:nvSpPr>
+          <p:cNvPr id="3" name="内容占位符 2"/>
+          <p:cNvSpPr>
+            <a:spLocks noGrp="1"/>
+          </p:cNvSpPr>
+          <p:nvPr>
+            <p:ph idx="1"/>
+          </p:nvPr>
+        </p:nvSpPr>
+        <p:spPr/>
+        <p:txBody>
+          <a:bodyPr/>
+          <a:lstStyle/>
+          <a:p>
+            <a:r>
+              <a:rPr kumimoji="1" lang="en-US" altLang="zh-CN" dirty="0" smtClean="0"/>
+              <a:t>Django</a:t>
+            </a:r>
+            <a:r>
+              <a:rPr kumimoji="1" lang="zh-CN" altLang="en-US" dirty="0" smtClean="0"/>
+              <a:t> </a:t>
+            </a:r>
+            <a:r>
+              <a:rPr kumimoji="1" lang="en-US" altLang="zh-CN" dirty="0" smtClean="0"/>
+              <a:t>+</a:t>
+            </a:r>
+            <a:r>
+              <a:rPr kumimoji="1" lang="zh-CN" altLang="en-US" dirty="0" smtClean="0"/>
+              <a:t> </a:t>
+            </a:r>
+            <a:r>
+              <a:rPr kumimoji="1" lang="en-US" altLang="zh-CN" dirty="0" smtClean="0"/>
+              <a:t>Django</a:t>
+            </a:r>
+            <a:r>
+              <a:rPr kumimoji="1" lang="zh-CN" altLang="en-US" dirty="0" smtClean="0"/>
+              <a:t> </a:t>
+            </a:r>
+            <a:r>
+              <a:rPr kumimoji="1" lang="en-US" altLang="zh-CN" dirty="0" smtClean="0"/>
+              <a:t>REST</a:t>
+            </a:r>
+            <a:r>
+              <a:rPr kumimoji="1" lang="zh-CN" altLang="en-US" dirty="0" smtClean="0"/>
+              <a:t> </a:t>
+            </a:r>
+            <a:r>
+              <a:rPr kumimoji="1" lang="en-US" altLang="zh-CN" dirty="0" smtClean="0"/>
+              <a:t>framework</a:t>
+            </a:r>
+            <a:r>
+              <a:rPr kumimoji="1" lang="zh-CN" altLang="en-US" dirty="0" smtClean="0"/>
+              <a:t>框架</a:t>
+            </a:r>
+            <a:endParaRPr kumimoji="1" lang="en-US" altLang="zh-CN" dirty="0" smtClean="0"/>
+          </a:p>
+          <a:p>
+            <a:pPr lvl="1"/>
+            <a:r>
+              <a:rPr kumimoji="1" lang="zh-CN" altLang="en-US" dirty="0" smtClean="0"/>
+              <a:t>比较成熟的框架，最大程度的保证了安全性，避免了一些常见的漏洞</a:t>
+            </a:r>
+            <a:endParaRPr kumimoji="1" lang="en-US" altLang="zh-CN" dirty="0" smtClean="0"/>
+          </a:p>
+          <a:p>
+            <a:r>
+              <a:rPr kumimoji="1" lang="en-US" altLang="zh-CN" dirty="0" smtClean="0"/>
+              <a:t>https</a:t>
+            </a:r>
+          </a:p>
+          <a:p>
+            <a:pPr lvl="1"/>
+            <a:r>
+              <a:rPr kumimoji="1" lang="zh-CN" altLang="en-US" dirty="0" smtClean="0"/>
+              <a:t>在传输层面用</a:t>
+            </a:r>
+            <a:r>
+              <a:rPr kumimoji="1" lang="en-US" altLang="zh-CN" dirty="0" smtClean="0"/>
+              <a:t>https</a:t>
+            </a:r>
+            <a:r>
+              <a:rPr kumimoji="1" lang="zh-CN" altLang="en-US" dirty="0" smtClean="0"/>
+              <a:t>进行加密传输，避免了信息被窃取的可能</a:t>
+            </a:r>
+            <a:endParaRPr kumimoji="1" lang="en-US" altLang="zh-CN" dirty="0"/>
+          </a:p>
+          <a:p>
+            <a:r>
+              <a:rPr kumimoji="1" lang="en-US" altLang="zh-CN" dirty="0" smtClean="0"/>
+              <a:t>token</a:t>
+            </a:r>
+            <a:r>
+              <a:rPr kumimoji="1" lang="zh-CN" altLang="en-US" dirty="0" smtClean="0"/>
+              <a:t> </a:t>
+            </a:r>
+            <a:r>
+              <a:rPr kumimoji="1" lang="en-US" altLang="zh-CN" dirty="0" smtClean="0"/>
+              <a:t>+</a:t>
+            </a:r>
+            <a:r>
+              <a:rPr kumimoji="1" lang="zh-CN" altLang="en-US" dirty="0" smtClean="0"/>
+              <a:t> </a:t>
+            </a:r>
+            <a:r>
+              <a:rPr kumimoji="1" lang="en-US" altLang="zh-CN" dirty="0" smtClean="0"/>
+              <a:t>session</a:t>
+            </a:r>
+            <a:r>
+              <a:rPr kumimoji="1" lang="zh-CN" altLang="en-US" dirty="0" smtClean="0"/>
+              <a:t>多种认证机制</a:t>
+            </a:r>
+            <a:endParaRPr kumimoji="1" lang="en-US" altLang="zh-CN" dirty="0" smtClean="0"/>
+          </a:p>
+          <a:p>
+            <a:pPr lvl="1"/>
+            <a:r>
+              <a:rPr kumimoji="1" lang="zh-CN" altLang="en-US" dirty="0" smtClean="0"/>
+              <a:t>减少明文密码泄露的风险</a:t>
+            </a:r>
+            <a:endParaRPr kumimoji="1" lang="en-US" altLang="zh-CN" dirty="0" smtClean="0"/>
+          </a:p>
+          <a:p>
+            <a:r>
+              <a:rPr kumimoji="1" lang="zh-CN" altLang="en-US" dirty="0" smtClean="0"/>
+              <a:t>终端操作日志</a:t>
+            </a:r>
+            <a:r>
+              <a:rPr kumimoji="1" lang="en-US" altLang="zh-CN" dirty="0" smtClean="0"/>
+              <a:t>log</a:t>
+            </a:r>
+          </a:p>
+          <a:p>
+            <a:pPr lvl="1"/>
+            <a:r>
+              <a:rPr kumimoji="1" lang="zh-CN" altLang="en-US" dirty="0" smtClean="0"/>
+              <a:t>记录所有终端的操作，及时检测高危不正常的操作，能够尽快发现危险</a:t>
+            </a:r>
+            <a:endParaRPr kumimoji="1" lang="en-US" altLang="zh-CN" dirty="0" smtClean="0"/>
+          </a:p>
+        </p:txBody>
+      </p:sp>
+    </p:spTree>
+    <p:extLst>
+      <p:ext uri="{BB962C8B-B14F-4D97-AF65-F5344CB8AC3E}">
+        <p14:creationId xmlns:p14="http://schemas.microsoft.com/office/powerpoint/2010/main" val="530399183"/>
       </p:ext>
     </p:extLst>
   </p:cSld>

--- a/pre.pptx
+++ b/pre.pptx
@@ -9,10 +9,12 @@
     <p:sldId id="257" r:id="rId3"/>
     <p:sldId id="258" r:id="rId4"/>
     <p:sldId id="259" r:id="rId5"/>
-    <p:sldId id="260" r:id="rId6"/>
-    <p:sldId id="261" r:id="rId7"/>
-    <p:sldId id="262" r:id="rId8"/>
-    <p:sldId id="263" r:id="rId9"/>
+    <p:sldId id="264" r:id="rId6"/>
+    <p:sldId id="265" r:id="rId7"/>
+    <p:sldId id="260" r:id="rId8"/>
+    <p:sldId id="261" r:id="rId9"/>
+    <p:sldId id="262" r:id="rId10"/>
+    <p:sldId id="263" r:id="rId11"/>
   </p:sldIdLst>
   <p:sldSz cx="12192000" cy="6858000"/>
   <p:notesSz cx="6858000" cy="9144000"/>
@@ -308,7 +310,7 @@
             <a:fld id="{B61BEF0D-F0BB-DE4B-95CE-6DB70DBA9567}" type="datetimeFigureOut">
               <a:rPr lang="en-US" dirty="0"/>
               <a:pPr/>
-              <a:t>7/27/17</a:t>
+              <a:t>7/27/2017</a:t>
             </a:fld>
             <a:endParaRPr lang="en-US" dirty="0"/>
           </a:p>
@@ -643,7 +645,7 @@
             <a:fld id="{B61BEF0D-F0BB-DE4B-95CE-6DB70DBA9567}" type="datetimeFigureOut">
               <a:rPr lang="en-US" dirty="0"/>
               <a:pPr/>
-              <a:t>7/27/17</a:t>
+              <a:t>7/27/2017</a:t>
             </a:fld>
             <a:endParaRPr lang="en-US" dirty="0"/>
           </a:p>
@@ -1041,7 +1043,7 @@
             <a:fld id="{B61BEF0D-F0BB-DE4B-95CE-6DB70DBA9567}" type="datetimeFigureOut">
               <a:rPr lang="en-US" dirty="0"/>
               <a:pPr/>
-              <a:t>7/27/17</a:t>
+              <a:t>7/27/2017</a:t>
             </a:fld>
             <a:endParaRPr lang="en-US" dirty="0"/>
           </a:p>
@@ -1374,7 +1376,7 @@
             <a:fld id="{B61BEF0D-F0BB-DE4B-95CE-6DB70DBA9567}" type="datetimeFigureOut">
               <a:rPr lang="en-US" dirty="0"/>
               <a:pPr/>
-              <a:t>7/27/17</a:t>
+              <a:t>7/27/2017</a:t>
             </a:fld>
             <a:endParaRPr lang="en-US" dirty="0"/>
           </a:p>
@@ -1691,7 +1693,7 @@
             <a:fld id="{B61BEF0D-F0BB-DE4B-95CE-6DB70DBA9567}" type="datetimeFigureOut">
               <a:rPr lang="en-US" dirty="0"/>
               <a:pPr/>
-              <a:t>7/27/17</a:t>
+              <a:t>7/27/2017</a:t>
             </a:fld>
             <a:endParaRPr lang="en-US" dirty="0"/>
           </a:p>
@@ -2084,7 +2086,7 @@
             <a:fld id="{B61BEF0D-F0BB-DE4B-95CE-6DB70DBA9567}" type="datetimeFigureOut">
               <a:rPr lang="en-US" dirty="0"/>
               <a:pPr/>
-              <a:t>7/27/17</a:t>
+              <a:t>7/27/2017</a:t>
             </a:fld>
             <a:endParaRPr lang="en-US" dirty="0"/>
           </a:p>
@@ -2338,7 +2340,7 @@
             <a:fld id="{B61BEF0D-F0BB-DE4B-95CE-6DB70DBA9567}" type="datetimeFigureOut">
               <a:rPr lang="en-US" dirty="0"/>
               <a:pPr/>
-              <a:t>7/27/17</a:t>
+              <a:t>7/27/2017</a:t>
             </a:fld>
             <a:endParaRPr lang="en-US" dirty="0"/>
           </a:p>
@@ -2597,7 +2599,7 @@
             <a:fld id="{B61BEF0D-F0BB-DE4B-95CE-6DB70DBA9567}" type="datetimeFigureOut">
               <a:rPr lang="en-US" dirty="0"/>
               <a:pPr/>
-              <a:t>7/27/17</a:t>
+              <a:t>7/27/2017</a:t>
             </a:fld>
             <a:endParaRPr lang="en-US" dirty="0"/>
           </a:p>
@@ -2856,7 +2858,7 @@
             <a:fld id="{B61BEF0D-F0BB-DE4B-95CE-6DB70DBA9567}" type="datetimeFigureOut">
               <a:rPr lang="en-US" dirty="0"/>
               <a:pPr/>
-              <a:t>7/27/17</a:t>
+              <a:t>7/27/2017</a:t>
             </a:fld>
             <a:endParaRPr lang="en-US" dirty="0"/>
           </a:p>
@@ -3182,7 +3184,7 @@
             <a:fld id="{B61BEF0D-F0BB-DE4B-95CE-6DB70DBA9567}" type="datetimeFigureOut">
               <a:rPr lang="en-US" dirty="0"/>
               <a:pPr/>
-              <a:t>7/27/17</a:t>
+              <a:t>7/27/2017</a:t>
             </a:fld>
             <a:endParaRPr lang="en-US" dirty="0"/>
           </a:p>
@@ -3502,7 +3504,7 @@
             <a:fld id="{B61BEF0D-F0BB-DE4B-95CE-6DB70DBA9567}" type="datetimeFigureOut">
               <a:rPr lang="en-US" dirty="0"/>
               <a:pPr/>
-              <a:t>7/27/17</a:t>
+              <a:t>7/27/2017</a:t>
             </a:fld>
             <a:endParaRPr lang="en-US" dirty="0"/>
           </a:p>
@@ -3956,7 +3958,7 @@
             <a:fld id="{B61BEF0D-F0BB-DE4B-95CE-6DB70DBA9567}" type="datetimeFigureOut">
               <a:rPr lang="en-US" dirty="0"/>
               <a:pPr/>
-              <a:t>7/27/17</a:t>
+              <a:t>7/27/2017</a:t>
             </a:fld>
             <a:endParaRPr lang="en-US" dirty="0"/>
           </a:p>
@@ -4158,7 +4160,7 @@
             <a:fld id="{B61BEF0D-F0BB-DE4B-95CE-6DB70DBA9567}" type="datetimeFigureOut">
               <a:rPr lang="en-US" dirty="0"/>
               <a:pPr/>
-              <a:t>7/27/17</a:t>
+              <a:t>7/27/2017</a:t>
             </a:fld>
             <a:endParaRPr lang="en-US" dirty="0"/>
           </a:p>
@@ -4332,7 +4334,7 @@
             <a:fld id="{B61BEF0D-F0BB-DE4B-95CE-6DB70DBA9567}" type="datetimeFigureOut">
               <a:rPr lang="en-US" dirty="0"/>
               <a:pPr/>
-              <a:t>7/27/17</a:t>
+              <a:t>7/27/2017</a:t>
             </a:fld>
             <a:endParaRPr lang="en-US" dirty="0"/>
           </a:p>
@@ -4662,7 +4664,7 @@
             <a:fld id="{B61BEF0D-F0BB-DE4B-95CE-6DB70DBA9567}" type="datetimeFigureOut">
               <a:rPr lang="en-US" dirty="0"/>
               <a:pPr/>
-              <a:t>7/27/17</a:t>
+              <a:t>7/27/2017</a:t>
             </a:fld>
             <a:endParaRPr lang="en-US" dirty="0"/>
           </a:p>
@@ -5004,7 +5006,7 @@
             <a:fld id="{B61BEF0D-F0BB-DE4B-95CE-6DB70DBA9567}" type="datetimeFigureOut">
               <a:rPr lang="en-US" dirty="0"/>
               <a:pPr/>
-              <a:t>7/27/17</a:t>
+              <a:t>7/27/2017</a:t>
             </a:fld>
             <a:endParaRPr lang="en-US" dirty="0"/>
           </a:p>
@@ -7118,7 +7120,7 @@
             <a:fld id="{B61BEF0D-F0BB-DE4B-95CE-6DB70DBA9567}" type="datetimeFigureOut">
               <a:rPr lang="en-US" dirty="0"/>
               <a:pPr/>
-              <a:t>7/27/17</a:t>
+              <a:t>7/27/2017</a:t>
             </a:fld>
             <a:endParaRPr lang="en-US" dirty="0"/>
           </a:p>
@@ -7695,6 +7697,201 @@
 </p:sld>
 </file>
 
+<file path=ppt/slides/slide10.xml><?xml version="1.0" encoding="utf-8"?>
+<p:sld xmlns:a="http://schemas.openxmlformats.org/drawingml/2006/main" xmlns:r="http://schemas.openxmlformats.org/officeDocument/2006/relationships" xmlns:p="http://schemas.openxmlformats.org/presentationml/2006/main">
+  <p:cSld>
+    <p:spTree>
+      <p:nvGrpSpPr>
+        <p:cNvPr id="1" name=""/>
+        <p:cNvGrpSpPr/>
+        <p:nvPr/>
+      </p:nvGrpSpPr>
+      <p:grpSpPr>
+        <a:xfrm>
+          <a:off x="0" y="0"/>
+          <a:ext cx="0" cy="0"/>
+          <a:chOff x="0" y="0"/>
+          <a:chExt cx="0" cy="0"/>
+        </a:xfrm>
+      </p:grpSpPr>
+      <p:sp>
+        <p:nvSpPr>
+          <p:cNvPr id="2" name="标题 1"/>
+          <p:cNvSpPr>
+            <a:spLocks noGrp="1"/>
+          </p:cNvSpPr>
+          <p:nvPr>
+            <p:ph type="title"/>
+          </p:nvPr>
+        </p:nvSpPr>
+        <p:spPr/>
+        <p:txBody>
+          <a:bodyPr/>
+          <a:lstStyle/>
+          <a:p>
+            <a:r>
+              <a:rPr kumimoji="1" lang="zh-CN" altLang="en-US" dirty="0" smtClean="0"/>
+              <a:t>安全性分析</a:t>
+            </a:r>
+            <a:endParaRPr kumimoji="1" lang="zh-CN" altLang="en-US" dirty="0"/>
+          </a:p>
+        </p:txBody>
+      </p:sp>
+      <p:sp>
+        <p:nvSpPr>
+          <p:cNvPr id="3" name="内容占位符 2"/>
+          <p:cNvSpPr>
+            <a:spLocks noGrp="1"/>
+          </p:cNvSpPr>
+          <p:nvPr>
+            <p:ph idx="1"/>
+          </p:nvPr>
+        </p:nvSpPr>
+        <p:spPr/>
+        <p:txBody>
+          <a:bodyPr/>
+          <a:lstStyle/>
+          <a:p>
+            <a:r>
+              <a:rPr kumimoji="1" lang="en-US" altLang="zh-CN" dirty="0" smtClean="0"/>
+              <a:t>Django</a:t>
+            </a:r>
+            <a:r>
+              <a:rPr kumimoji="1" lang="zh-CN" altLang="en-US" dirty="0" smtClean="0"/>
+              <a:t> </a:t>
+            </a:r>
+            <a:r>
+              <a:rPr kumimoji="1" lang="en-US" altLang="zh-CN" dirty="0" smtClean="0"/>
+              <a:t>+</a:t>
+            </a:r>
+            <a:r>
+              <a:rPr kumimoji="1" lang="zh-CN" altLang="en-US" dirty="0" smtClean="0"/>
+              <a:t> </a:t>
+            </a:r>
+            <a:r>
+              <a:rPr kumimoji="1" lang="en-US" altLang="zh-CN" dirty="0" smtClean="0"/>
+              <a:t>Django</a:t>
+            </a:r>
+            <a:r>
+              <a:rPr kumimoji="1" lang="zh-CN" altLang="en-US" dirty="0" smtClean="0"/>
+              <a:t> </a:t>
+            </a:r>
+            <a:r>
+              <a:rPr kumimoji="1" lang="en-US" altLang="zh-CN" dirty="0" smtClean="0"/>
+              <a:t>REST</a:t>
+            </a:r>
+            <a:r>
+              <a:rPr kumimoji="1" lang="zh-CN" altLang="en-US" dirty="0" smtClean="0"/>
+              <a:t> </a:t>
+            </a:r>
+            <a:r>
+              <a:rPr kumimoji="1" lang="en-US" altLang="zh-CN" dirty="0" smtClean="0"/>
+              <a:t>framework</a:t>
+            </a:r>
+            <a:r>
+              <a:rPr kumimoji="1" lang="zh-CN" altLang="en-US" dirty="0" smtClean="0"/>
+              <a:t>框架</a:t>
+            </a:r>
+            <a:endParaRPr kumimoji="1" lang="en-US" altLang="zh-CN" dirty="0" smtClean="0"/>
+          </a:p>
+          <a:p>
+            <a:pPr lvl="1"/>
+            <a:r>
+              <a:rPr kumimoji="1" lang="zh-CN" altLang="en-US" dirty="0" smtClean="0"/>
+              <a:t>比较成熟的框架，最大程度的保证了安全性，避免了一些常见的漏洞</a:t>
+            </a:r>
+            <a:endParaRPr kumimoji="1" lang="en-US" altLang="zh-CN" dirty="0" smtClean="0"/>
+          </a:p>
+          <a:p>
+            <a:r>
+              <a:rPr kumimoji="1" lang="en-US" altLang="zh-CN" dirty="0" smtClean="0"/>
+              <a:t>https</a:t>
+            </a:r>
+          </a:p>
+          <a:p>
+            <a:pPr lvl="1"/>
+            <a:r>
+              <a:rPr kumimoji="1" lang="zh-CN" altLang="en-US" dirty="0" smtClean="0"/>
+              <a:t>在传输层面用</a:t>
+            </a:r>
+            <a:r>
+              <a:rPr kumimoji="1" lang="en-US" altLang="zh-CN" dirty="0" smtClean="0"/>
+              <a:t>https</a:t>
+            </a:r>
+            <a:r>
+              <a:rPr kumimoji="1" lang="zh-CN" altLang="en-US" dirty="0" smtClean="0"/>
+              <a:t>进行加密传输，避免了信息被窃取的可能</a:t>
+            </a:r>
+            <a:endParaRPr kumimoji="1" lang="en-US" altLang="zh-CN" dirty="0"/>
+          </a:p>
+          <a:p>
+            <a:r>
+              <a:rPr kumimoji="1" lang="en-US" altLang="zh-CN" dirty="0" smtClean="0"/>
+              <a:t>token</a:t>
+            </a:r>
+            <a:r>
+              <a:rPr kumimoji="1" lang="zh-CN" altLang="en-US" dirty="0" smtClean="0"/>
+              <a:t> </a:t>
+            </a:r>
+            <a:r>
+              <a:rPr kumimoji="1" lang="en-US" altLang="zh-CN" dirty="0" smtClean="0"/>
+              <a:t>+</a:t>
+            </a:r>
+            <a:r>
+              <a:rPr kumimoji="1" lang="zh-CN" altLang="en-US" dirty="0" smtClean="0"/>
+              <a:t> </a:t>
+            </a:r>
+            <a:r>
+              <a:rPr kumimoji="1" lang="en-US" altLang="zh-CN" dirty="0" smtClean="0"/>
+              <a:t>session</a:t>
+            </a:r>
+            <a:r>
+              <a:rPr kumimoji="1" lang="zh-CN" altLang="en-US" dirty="0" smtClean="0"/>
+              <a:t>多种认证机制</a:t>
+            </a:r>
+            <a:endParaRPr kumimoji="1" lang="en-US" altLang="zh-CN" dirty="0" smtClean="0"/>
+          </a:p>
+          <a:p>
+            <a:pPr lvl="1"/>
+            <a:r>
+              <a:rPr kumimoji="1" lang="zh-CN" altLang="en-US" dirty="0" smtClean="0"/>
+              <a:t>减少明文密码泄露的风险</a:t>
+            </a:r>
+            <a:endParaRPr kumimoji="1" lang="en-US" altLang="zh-CN" dirty="0" smtClean="0"/>
+          </a:p>
+          <a:p>
+            <a:r>
+              <a:rPr kumimoji="1" lang="zh-CN" altLang="en-US" dirty="0" smtClean="0"/>
+              <a:t>终端操作日志</a:t>
+            </a:r>
+            <a:r>
+              <a:rPr kumimoji="1" lang="en-US" altLang="zh-CN" dirty="0" smtClean="0"/>
+              <a:t>log</a:t>
+            </a:r>
+          </a:p>
+          <a:p>
+            <a:pPr lvl="1"/>
+            <a:r>
+              <a:rPr kumimoji="1" lang="zh-CN" altLang="en-US" dirty="0" smtClean="0"/>
+              <a:t>记录所有终端的操作，及时检测高危不正常的操作，能够尽快发现危险</a:t>
+            </a:r>
+            <a:endParaRPr kumimoji="1" lang="en-US" altLang="zh-CN" dirty="0" smtClean="0"/>
+          </a:p>
+        </p:txBody>
+      </p:sp>
+    </p:spTree>
+    <p:extLst>
+      <p:ext uri="{BB962C8B-B14F-4D97-AF65-F5344CB8AC3E}">
+        <p14:creationId xmlns:p14="http://schemas.microsoft.com/office/powerpoint/2010/main" val="530399183"/>
+      </p:ext>
+    </p:extLst>
+  </p:cSld>
+  <p:clrMapOvr>
+    <a:masterClrMapping/>
+  </p:clrMapOvr>
+</p:sld>
+</file>
+
 <file path=ppt/slides/slide2.xml><?xml version="1.0" encoding="utf-8"?>
 <p:sld xmlns:a="http://schemas.openxmlformats.org/drawingml/2006/main" xmlns:r="http://schemas.openxmlformats.org/officeDocument/2006/relationships" xmlns:p="http://schemas.openxmlformats.org/presentationml/2006/main">
   <p:cSld>
@@ -7939,12 +8136,12 @@
           <a:lstStyle/>
           <a:p>
             <a:r>
-              <a:rPr lang="en-US" altLang="zh-CN" dirty="0" smtClean="0"/>
-              <a:t>M1</a:t>
-            </a:r>
-            <a:r>
               <a:rPr lang="zh-CN" altLang="en-US" dirty="0" smtClean="0"/>
-              <a:t>卡与</a:t>
+              <a:t>校园卡</a:t>
+            </a:r>
+            <a:r>
+              <a:rPr lang="zh-CN" altLang="en-US" dirty="0" smtClean="0"/>
+              <a:t>与</a:t>
             </a:r>
             <a:r>
               <a:rPr lang="en-US" altLang="zh-CN" dirty="0" smtClean="0"/>
@@ -8094,12 +8291,12 @@
           <a:lstStyle/>
           <a:p>
             <a:r>
-              <a:rPr lang="en-US" altLang="zh-CN" dirty="0" smtClean="0"/>
-              <a:t>M1 </a:t>
-            </a:r>
-            <a:r>
               <a:rPr lang="zh-CN" altLang="en-US" dirty="0" smtClean="0"/>
-              <a:t>卡</a:t>
+              <a:t>校园卡的</a:t>
+            </a:r>
+            <a:r>
+              <a:rPr lang="zh-CN" altLang="en-US" dirty="0" smtClean="0"/>
+              <a:t>数据存储</a:t>
             </a:r>
             <a:endParaRPr lang="zh-CN" altLang="en-US" dirty="0"/>
           </a:p>
@@ -8120,7 +8317,183 @@
           <a:bodyPr/>
           <a:lstStyle/>
           <a:p>
-            <a:endParaRPr lang="zh-CN" altLang="en-US"/>
+            <a:r>
+              <a:rPr lang="zh-CN" altLang="en-US" dirty="0"/>
+              <a:t>基于</a:t>
+            </a:r>
+            <a:r>
+              <a:rPr lang="en-US" altLang="zh-CN" dirty="0" smtClean="0"/>
+              <a:t>MIFARE M1</a:t>
+            </a:r>
+            <a:r>
+              <a:rPr lang="zh-CN" altLang="en-US" dirty="0" smtClean="0"/>
+              <a:t>卡进行开发</a:t>
+            </a:r>
+            <a:endParaRPr lang="en-US" altLang="zh-CN" dirty="0" smtClean="0"/>
+          </a:p>
+          <a:p>
+            <a:pPr lvl="1"/>
+            <a:r>
+              <a:rPr lang="zh-CN" altLang="en-US" dirty="0" smtClean="0"/>
+              <a:t>内存容量充足（</a:t>
+            </a:r>
+            <a:r>
+              <a:rPr lang="en-US" altLang="zh-CN" dirty="0" smtClean="0"/>
+              <a:t>1KB</a:t>
+            </a:r>
+            <a:r>
+              <a:rPr lang="zh-CN" altLang="en-US" dirty="0" smtClean="0"/>
+              <a:t>）</a:t>
+            </a:r>
+            <a:endParaRPr lang="en-US" altLang="zh-CN" dirty="0" smtClean="0"/>
+          </a:p>
+          <a:p>
+            <a:pPr lvl="1"/>
+            <a:r>
+              <a:rPr lang="zh-CN" altLang="en-US" dirty="0" smtClean="0"/>
+              <a:t>易于开发扩展</a:t>
+            </a:r>
+            <a:endParaRPr lang="en-US" altLang="zh-CN" dirty="0" smtClean="0"/>
+          </a:p>
+          <a:p>
+            <a:pPr lvl="1"/>
+            <a:r>
+              <a:rPr lang="zh-CN" altLang="en-US" dirty="0" smtClean="0"/>
+              <a:t>性能稳定，可靠性高，抗干扰能力强</a:t>
+            </a:r>
+            <a:endParaRPr lang="en-US" altLang="zh-CN" dirty="0" smtClean="0"/>
+          </a:p>
+          <a:p>
+            <a:r>
+              <a:rPr lang="zh-CN" altLang="en-US" dirty="0" smtClean="0"/>
+              <a:t>校园卡上需要保存的数据主要有闪付账户的储值与消费记录、小钱包余额等</a:t>
+            </a:r>
+            <a:endParaRPr lang="en-US" altLang="zh-CN" dirty="0" smtClean="0"/>
+          </a:p>
+          <a:p>
+            <a:pPr lvl="1"/>
+            <a:r>
+              <a:rPr lang="zh-CN" altLang="en-US" dirty="0" smtClean="0"/>
+              <a:t>不直接在卡上保存账户金额信息或进行金额计算</a:t>
+            </a:r>
+            <a:endParaRPr lang="en-US" altLang="zh-CN" dirty="0" smtClean="0"/>
+          </a:p>
+          <a:p>
+            <a:pPr lvl="1"/>
+            <a:r>
+              <a:rPr lang="zh-CN" altLang="en-US" dirty="0" smtClean="0"/>
+              <a:t>敏感信息的计算在桌面终端完成</a:t>
+            </a:r>
+            <a:endParaRPr lang="en-US" altLang="zh-CN" dirty="0"/>
+          </a:p>
+          <a:p>
+            <a:r>
+              <a:rPr lang="zh-CN" altLang="en-US" dirty="0" smtClean="0"/>
+              <a:t>对读写卡片的密钥进行修改，不使用默认密钥</a:t>
+            </a:r>
+            <a:endParaRPr lang="zh-CN" altLang="en-US" dirty="0"/>
+          </a:p>
+        </p:txBody>
+      </p:sp>
+      <p:sp>
+        <p:nvSpPr>
+          <p:cNvPr id="5" name="Rectangle 2"/>
+          <p:cNvSpPr>
+            <a:spLocks noChangeArrowheads="1"/>
+          </p:cNvSpPr>
+          <p:nvPr/>
+        </p:nvSpPr>
+        <p:spPr bwMode="auto">
+          <a:xfrm>
+            <a:off x="0" y="-138499"/>
+            <a:ext cx="227948" cy="276999"/>
+          </a:xfrm>
+          <a:prstGeom prst="rect">
+            <a:avLst/>
+          </a:prstGeom>
+          <a:noFill/>
+          <a:ln>
+            <a:noFill/>
+          </a:ln>
+          <a:effectLst/>
+          <a:extLst>
+            <a:ext uri="{909E8E84-426E-40DD-AFC4-6F175D3DCCD1}">
+              <a14:hiddenFill xmlns:a14="http://schemas.microsoft.com/office/drawing/2010/main">
+                <a:solidFill>
+                  <a:schemeClr val="accent1"/>
+                </a:solidFill>
+              </a14:hiddenFill>
+            </a:ext>
+            <a:ext uri="{91240B29-F687-4F45-9708-019B960494DF}">
+              <a14:hiddenLine xmlns:a14="http://schemas.microsoft.com/office/drawing/2010/main" w="9525">
+                <a:solidFill>
+                  <a:schemeClr val="tx1"/>
+                </a:solidFill>
+                <a:miter lim="800000"/>
+                <a:headEnd/>
+                <a:tailEnd/>
+              </a14:hiddenLine>
+            </a:ext>
+            <a:ext uri="{AF507438-7753-43E0-B8FC-AC1667EBCBE1}">
+              <a14:hiddenEffects xmlns:a14="http://schemas.microsoft.com/office/drawing/2010/main">
+                <a:effectLst>
+                  <a:outerShdw dist="35921" dir="2700000" algn="ctr" rotWithShape="0">
+                    <a:schemeClr val="bg2"/>
+                  </a:outerShdw>
+                </a:effectLst>
+              </a14:hiddenEffects>
+            </a:ext>
+          </a:extLst>
+        </p:spPr>
+        <p:txBody>
+          <a:bodyPr vert="horz" wrap="none" lIns="91440" tIns="45720" rIns="91440" bIns="45720" numCol="1" anchor="ctr" anchorCtr="0" compatLnSpc="1">
+            <a:prstTxWarp prst="textNoShape">
+              <a:avLst/>
+            </a:prstTxWarp>
+            <a:spAutoFit/>
+          </a:bodyPr>
+          <a:lstStyle/>
+          <a:p>
+            <a:pPr marL="0" marR="0" lvl="0" indent="0" algn="l" defTabSz="914400" rtl="0" eaLnBrk="0" fontAlgn="base" latinLnBrk="0" hangingPunct="0">
+              <a:lnSpc>
+                <a:spcPct val="100000"/>
+              </a:lnSpc>
+              <a:spcBef>
+                <a:spcPct val="0"/>
+              </a:spcBef>
+              <a:spcAft>
+                <a:spcPct val="0"/>
+              </a:spcAft>
+              <a:buClrTx/>
+              <a:buSzTx/>
+              <a:buFontTx/>
+              <a:buNone/>
+              <a:tabLst/>
+            </a:pPr>
+            <a:r>
+              <a:rPr kumimoji="0" lang="zh-CN" altLang="zh-CN" sz="1200" b="0" i="0" u="none" strike="noStrike" cap="none" normalizeH="0" baseline="0" dirty="0" smtClean="0">
+                <a:ln>
+                  <a:noFill/>
+                </a:ln>
+                <a:solidFill>
+                  <a:srgbClr val="333333"/>
+                </a:solidFill>
+                <a:effectLst/>
+                <a:latin typeface="Arial" panose="020B0604020202020204" pitchFamily="34" charset="0"/>
+                <a:ea typeface="Open Sans"/>
+              </a:rPr>
+              <a:t> </a:t>
+            </a:r>
+            <a:endParaRPr kumimoji="0" lang="zh-CN" altLang="zh-CN" sz="1800" b="0" i="0" u="none" strike="noStrike" cap="none" normalizeH="0" baseline="0" dirty="0" smtClean="0">
+              <a:ln>
+                <a:noFill/>
+              </a:ln>
+              <a:solidFill>
+                <a:schemeClr val="tx1"/>
+              </a:solidFill>
+              <a:effectLst/>
+              <a:latin typeface="Arial" panose="020B0604020202020204" pitchFamily="34" charset="0"/>
+            </a:endParaRPr>
           </a:p>
         </p:txBody>
       </p:sp>
@@ -8170,8 +8543,12 @@
           <a:lstStyle/>
           <a:p>
             <a:r>
+              <a:rPr lang="en-US" altLang="zh-CN" dirty="0" smtClean="0"/>
+              <a:t>Arduino</a:t>
+            </a:r>
+            <a:r>
               <a:rPr lang="zh-CN" altLang="en-US" dirty="0" smtClean="0"/>
-              <a:t>桌面终端</a:t>
+              <a:t>读卡器</a:t>
             </a:r>
             <a:endParaRPr lang="zh-CN" altLang="en-US" dirty="0"/>
           </a:p>
@@ -8192,14 +8569,88 @@
           <a:bodyPr/>
           <a:lstStyle/>
           <a:p>
-            <a:endParaRPr lang="zh-CN" altLang="en-US"/>
+            <a:r>
+              <a:rPr lang="zh-CN" altLang="en-US" smtClean="0"/>
+              <a:t>基于</a:t>
+            </a:r>
+            <a:r>
+              <a:rPr lang="en-US" altLang="zh-CN" smtClean="0"/>
+              <a:t>Arduino </a:t>
+            </a:r>
+            <a:r>
+              <a:rPr lang="en-US" altLang="zh-CN" dirty="0"/>
+              <a:t>Uno</a:t>
+            </a:r>
+            <a:r>
+              <a:rPr lang="zh-CN" altLang="en-US" dirty="0"/>
+              <a:t>与</a:t>
+            </a:r>
+            <a:r>
+              <a:rPr lang="en-US" altLang="zh-CN" dirty="0"/>
+              <a:t>RFID</a:t>
+            </a:r>
+            <a:r>
+              <a:rPr lang="zh-CN" altLang="en-US" dirty="0"/>
+              <a:t>芯片</a:t>
+            </a:r>
+            <a:r>
+              <a:rPr lang="en-US" altLang="zh-CN" dirty="0"/>
+              <a:t>(RFID-RC522)</a:t>
+            </a:r>
+            <a:r>
+              <a:rPr lang="zh-CN" altLang="en-US" dirty="0"/>
+              <a:t>设计</a:t>
+            </a:r>
+            <a:r>
+              <a:rPr lang="zh-CN" altLang="en-US" dirty="0" smtClean="0"/>
+              <a:t>实现</a:t>
+            </a:r>
+            <a:endParaRPr lang="en-US" altLang="zh-CN" dirty="0" smtClean="0"/>
+          </a:p>
+          <a:p>
+            <a:r>
+              <a:rPr lang="zh-CN" altLang="en-US" dirty="0" smtClean="0"/>
+              <a:t>通过串口通讯与桌面终端交互</a:t>
+            </a:r>
+            <a:endParaRPr lang="en-US" altLang="zh-CN" dirty="0" smtClean="0"/>
+          </a:p>
+          <a:p>
+            <a:pPr lvl="1"/>
+            <a:r>
+              <a:rPr lang="zh-CN" altLang="en-US" dirty="0" smtClean="0"/>
+              <a:t>在交互时仅传递指令，读卡器与桌面终端的内部实现彼此封闭，确保安全</a:t>
+            </a:r>
+            <a:endParaRPr lang="en-US" altLang="zh-CN" dirty="0" smtClean="0"/>
+          </a:p>
+          <a:p>
+            <a:pPr lvl="1"/>
+            <a:r>
+              <a:rPr lang="zh-CN" altLang="en-US" dirty="0" smtClean="0"/>
+              <a:t>传输需要直接保存在卡上的敏感数据（如小钱包余额）时，采用</a:t>
+            </a:r>
+            <a:r>
+              <a:rPr lang="en-US" altLang="zh-CN" dirty="0" smtClean="0"/>
+              <a:t>AES</a:t>
+            </a:r>
+            <a:r>
+              <a:rPr lang="zh-CN" altLang="en-US" dirty="0" smtClean="0"/>
+              <a:t>加密传输</a:t>
+            </a:r>
+            <a:endParaRPr lang="en-US" altLang="zh-CN" dirty="0"/>
+          </a:p>
+          <a:p>
+            <a:r>
+              <a:rPr lang="zh-CN" altLang="en-US" dirty="0" smtClean="0"/>
+              <a:t>根据收到的指令，读卡器可模拟制作新卡、门禁控制、闪付储值消费、小钱包储值消费、注销卡片等不同场景</a:t>
+            </a:r>
+            <a:endParaRPr lang="zh-CN" altLang="en-US" dirty="0"/>
           </a:p>
         </p:txBody>
       </p:sp>
     </p:spTree>
     <p:extLst>
       <p:ext uri="{BB962C8B-B14F-4D97-AF65-F5344CB8AC3E}">
-        <p14:creationId xmlns:p14="http://schemas.microsoft.com/office/powerpoint/2010/main" val="2619177453"/>
+        <p14:creationId xmlns:p14="http://schemas.microsoft.com/office/powerpoint/2010/main" val="2382032591"/>
       </p:ext>
     </p:extLst>
   </p:cSld>
@@ -8243,7 +8694,7 @@
           <a:p>
             <a:r>
               <a:rPr lang="zh-CN" altLang="en-US" dirty="0" smtClean="0"/>
-              <a:t>网络后台</a:t>
+              <a:t>安全性分析</a:t>
             </a:r>
             <a:endParaRPr lang="zh-CN" altLang="en-US" dirty="0"/>
           </a:p>
@@ -8265,102 +8716,101 @@
           <a:lstStyle/>
           <a:p>
             <a:r>
-              <a:rPr lang="zh-CN" altLang="en-US" dirty="0" smtClean="0"/>
-              <a:t>采用了</a:t>
-            </a:r>
-            <a:r>
-              <a:rPr lang="en-US" altLang="zh-CN" dirty="0" smtClean="0"/>
-              <a:t>Django </a:t>
-            </a:r>
-            <a:r>
-              <a:rPr lang="en-US" altLang="zh-CN" dirty="0"/>
-              <a:t>REST </a:t>
-            </a:r>
-            <a:r>
-              <a:rPr lang="en-US" altLang="zh-CN" dirty="0" smtClean="0"/>
-              <a:t>framework</a:t>
-            </a:r>
-            <a:r>
-              <a:rPr lang="zh-CN" altLang="en-US" dirty="0" smtClean="0"/>
-              <a:t>作为网站后台的框架</a:t>
-            </a:r>
-            <a:endParaRPr lang="en-US" altLang="zh-CN" dirty="0" smtClean="0"/>
+              <a:rPr kumimoji="1" lang="zh-CN" altLang="en-US" dirty="0" smtClean="0"/>
+              <a:t>卡片读写密钥</a:t>
+            </a:r>
+            <a:endParaRPr kumimoji="1" lang="en-US" altLang="zh-CN" dirty="0" smtClean="0"/>
           </a:p>
           <a:p>
             <a:pPr lvl="1"/>
             <a:r>
-              <a:rPr lang="zh-CN" altLang="en-US" dirty="0" smtClean="0"/>
-              <a:t>提供</a:t>
-            </a:r>
-            <a:r>
-              <a:rPr lang="en-US" altLang="zh-CN" dirty="0" smtClean="0"/>
-              <a:t>RESTful</a:t>
-            </a:r>
-            <a:r>
-              <a:rPr lang="zh-CN" altLang="en-US" dirty="0" smtClean="0"/>
-              <a:t>形式的</a:t>
-            </a:r>
-            <a:r>
-              <a:rPr lang="en-US" altLang="zh-CN" dirty="0" smtClean="0"/>
-              <a:t>API</a:t>
-            </a:r>
+              <a:rPr kumimoji="1" lang="zh-CN" altLang="en-US" dirty="0" smtClean="0"/>
+              <a:t>对于卡片上保存数据的扇区，更改其默认密钥</a:t>
+            </a:r>
+            <a:r>
+              <a:rPr kumimoji="1" lang="en-US" altLang="zh-CN" dirty="0" smtClean="0"/>
+              <a:t>0xFFFFFFFFFFFF</a:t>
+            </a:r>
+            <a:r>
+              <a:rPr kumimoji="1" lang="zh-CN" altLang="en-US" dirty="0" smtClean="0"/>
+              <a:t>，使卡内数据难以泄露</a:t>
+            </a:r>
+            <a:endParaRPr kumimoji="1" lang="en-US" altLang="zh-CN" dirty="0"/>
           </a:p>
           <a:p>
             <a:pPr lvl="1"/>
             <a:r>
-              <a:rPr lang="zh-CN" altLang="en-US" dirty="0" smtClean="0"/>
-              <a:t>方便的权限管理</a:t>
-            </a:r>
-            <a:endParaRPr lang="en-US" altLang="zh-CN" dirty="0" smtClean="0"/>
-          </a:p>
-          <a:p>
-            <a:r>
-              <a:rPr lang="en-US" altLang="zh-CN" dirty="0" err="1" smtClean="0"/>
-              <a:t>Apache+https</a:t>
-            </a:r>
-            <a:r>
-              <a:rPr lang="zh-CN" altLang="en-US" dirty="0" smtClean="0"/>
-              <a:t>的配置</a:t>
-            </a:r>
-            <a:endParaRPr lang="en-US" altLang="zh-CN" dirty="0" smtClean="0"/>
+              <a:rPr kumimoji="1" lang="zh-CN" altLang="en-US" dirty="0" smtClean="0"/>
+              <a:t>使用基础实验中采用的读卡代码，以及网上流传的一些“</a:t>
+            </a:r>
+            <a:r>
+              <a:rPr kumimoji="1" lang="en-US" altLang="zh-CN" dirty="0" smtClean="0"/>
+              <a:t>M1</a:t>
+            </a:r>
+            <a:r>
+              <a:rPr kumimoji="1" lang="zh-CN" altLang="en-US" dirty="0" smtClean="0"/>
+              <a:t>卡破解代码”进行测试，发现其无法读到卡内数据。这样的防护机制与清华澡卡类似</a:t>
+            </a:r>
+            <a:endParaRPr kumimoji="1" lang="en-US" altLang="zh-CN" dirty="0"/>
+          </a:p>
+          <a:p>
+            <a:r>
+              <a:rPr kumimoji="1" lang="zh-CN" altLang="en-US" dirty="0" smtClean="0"/>
+              <a:t>小钱包余额</a:t>
+            </a:r>
+            <a:r>
+              <a:rPr kumimoji="1" lang="en-US" altLang="zh-CN" dirty="0" smtClean="0"/>
+              <a:t>AES</a:t>
+            </a:r>
+            <a:r>
+              <a:rPr kumimoji="1" lang="zh-CN" altLang="en-US" dirty="0" smtClean="0"/>
+              <a:t>加密保存</a:t>
+            </a:r>
+            <a:endParaRPr kumimoji="1" lang="en-US" altLang="zh-CN" dirty="0"/>
           </a:p>
           <a:p>
             <a:pPr lvl="1"/>
             <a:r>
-              <a:rPr lang="zh-CN" altLang="en-US" dirty="0" smtClean="0"/>
-              <a:t>传输层面更加安全</a:t>
-            </a:r>
-            <a:endParaRPr lang="en-US" altLang="zh-CN" dirty="0" smtClean="0"/>
+              <a:rPr kumimoji="1" lang="zh-CN" altLang="en-US" dirty="0" smtClean="0"/>
+              <a:t>加密</a:t>
+            </a:r>
+            <a:r>
+              <a:rPr kumimoji="1" lang="zh-CN" altLang="en-US" dirty="0"/>
+              <a:t>过程在桌面终端实现，密钥也由桌面终端</a:t>
+            </a:r>
+            <a:r>
+              <a:rPr kumimoji="1" lang="zh-CN" altLang="en-US" dirty="0" smtClean="0"/>
+              <a:t>保存</a:t>
+            </a:r>
+            <a:endParaRPr kumimoji="1" lang="en-US" altLang="zh-CN" dirty="0" smtClean="0"/>
           </a:p>
           <a:p>
             <a:pPr lvl="1"/>
             <a:r>
-              <a:rPr lang="zh-CN" altLang="en-US" dirty="0" smtClean="0"/>
-              <a:t>并发性更好</a:t>
-            </a:r>
-            <a:endParaRPr lang="en-US" altLang="zh-CN" dirty="0" smtClean="0"/>
-          </a:p>
-          <a:p>
-            <a:r>
-              <a:rPr lang="zh-CN" altLang="en-US" dirty="0" smtClean="0"/>
-              <a:t>采用</a:t>
-            </a:r>
-            <a:r>
-              <a:rPr lang="en-US" altLang="zh-CN" dirty="0" smtClean="0"/>
-              <a:t>token</a:t>
-            </a:r>
-            <a:r>
-              <a:rPr lang="zh-CN" altLang="en-US" dirty="0" smtClean="0"/>
-              <a:t>的验证方式</a:t>
-            </a:r>
-            <a:endParaRPr lang="en-US" altLang="zh-CN" dirty="0" smtClean="0"/>
+              <a:rPr kumimoji="1" lang="zh-CN" altLang="en-US" dirty="0" smtClean="0"/>
+              <a:t>即使密钥被破解，破解者也仅能在卡内找到加密后的小钱包余额数据，无法恢复原始数据</a:t>
+            </a:r>
+            <a:endParaRPr kumimoji="1" lang="en-US" altLang="zh-CN" dirty="0" smtClean="0"/>
+          </a:p>
+          <a:p>
+            <a:r>
+              <a:rPr kumimoji="1" lang="zh-CN" altLang="en-US" dirty="0" smtClean="0"/>
+              <a:t>闪付交易仅在卡内记录交易日志</a:t>
+            </a:r>
+            <a:endParaRPr kumimoji="1" lang="en-US" altLang="zh-CN" dirty="0" smtClean="0"/>
           </a:p>
           <a:p>
             <a:pPr lvl="1"/>
             <a:r>
-              <a:rPr lang="zh-CN" altLang="en-US" dirty="0" smtClean="0"/>
-              <a:t>避免了直接使用密码明文</a:t>
-            </a:r>
+              <a:rPr kumimoji="1" lang="zh-CN" altLang="en-US" dirty="0" smtClean="0"/>
+              <a:t>卡内不保存敏感的余额数据，用户的余额信息由桌面终端负责计算，在网络后台保存</a:t>
+            </a:r>
+            <a:endParaRPr kumimoji="1" lang="en-US" altLang="zh-CN" dirty="0"/>
+          </a:p>
+          <a:p>
+            <a:pPr marL="0" indent="0">
+              <a:buNone/>
+            </a:pPr>
             <a:endParaRPr lang="zh-CN" altLang="en-US" dirty="0"/>
           </a:p>
         </p:txBody>
@@ -8368,7 +8818,7 @@
     </p:spTree>
     <p:extLst>
       <p:ext uri="{BB962C8B-B14F-4D97-AF65-F5344CB8AC3E}">
-        <p14:creationId xmlns:p14="http://schemas.microsoft.com/office/powerpoint/2010/main" val="3299760390"/>
+        <p14:creationId xmlns:p14="http://schemas.microsoft.com/office/powerpoint/2010/main" val="479574227"/>
       </p:ext>
     </p:extLst>
   </p:cSld>
@@ -8411,10 +8861,10 @@
           <a:lstStyle/>
           <a:p>
             <a:r>
-              <a:rPr kumimoji="1" lang="zh-CN" altLang="en-US" dirty="0" smtClean="0"/>
-              <a:t>终端用户分类</a:t>
-            </a:r>
-            <a:endParaRPr kumimoji="1" lang="zh-CN" altLang="en-US" dirty="0"/>
+              <a:rPr lang="zh-CN" altLang="en-US" dirty="0" smtClean="0"/>
+              <a:t>桌面终端</a:t>
+            </a:r>
+            <a:endParaRPr lang="zh-CN" altLang="en-US" dirty="0"/>
           </a:p>
         </p:txBody>
       </p:sp>
@@ -8428,166 +8878,19 @@
             <p:ph idx="1"/>
           </p:nvPr>
         </p:nvSpPr>
-        <p:spPr>
-          <a:xfrm>
-            <a:off x="2589212" y="1490597"/>
-            <a:ext cx="8915400" cy="5248405"/>
-          </a:xfrm>
-        </p:spPr>
-        <p:txBody>
-          <a:bodyPr>
-            <a:normAutofit fontScale="92500" lnSpcReduction="10000"/>
-          </a:bodyPr>
+        <p:spPr/>
+        <p:txBody>
+          <a:bodyPr/>
           <a:lstStyle/>
           <a:p>
-            <a:r>
-              <a:rPr kumimoji="1" lang="en-US" altLang="zh-CN" dirty="0" smtClean="0"/>
-              <a:t>Register</a:t>
-            </a:r>
-          </a:p>
-          <a:p>
-            <a:pPr lvl="1"/>
-            <a:r>
-              <a:rPr kumimoji="1" lang="zh-CN" altLang="en-US" dirty="0" smtClean="0"/>
-              <a:t>场景：注册中心的终端</a:t>
-            </a:r>
-            <a:endParaRPr kumimoji="1" lang="en-US" altLang="zh-CN" dirty="0" smtClean="0"/>
-          </a:p>
-          <a:p>
-            <a:pPr lvl="1"/>
-            <a:r>
-              <a:rPr lang="zh-CN" altLang="en-US" dirty="0" smtClean="0"/>
-              <a:t>权限：为</a:t>
-            </a:r>
-            <a:r>
-              <a:rPr lang="zh-CN" altLang="en-US" dirty="0"/>
-              <a:t>一个学生注册新卡、更新卡的有效期和获取学生的基本信息</a:t>
-            </a:r>
-            <a:r>
-              <a:rPr lang="zh-CN" altLang="en-US" dirty="0" smtClean="0"/>
-              <a:t>等</a:t>
-            </a:r>
-            <a:endParaRPr lang="en-US" altLang="zh-CN" dirty="0" smtClean="0"/>
-          </a:p>
-          <a:p>
-            <a:r>
-              <a:rPr kumimoji="1" lang="en-US" altLang="zh-CN" dirty="0" err="1" smtClean="0"/>
-              <a:t>Pos</a:t>
-            </a:r>
-            <a:endParaRPr kumimoji="1" lang="en-US" altLang="zh-CN" dirty="0" smtClean="0"/>
-          </a:p>
-          <a:p>
-            <a:pPr lvl="1"/>
-            <a:r>
-              <a:rPr kumimoji="1" lang="zh-CN" altLang="en-US" dirty="0" smtClean="0"/>
-              <a:t>场景：云闪付消费场所，如食堂和超市等</a:t>
-            </a:r>
-            <a:endParaRPr kumimoji="1" lang="en-US" altLang="zh-CN" dirty="0" smtClean="0"/>
-          </a:p>
-          <a:p>
-            <a:pPr lvl="1"/>
-            <a:r>
-              <a:rPr kumimoji="1" lang="zh-CN" altLang="en-US" dirty="0" smtClean="0"/>
-              <a:t>权限：</a:t>
-            </a:r>
-            <a:r>
-              <a:rPr lang="zh-CN" altLang="en-US" dirty="0" smtClean="0"/>
-              <a:t>减少</a:t>
-            </a:r>
-            <a:r>
-              <a:rPr lang="zh-CN" altLang="en-US" dirty="0"/>
-              <a:t>卡的</a:t>
-            </a:r>
-            <a:r>
-              <a:rPr lang="zh-CN" altLang="en-US" dirty="0" smtClean="0"/>
-              <a:t>金额</a:t>
-            </a:r>
-            <a:endParaRPr lang="en-US" altLang="zh-CN" dirty="0" smtClean="0"/>
-          </a:p>
-          <a:p>
-            <a:r>
-              <a:rPr kumimoji="1" lang="en-US" altLang="zh-CN" dirty="0" smtClean="0"/>
-              <a:t>ATM</a:t>
-            </a:r>
-          </a:p>
-          <a:p>
-            <a:pPr lvl="1"/>
-            <a:r>
-              <a:rPr kumimoji="1" lang="zh-CN" altLang="en-US" dirty="0" smtClean="0"/>
-              <a:t>场景：圈存机等机器</a:t>
-            </a:r>
-            <a:endParaRPr kumimoji="1" lang="en-US" altLang="zh-CN" dirty="0" smtClean="0"/>
-          </a:p>
-          <a:p>
-            <a:pPr lvl="1"/>
-            <a:r>
-              <a:rPr kumimoji="1" lang="zh-CN" altLang="en-US" dirty="0" smtClean="0"/>
-              <a:t>权限：增加和减少卡上的金额</a:t>
-            </a:r>
-            <a:endParaRPr kumimoji="1" lang="en-US" altLang="zh-CN" dirty="0" smtClean="0"/>
-          </a:p>
-          <a:p>
-            <a:r>
-              <a:rPr kumimoji="1" lang="en-US" altLang="zh-CN" dirty="0" smtClean="0"/>
-              <a:t>Access</a:t>
-            </a:r>
-          </a:p>
-          <a:p>
-            <a:pPr lvl="1"/>
-            <a:r>
-              <a:rPr kumimoji="1" lang="zh-CN" altLang="en-US" dirty="0" smtClean="0"/>
-              <a:t>场景：宿舍楼下的门禁终端</a:t>
-            </a:r>
-            <a:endParaRPr kumimoji="1" lang="en-US" altLang="zh-CN" dirty="0" smtClean="0"/>
-          </a:p>
-          <a:p>
-            <a:pPr lvl="1"/>
-            <a:r>
-              <a:rPr kumimoji="1" lang="zh-CN" altLang="en-US" dirty="0" smtClean="0"/>
-              <a:t>权限：</a:t>
-            </a:r>
-            <a:r>
-              <a:rPr lang="zh-CN" altLang="en-US" dirty="0"/>
-              <a:t>判断一张卡是否有通过的</a:t>
-            </a:r>
-            <a:r>
-              <a:rPr lang="zh-CN" altLang="en-US" dirty="0" smtClean="0"/>
-              <a:t>权限</a:t>
-            </a:r>
-            <a:endParaRPr lang="en-US" altLang="zh-CN" dirty="0" smtClean="0"/>
-          </a:p>
-          <a:p>
-            <a:r>
-              <a:rPr kumimoji="1" lang="en-US" altLang="zh-CN" dirty="0" smtClean="0"/>
-              <a:t>Root</a:t>
-            </a:r>
-          </a:p>
-          <a:p>
-            <a:pPr lvl="1"/>
-            <a:r>
-              <a:rPr kumimoji="1" lang="zh-CN" altLang="en-US" dirty="0" smtClean="0"/>
-              <a:t>场景：后台管理员</a:t>
-            </a:r>
-            <a:endParaRPr kumimoji="1" lang="en-US" altLang="zh-CN" dirty="0" smtClean="0"/>
-          </a:p>
-          <a:p>
-            <a:pPr lvl="1"/>
-            <a:r>
-              <a:rPr kumimoji="1" lang="zh-CN" altLang="en-US" dirty="0" smtClean="0"/>
-              <a:t>权限：以上所有权限，此外可以查看终端的操作日志</a:t>
-            </a:r>
-            <a:endParaRPr kumimoji="1" lang="en-US" altLang="zh-CN" dirty="0" smtClean="0"/>
-          </a:p>
-          <a:p>
-            <a:pPr lvl="1"/>
-            <a:endParaRPr kumimoji="1" lang="zh-CN" altLang="en-US" dirty="0"/>
+            <a:endParaRPr lang="zh-CN" altLang="en-US"/>
           </a:p>
         </p:txBody>
       </p:sp>
     </p:spTree>
     <p:extLst>
       <p:ext uri="{BB962C8B-B14F-4D97-AF65-F5344CB8AC3E}">
-        <p14:creationId xmlns:p14="http://schemas.microsoft.com/office/powerpoint/2010/main" val="303073681"/>
+        <p14:creationId xmlns:p14="http://schemas.microsoft.com/office/powerpoint/2010/main" val="2619177453"/>
       </p:ext>
     </p:extLst>
   </p:cSld>
@@ -8630,10 +8933,10 @@
           <a:lstStyle/>
           <a:p>
             <a:r>
-              <a:rPr kumimoji="1" lang="zh-CN" altLang="en-US" dirty="0" smtClean="0"/>
-              <a:t>安全性分析</a:t>
-            </a:r>
-            <a:endParaRPr kumimoji="1" lang="zh-CN" altLang="en-US" dirty="0"/>
+              <a:rPr lang="zh-CN" altLang="en-US" dirty="0" smtClean="0"/>
+              <a:t>网络后台</a:t>
+            </a:r>
+            <a:endParaRPr lang="zh-CN" altLang="en-US" dirty="0"/>
           </a:p>
         </p:txBody>
       </p:sp>
@@ -8653,136 +8956,329 @@
           <a:lstStyle/>
           <a:p>
             <a:r>
-              <a:rPr kumimoji="1" lang="en-US" altLang="zh-CN" dirty="0" smtClean="0"/>
-              <a:t>Django</a:t>
-            </a:r>
-            <a:r>
-              <a:rPr kumimoji="1" lang="zh-CN" altLang="en-US" dirty="0" smtClean="0"/>
-              <a:t> </a:t>
-            </a:r>
-            <a:r>
-              <a:rPr kumimoji="1" lang="en-US" altLang="zh-CN" dirty="0" smtClean="0"/>
-              <a:t>+</a:t>
-            </a:r>
-            <a:r>
-              <a:rPr kumimoji="1" lang="zh-CN" altLang="en-US" dirty="0" smtClean="0"/>
-              <a:t> </a:t>
-            </a:r>
-            <a:r>
-              <a:rPr kumimoji="1" lang="en-US" altLang="zh-CN" dirty="0" smtClean="0"/>
-              <a:t>Django</a:t>
-            </a:r>
-            <a:r>
-              <a:rPr kumimoji="1" lang="zh-CN" altLang="en-US" dirty="0" smtClean="0"/>
-              <a:t> </a:t>
-            </a:r>
-            <a:r>
-              <a:rPr kumimoji="1" lang="en-US" altLang="zh-CN" dirty="0" smtClean="0"/>
-              <a:t>REST</a:t>
-            </a:r>
-            <a:r>
-              <a:rPr kumimoji="1" lang="zh-CN" altLang="en-US" dirty="0" smtClean="0"/>
-              <a:t> </a:t>
-            </a:r>
-            <a:r>
-              <a:rPr kumimoji="1" lang="en-US" altLang="zh-CN" dirty="0" smtClean="0"/>
+              <a:rPr lang="zh-CN" altLang="en-US" dirty="0" smtClean="0"/>
+              <a:t>采用了</a:t>
+            </a:r>
+            <a:r>
+              <a:rPr lang="en-US" altLang="zh-CN" dirty="0" smtClean="0"/>
+              <a:t>Django </a:t>
+            </a:r>
+            <a:r>
+              <a:rPr lang="en-US" altLang="zh-CN" dirty="0"/>
+              <a:t>REST </a:t>
+            </a:r>
+            <a:r>
+              <a:rPr lang="en-US" altLang="zh-CN" dirty="0" smtClean="0"/>
               <a:t>framework</a:t>
             </a:r>
             <a:r>
-              <a:rPr kumimoji="1" lang="zh-CN" altLang="en-US" dirty="0" smtClean="0"/>
-              <a:t>框架</a:t>
-            </a:r>
-            <a:endParaRPr kumimoji="1" lang="en-US" altLang="zh-CN" dirty="0" smtClean="0"/>
+              <a:rPr lang="zh-CN" altLang="en-US" dirty="0" smtClean="0"/>
+              <a:t>作为网站后台的框架</a:t>
+            </a:r>
+            <a:endParaRPr lang="en-US" altLang="zh-CN" dirty="0" smtClean="0"/>
           </a:p>
           <a:p>
             <a:pPr lvl="1"/>
             <a:r>
-              <a:rPr kumimoji="1" lang="zh-CN" altLang="en-US" dirty="0" smtClean="0"/>
-              <a:t>比较成熟的框架，最大程度的保证了安全性，避免了一些常见的漏洞</a:t>
-            </a:r>
-            <a:endParaRPr kumimoji="1" lang="en-US" altLang="zh-CN" dirty="0" smtClean="0"/>
-          </a:p>
-          <a:p>
-            <a:r>
-              <a:rPr kumimoji="1" lang="en-US" altLang="zh-CN" dirty="0" smtClean="0"/>
-              <a:t>https</a:t>
+              <a:rPr lang="zh-CN" altLang="en-US" dirty="0" smtClean="0"/>
+              <a:t>提供</a:t>
+            </a:r>
+            <a:r>
+              <a:rPr lang="en-US" altLang="zh-CN" dirty="0" smtClean="0"/>
+              <a:t>RESTful</a:t>
+            </a:r>
+            <a:r>
+              <a:rPr lang="zh-CN" altLang="en-US" dirty="0" smtClean="0"/>
+              <a:t>形式的</a:t>
+            </a:r>
+            <a:r>
+              <a:rPr lang="en-US" altLang="zh-CN" dirty="0" smtClean="0"/>
+              <a:t>API</a:t>
             </a:r>
           </a:p>
           <a:p>
             <a:pPr lvl="1"/>
             <a:r>
-              <a:rPr kumimoji="1" lang="zh-CN" altLang="en-US" dirty="0" smtClean="0"/>
-              <a:t>在传输层面用</a:t>
-            </a:r>
-            <a:r>
-              <a:rPr kumimoji="1" lang="en-US" altLang="zh-CN" dirty="0" smtClean="0"/>
-              <a:t>https</a:t>
-            </a:r>
-            <a:r>
-              <a:rPr kumimoji="1" lang="zh-CN" altLang="en-US" dirty="0" smtClean="0"/>
-              <a:t>进行加密传输，避免了信息被窃取的可能</a:t>
-            </a:r>
-            <a:endParaRPr kumimoji="1" lang="en-US" altLang="zh-CN" dirty="0"/>
-          </a:p>
-          <a:p>
-            <a:r>
-              <a:rPr kumimoji="1" lang="en-US" altLang="zh-CN" dirty="0" smtClean="0"/>
+              <a:rPr lang="zh-CN" altLang="en-US" dirty="0" smtClean="0"/>
+              <a:t>方便的权限管理</a:t>
+            </a:r>
+            <a:endParaRPr lang="en-US" altLang="zh-CN" dirty="0" smtClean="0"/>
+          </a:p>
+          <a:p>
+            <a:r>
+              <a:rPr lang="en-US" altLang="zh-CN" dirty="0" err="1" smtClean="0"/>
+              <a:t>Apache+https</a:t>
+            </a:r>
+            <a:r>
+              <a:rPr lang="zh-CN" altLang="en-US" dirty="0" smtClean="0"/>
+              <a:t>的配置</a:t>
+            </a:r>
+            <a:endParaRPr lang="en-US" altLang="zh-CN" dirty="0" smtClean="0"/>
+          </a:p>
+          <a:p>
+            <a:pPr lvl="1"/>
+            <a:r>
+              <a:rPr lang="zh-CN" altLang="en-US" dirty="0" smtClean="0"/>
+              <a:t>传输层面更加安全</a:t>
+            </a:r>
+            <a:endParaRPr lang="en-US" altLang="zh-CN" dirty="0" smtClean="0"/>
+          </a:p>
+          <a:p>
+            <a:pPr lvl="1"/>
+            <a:r>
+              <a:rPr lang="zh-CN" altLang="en-US" dirty="0" smtClean="0"/>
+              <a:t>并发性更好</a:t>
+            </a:r>
+            <a:endParaRPr lang="en-US" altLang="zh-CN" dirty="0" smtClean="0"/>
+          </a:p>
+          <a:p>
+            <a:r>
+              <a:rPr lang="zh-CN" altLang="en-US" dirty="0" smtClean="0"/>
+              <a:t>采用</a:t>
+            </a:r>
+            <a:r>
+              <a:rPr lang="en-US" altLang="zh-CN" dirty="0" smtClean="0"/>
               <a:t>token</a:t>
             </a:r>
             <a:r>
-              <a:rPr kumimoji="1" lang="zh-CN" altLang="en-US" dirty="0" smtClean="0"/>
-              <a:t> </a:t>
-            </a:r>
-            <a:r>
-              <a:rPr kumimoji="1" lang="en-US" altLang="zh-CN" dirty="0" smtClean="0"/>
-              <a:t>+</a:t>
-            </a:r>
-            <a:r>
-              <a:rPr kumimoji="1" lang="zh-CN" altLang="en-US" dirty="0" smtClean="0"/>
-              <a:t> </a:t>
-            </a:r>
-            <a:r>
-              <a:rPr kumimoji="1" lang="en-US" altLang="zh-CN" dirty="0" smtClean="0"/>
-              <a:t>session</a:t>
-            </a:r>
-            <a:r>
-              <a:rPr kumimoji="1" lang="zh-CN" altLang="en-US" dirty="0" smtClean="0"/>
-              <a:t>多种认证机制</a:t>
-            </a:r>
-            <a:endParaRPr kumimoji="1" lang="en-US" altLang="zh-CN" dirty="0" smtClean="0"/>
+              <a:rPr lang="zh-CN" altLang="en-US" dirty="0" smtClean="0"/>
+              <a:t>的验证方式</a:t>
+            </a:r>
+            <a:endParaRPr lang="en-US" altLang="zh-CN" dirty="0" smtClean="0"/>
           </a:p>
           <a:p>
             <a:pPr lvl="1"/>
             <a:r>
-              <a:rPr kumimoji="1" lang="zh-CN" altLang="en-US" dirty="0" smtClean="0"/>
-              <a:t>减少明文密码泄露的风险</a:t>
-            </a:r>
-            <a:endParaRPr kumimoji="1" lang="en-US" altLang="zh-CN" dirty="0" smtClean="0"/>
-          </a:p>
-          <a:p>
-            <a:r>
-              <a:rPr kumimoji="1" lang="zh-CN" altLang="en-US" dirty="0" smtClean="0"/>
-              <a:t>终端操作日志</a:t>
-            </a:r>
-            <a:r>
-              <a:rPr kumimoji="1" lang="en-US" altLang="zh-CN" dirty="0" smtClean="0"/>
-              <a:t>log</a:t>
-            </a:r>
-          </a:p>
-          <a:p>
-            <a:pPr lvl="1"/>
-            <a:r>
-              <a:rPr kumimoji="1" lang="zh-CN" altLang="en-US" dirty="0" smtClean="0"/>
-              <a:t>记录所有终端的操作，及时检测高危不正常的操作，能够尽快发现危险</a:t>
-            </a:r>
-            <a:endParaRPr kumimoji="1" lang="en-US" altLang="zh-CN" dirty="0" smtClean="0"/>
+              <a:rPr lang="zh-CN" altLang="en-US" dirty="0" smtClean="0"/>
+              <a:t>避免了直接使用密码明文</a:t>
+            </a:r>
+            <a:endParaRPr lang="zh-CN" altLang="en-US" dirty="0"/>
           </a:p>
         </p:txBody>
       </p:sp>
     </p:spTree>
     <p:extLst>
       <p:ext uri="{BB962C8B-B14F-4D97-AF65-F5344CB8AC3E}">
-        <p14:creationId xmlns:p14="http://schemas.microsoft.com/office/powerpoint/2010/main" val="530399183"/>
+        <p14:creationId xmlns:p14="http://schemas.microsoft.com/office/powerpoint/2010/main" val="3299760390"/>
+      </p:ext>
+    </p:extLst>
+  </p:cSld>
+  <p:clrMapOvr>
+    <a:masterClrMapping/>
+  </p:clrMapOvr>
+</p:sld>
+</file>
+
+<file path=ppt/slides/slide9.xml><?xml version="1.0" encoding="utf-8"?>
+<p:sld xmlns:a="http://schemas.openxmlformats.org/drawingml/2006/main" xmlns:r="http://schemas.openxmlformats.org/officeDocument/2006/relationships" xmlns:p="http://schemas.openxmlformats.org/presentationml/2006/main">
+  <p:cSld>
+    <p:spTree>
+      <p:nvGrpSpPr>
+        <p:cNvPr id="1" name=""/>
+        <p:cNvGrpSpPr/>
+        <p:nvPr/>
+      </p:nvGrpSpPr>
+      <p:grpSpPr>
+        <a:xfrm>
+          <a:off x="0" y="0"/>
+          <a:ext cx="0" cy="0"/>
+          <a:chOff x="0" y="0"/>
+          <a:chExt cx="0" cy="0"/>
+        </a:xfrm>
+      </p:grpSpPr>
+      <p:sp>
+        <p:nvSpPr>
+          <p:cNvPr id="2" name="标题 1"/>
+          <p:cNvSpPr>
+            <a:spLocks noGrp="1"/>
+          </p:cNvSpPr>
+          <p:nvPr>
+            <p:ph type="title"/>
+          </p:nvPr>
+        </p:nvSpPr>
+        <p:spPr/>
+        <p:txBody>
+          <a:bodyPr/>
+          <a:lstStyle/>
+          <a:p>
+            <a:r>
+              <a:rPr kumimoji="1" lang="zh-CN" altLang="en-US" dirty="0" smtClean="0"/>
+              <a:t>终端用户分类</a:t>
+            </a:r>
+            <a:endParaRPr kumimoji="1" lang="zh-CN" altLang="en-US" dirty="0"/>
+          </a:p>
+        </p:txBody>
+      </p:sp>
+      <p:sp>
+        <p:nvSpPr>
+          <p:cNvPr id="3" name="内容占位符 2"/>
+          <p:cNvSpPr>
+            <a:spLocks noGrp="1"/>
+          </p:cNvSpPr>
+          <p:nvPr>
+            <p:ph idx="1"/>
+          </p:nvPr>
+        </p:nvSpPr>
+        <p:spPr>
+          <a:xfrm>
+            <a:off x="2589212" y="1490597"/>
+            <a:ext cx="8915400" cy="5248405"/>
+          </a:xfrm>
+        </p:spPr>
+        <p:txBody>
+          <a:bodyPr>
+            <a:normAutofit fontScale="92500" lnSpcReduction="10000"/>
+          </a:bodyPr>
+          <a:lstStyle/>
+          <a:p>
+            <a:r>
+              <a:rPr kumimoji="1" lang="en-US" altLang="zh-CN" dirty="0" smtClean="0"/>
+              <a:t>Register</a:t>
+            </a:r>
+          </a:p>
+          <a:p>
+            <a:pPr lvl="1"/>
+            <a:r>
+              <a:rPr kumimoji="1" lang="zh-CN" altLang="en-US" dirty="0" smtClean="0"/>
+              <a:t>场景：注册中心的终端</a:t>
+            </a:r>
+            <a:endParaRPr kumimoji="1" lang="en-US" altLang="zh-CN" dirty="0" smtClean="0"/>
+          </a:p>
+          <a:p>
+            <a:pPr lvl="1"/>
+            <a:r>
+              <a:rPr lang="zh-CN" altLang="en-US" dirty="0" smtClean="0"/>
+              <a:t>权限：为</a:t>
+            </a:r>
+            <a:r>
+              <a:rPr lang="zh-CN" altLang="en-US" dirty="0"/>
+              <a:t>一个学生注册新卡、更新卡的有效期和获取学生的基本信息</a:t>
+            </a:r>
+            <a:r>
+              <a:rPr lang="zh-CN" altLang="en-US" dirty="0" smtClean="0"/>
+              <a:t>等</a:t>
+            </a:r>
+            <a:endParaRPr lang="en-US" altLang="zh-CN" dirty="0" smtClean="0"/>
+          </a:p>
+          <a:p>
+            <a:r>
+              <a:rPr kumimoji="1" lang="en-US" altLang="zh-CN" dirty="0" err="1" smtClean="0"/>
+              <a:t>Pos</a:t>
+            </a:r>
+            <a:endParaRPr kumimoji="1" lang="en-US" altLang="zh-CN" dirty="0" smtClean="0"/>
+          </a:p>
+          <a:p>
+            <a:pPr lvl="1"/>
+            <a:r>
+              <a:rPr kumimoji="1" lang="zh-CN" altLang="en-US" dirty="0" smtClean="0"/>
+              <a:t>场景：云闪付消费场所，如食堂和超市等</a:t>
+            </a:r>
+            <a:endParaRPr kumimoji="1" lang="en-US" altLang="zh-CN" dirty="0" smtClean="0"/>
+          </a:p>
+          <a:p>
+            <a:pPr lvl="1"/>
+            <a:r>
+              <a:rPr kumimoji="1" lang="zh-CN" altLang="en-US" dirty="0" smtClean="0"/>
+              <a:t>权限：</a:t>
+            </a:r>
+            <a:r>
+              <a:rPr lang="zh-CN" altLang="en-US" dirty="0" smtClean="0"/>
+              <a:t>减少</a:t>
+            </a:r>
+            <a:r>
+              <a:rPr lang="zh-CN" altLang="en-US" dirty="0"/>
+              <a:t>卡的</a:t>
+            </a:r>
+            <a:r>
+              <a:rPr lang="zh-CN" altLang="en-US" dirty="0" smtClean="0"/>
+              <a:t>金额</a:t>
+            </a:r>
+            <a:endParaRPr lang="en-US" altLang="zh-CN" dirty="0" smtClean="0"/>
+          </a:p>
+          <a:p>
+            <a:r>
+              <a:rPr kumimoji="1" lang="en-US" altLang="zh-CN" dirty="0" smtClean="0"/>
+              <a:t>ATM</a:t>
+            </a:r>
+          </a:p>
+          <a:p>
+            <a:pPr lvl="1"/>
+            <a:r>
+              <a:rPr kumimoji="1" lang="zh-CN" altLang="en-US" dirty="0" smtClean="0"/>
+              <a:t>场景：圈存机等机器</a:t>
+            </a:r>
+            <a:endParaRPr kumimoji="1" lang="en-US" altLang="zh-CN" dirty="0" smtClean="0"/>
+          </a:p>
+          <a:p>
+            <a:pPr lvl="1"/>
+            <a:r>
+              <a:rPr kumimoji="1" lang="zh-CN" altLang="en-US" dirty="0" smtClean="0"/>
+              <a:t>权限：增加和减少卡上的金额</a:t>
+            </a:r>
+            <a:endParaRPr kumimoji="1" lang="en-US" altLang="zh-CN" dirty="0" smtClean="0"/>
+          </a:p>
+          <a:p>
+            <a:r>
+              <a:rPr kumimoji="1" lang="en-US" altLang="zh-CN" dirty="0" smtClean="0"/>
+              <a:t>Access</a:t>
+            </a:r>
+          </a:p>
+          <a:p>
+            <a:pPr lvl="1"/>
+            <a:r>
+              <a:rPr kumimoji="1" lang="zh-CN" altLang="en-US" dirty="0" smtClean="0"/>
+              <a:t>场景：宿舍楼下的门禁终端</a:t>
+            </a:r>
+            <a:endParaRPr kumimoji="1" lang="en-US" altLang="zh-CN" dirty="0" smtClean="0"/>
+          </a:p>
+          <a:p>
+            <a:pPr lvl="1"/>
+            <a:r>
+              <a:rPr kumimoji="1" lang="zh-CN" altLang="en-US" dirty="0" smtClean="0"/>
+              <a:t>权限：</a:t>
+            </a:r>
+            <a:r>
+              <a:rPr lang="zh-CN" altLang="en-US" dirty="0"/>
+              <a:t>判断一张卡是否有通过的</a:t>
+            </a:r>
+            <a:r>
+              <a:rPr lang="zh-CN" altLang="en-US" dirty="0" smtClean="0"/>
+              <a:t>权限</a:t>
+            </a:r>
+            <a:endParaRPr lang="en-US" altLang="zh-CN" dirty="0" smtClean="0"/>
+          </a:p>
+          <a:p>
+            <a:r>
+              <a:rPr kumimoji="1" lang="en-US" altLang="zh-CN" dirty="0" smtClean="0"/>
+              <a:t>Root</a:t>
+            </a:r>
+          </a:p>
+          <a:p>
+            <a:pPr lvl="1"/>
+            <a:r>
+              <a:rPr kumimoji="1" lang="zh-CN" altLang="en-US" dirty="0" smtClean="0"/>
+              <a:t>场景：后台管理员</a:t>
+            </a:r>
+            <a:endParaRPr kumimoji="1" lang="en-US" altLang="zh-CN" dirty="0" smtClean="0"/>
+          </a:p>
+          <a:p>
+            <a:pPr lvl="1"/>
+            <a:r>
+              <a:rPr kumimoji="1" lang="zh-CN" altLang="en-US" dirty="0" smtClean="0"/>
+              <a:t>权限：以上所有权限，此外可以查看终端的操作日志</a:t>
+            </a:r>
+            <a:endParaRPr kumimoji="1" lang="en-US" altLang="zh-CN" dirty="0" smtClean="0"/>
+          </a:p>
+          <a:p>
+            <a:pPr lvl="1"/>
+            <a:endParaRPr kumimoji="1" lang="zh-CN" altLang="en-US" dirty="0"/>
+          </a:p>
+        </p:txBody>
+      </p:sp>
+    </p:spTree>
+    <p:extLst>
+      <p:ext uri="{BB962C8B-B14F-4D97-AF65-F5344CB8AC3E}">
+        <p14:creationId xmlns:p14="http://schemas.microsoft.com/office/powerpoint/2010/main" val="303073681"/>
       </p:ext>
     </p:extLst>
   </p:cSld>

--- a/pre.pptx
+++ b/pre.pptx
@@ -15,6 +15,7 @@
     <p:sldId id="261" r:id="rId9"/>
     <p:sldId id="262" r:id="rId10"/>
     <p:sldId id="263" r:id="rId11"/>
+    <p:sldId id="266" r:id="rId12"/>
   </p:sldIdLst>
   <p:sldSz cx="12192000" cy="6858000"/>
   <p:notesSz cx="6858000" cy="9144000"/>
@@ -7892,6 +7893,118 @@
 </p:sld>
 </file>
 
+<file path=ppt/slides/slide11.xml><?xml version="1.0" encoding="utf-8"?>
+<p:sld xmlns:a="http://schemas.openxmlformats.org/drawingml/2006/main" xmlns:r="http://schemas.openxmlformats.org/officeDocument/2006/relationships" xmlns:p="http://schemas.openxmlformats.org/presentationml/2006/main">
+  <p:cSld>
+    <p:spTree>
+      <p:nvGrpSpPr>
+        <p:cNvPr id="1" name=""/>
+        <p:cNvGrpSpPr/>
+        <p:nvPr/>
+      </p:nvGrpSpPr>
+      <p:grpSpPr>
+        <a:xfrm>
+          <a:off x="0" y="0"/>
+          <a:ext cx="0" cy="0"/>
+          <a:chOff x="0" y="0"/>
+          <a:chExt cx="0" cy="0"/>
+        </a:xfrm>
+      </p:grpSpPr>
+      <p:sp>
+        <p:nvSpPr>
+          <p:cNvPr id="2" name="标题 1"/>
+          <p:cNvSpPr>
+            <a:spLocks noGrp="1"/>
+          </p:cNvSpPr>
+          <p:nvPr>
+            <p:ph type="title"/>
+          </p:nvPr>
+        </p:nvSpPr>
+        <p:spPr/>
+        <p:txBody>
+          <a:bodyPr/>
+          <a:lstStyle/>
+          <a:p>
+            <a:r>
+              <a:rPr lang="zh-CN" altLang="en-US" dirty="0" smtClean="0"/>
+              <a:t>实际示例</a:t>
+            </a:r>
+            <a:endParaRPr lang="zh-CN" altLang="en-US" dirty="0"/>
+          </a:p>
+        </p:txBody>
+      </p:sp>
+      <p:pic>
+        <p:nvPicPr>
+          <p:cNvPr id="4" name="内容占位符 3"/>
+          <p:cNvPicPr>
+            <a:picLocks noGrp="1" noChangeAspect="1"/>
+          </p:cNvPicPr>
+          <p:nvPr>
+            <p:ph idx="1"/>
+          </p:nvPr>
+        </p:nvPicPr>
+        <p:blipFill>
+          <a:blip r:embed="rId2">
+            <a:extLst>
+              <a:ext uri="{28A0092B-C50C-407E-A947-70E740481C1C}">
+                <a14:useLocalDpi xmlns:a14="http://schemas.microsoft.com/office/drawing/2010/main" val="0"/>
+              </a:ext>
+            </a:extLst>
+          </a:blip>
+          <a:stretch>
+            <a:fillRect/>
+          </a:stretch>
+        </p:blipFill>
+        <p:spPr>
+          <a:xfrm>
+            <a:off x="2592925" y="2783426"/>
+            <a:ext cx="4270454" cy="2023581"/>
+          </a:xfrm>
+        </p:spPr>
+      </p:pic>
+      <p:pic>
+        <p:nvPicPr>
+          <p:cNvPr id="5" name="图片 4"/>
+          <p:cNvPicPr>
+            <a:picLocks noChangeAspect="1"/>
+          </p:cNvPicPr>
+          <p:nvPr/>
+        </p:nvPicPr>
+        <p:blipFill>
+          <a:blip r:embed="rId3">
+            <a:extLst>
+              <a:ext uri="{28A0092B-C50C-407E-A947-70E740481C1C}">
+                <a14:useLocalDpi xmlns:a14="http://schemas.microsoft.com/office/drawing/2010/main" val="0"/>
+              </a:ext>
+            </a:extLst>
+          </a:blip>
+          <a:stretch>
+            <a:fillRect/>
+          </a:stretch>
+        </p:blipFill>
+        <p:spPr>
+          <a:xfrm>
+            <a:off x="7245295" y="1363416"/>
+            <a:ext cx="4581482" cy="5327840"/>
+          </a:xfrm>
+          <a:prstGeom prst="rect">
+            <a:avLst/>
+          </a:prstGeom>
+        </p:spPr>
+      </p:pic>
+    </p:spTree>
+    <p:extLst>
+      <p:ext uri="{BB962C8B-B14F-4D97-AF65-F5344CB8AC3E}">
+        <p14:creationId xmlns:p14="http://schemas.microsoft.com/office/powerpoint/2010/main" val="17220427"/>
+      </p:ext>
+    </p:extLst>
+  </p:cSld>
+  <p:clrMapOvr>
+    <a:masterClrMapping/>
+  </p:clrMapOvr>
+</p:sld>
+</file>
+
 <file path=ppt/slides/slide2.xml><?xml version="1.0" encoding="utf-8"?>
 <p:sld xmlns:a="http://schemas.openxmlformats.org/drawingml/2006/main" xmlns:r="http://schemas.openxmlformats.org/officeDocument/2006/relationships" xmlns:p="http://schemas.openxmlformats.org/presentationml/2006/main">
   <p:cSld>
@@ -8137,11 +8250,7 @@
           <a:p>
             <a:r>
               <a:rPr lang="zh-CN" altLang="en-US" dirty="0" smtClean="0"/>
-              <a:t>校园卡</a:t>
-            </a:r>
-            <a:r>
-              <a:rPr lang="zh-CN" altLang="en-US" dirty="0" smtClean="0"/>
-              <a:t>与</a:t>
+              <a:t>校园卡与</a:t>
             </a:r>
             <a:r>
               <a:rPr lang="en-US" altLang="zh-CN" dirty="0" smtClean="0"/>
@@ -8292,11 +8401,7 @@
           <a:p>
             <a:r>
               <a:rPr lang="zh-CN" altLang="en-US" dirty="0" smtClean="0"/>
-              <a:t>校园卡的</a:t>
-            </a:r>
-            <a:r>
-              <a:rPr lang="zh-CN" altLang="en-US" dirty="0" smtClean="0"/>
-              <a:t>数据存储</a:t>
+              <a:t>校园卡的数据存储</a:t>
             </a:r>
             <a:endParaRPr lang="zh-CN" altLang="en-US" dirty="0"/>
           </a:p>

--- a/pre.pptx
+++ b/pre.pptx
@@ -6,16 +6,18 @@
   </p:sldMasterIdLst>
   <p:sldIdLst>
     <p:sldId id="256" r:id="rId2"/>
-    <p:sldId id="257" r:id="rId3"/>
-    <p:sldId id="258" r:id="rId4"/>
-    <p:sldId id="259" r:id="rId5"/>
-    <p:sldId id="264" r:id="rId6"/>
-    <p:sldId id="265" r:id="rId7"/>
-    <p:sldId id="260" r:id="rId8"/>
-    <p:sldId id="261" r:id="rId9"/>
-    <p:sldId id="262" r:id="rId10"/>
-    <p:sldId id="263" r:id="rId11"/>
-    <p:sldId id="266" r:id="rId12"/>
+    <p:sldId id="267" r:id="rId3"/>
+    <p:sldId id="257" r:id="rId4"/>
+    <p:sldId id="258" r:id="rId5"/>
+    <p:sldId id="259" r:id="rId6"/>
+    <p:sldId id="264" r:id="rId7"/>
+    <p:sldId id="265" r:id="rId8"/>
+    <p:sldId id="260" r:id="rId9"/>
+    <p:sldId id="261" r:id="rId10"/>
+    <p:sldId id="262" r:id="rId11"/>
+    <p:sldId id="263" r:id="rId12"/>
+    <p:sldId id="269" r:id="rId13"/>
+    <p:sldId id="268" r:id="rId14"/>
   </p:sldIdLst>
   <p:sldSz cx="12192000" cy="6858000"/>
   <p:notesSz cx="6858000" cy="9144000"/>
@@ -7732,7 +7734,7 @@
           <a:p>
             <a:r>
               <a:rPr kumimoji="1" lang="zh-CN" altLang="en-US" dirty="0" smtClean="0"/>
-              <a:t>安全性分析</a:t>
+              <a:t>终端用户分类</a:t>
             </a:r>
             <a:endParaRPr kumimoji="1" lang="zh-CN" altLang="en-US" dirty="0"/>
           </a:p>
@@ -7748,142 +7750,166 @@
             <p:ph idx="1"/>
           </p:nvPr>
         </p:nvSpPr>
-        <p:spPr/>
-        <p:txBody>
-          <a:bodyPr/>
+        <p:spPr>
+          <a:xfrm>
+            <a:off x="2589212" y="1490597"/>
+            <a:ext cx="8915400" cy="5248405"/>
+          </a:xfrm>
+        </p:spPr>
+        <p:txBody>
+          <a:bodyPr>
+            <a:normAutofit fontScale="92500" lnSpcReduction="10000"/>
+          </a:bodyPr>
           <a:lstStyle/>
           <a:p>
             <a:r>
               <a:rPr kumimoji="1" lang="en-US" altLang="zh-CN" dirty="0" smtClean="0"/>
-              <a:t>Django</a:t>
-            </a:r>
+              <a:t>Register</a:t>
+            </a:r>
+          </a:p>
+          <a:p>
+            <a:pPr lvl="1"/>
             <a:r>
               <a:rPr kumimoji="1" lang="zh-CN" altLang="en-US" dirty="0" smtClean="0"/>
-              <a:t> </a:t>
-            </a:r>
+              <a:t>场景：注册中心的终端</a:t>
+            </a:r>
+            <a:endParaRPr kumimoji="1" lang="en-US" altLang="zh-CN" dirty="0" smtClean="0"/>
+          </a:p>
+          <a:p>
+            <a:pPr lvl="1"/>
+            <a:r>
+              <a:rPr lang="zh-CN" altLang="en-US" dirty="0" smtClean="0"/>
+              <a:t>权限：为</a:t>
+            </a:r>
+            <a:r>
+              <a:rPr lang="zh-CN" altLang="en-US" dirty="0"/>
+              <a:t>一个学生注册新卡、更新卡的有效期和获取学生的基本信息</a:t>
+            </a:r>
+            <a:r>
+              <a:rPr lang="zh-CN" altLang="en-US" dirty="0" smtClean="0"/>
+              <a:t>等</a:t>
+            </a:r>
+            <a:endParaRPr lang="en-US" altLang="zh-CN" dirty="0" smtClean="0"/>
+          </a:p>
+          <a:p>
+            <a:r>
+              <a:rPr kumimoji="1" lang="en-US" altLang="zh-CN" dirty="0" err="1" smtClean="0"/>
+              <a:t>Pos</a:t>
+            </a:r>
+            <a:endParaRPr kumimoji="1" lang="en-US" altLang="zh-CN" dirty="0" smtClean="0"/>
+          </a:p>
+          <a:p>
+            <a:pPr lvl="1"/>
+            <a:r>
+              <a:rPr kumimoji="1" lang="zh-CN" altLang="en-US" dirty="0" smtClean="0"/>
+              <a:t>场景：云闪付消费场所，如食堂和超市等</a:t>
+            </a:r>
+            <a:endParaRPr kumimoji="1" lang="en-US" altLang="zh-CN" dirty="0" smtClean="0"/>
+          </a:p>
+          <a:p>
+            <a:pPr lvl="1"/>
+            <a:r>
+              <a:rPr kumimoji="1" lang="zh-CN" altLang="en-US" dirty="0" smtClean="0"/>
+              <a:t>权限：</a:t>
+            </a:r>
+            <a:r>
+              <a:rPr lang="zh-CN" altLang="en-US" dirty="0" smtClean="0"/>
+              <a:t>减少</a:t>
+            </a:r>
+            <a:r>
+              <a:rPr lang="zh-CN" altLang="en-US" dirty="0"/>
+              <a:t>卡的</a:t>
+            </a:r>
+            <a:r>
+              <a:rPr lang="zh-CN" altLang="en-US" dirty="0" smtClean="0"/>
+              <a:t>金额</a:t>
+            </a:r>
+            <a:endParaRPr lang="en-US" altLang="zh-CN" dirty="0" smtClean="0"/>
+          </a:p>
+          <a:p>
             <a:r>
               <a:rPr kumimoji="1" lang="en-US" altLang="zh-CN" dirty="0" smtClean="0"/>
-              <a:t>+</a:t>
-            </a:r>
+              <a:t>ATM</a:t>
+            </a:r>
+          </a:p>
+          <a:p>
+            <a:pPr lvl="1"/>
             <a:r>
               <a:rPr kumimoji="1" lang="zh-CN" altLang="en-US" dirty="0" smtClean="0"/>
-              <a:t> </a:t>
-            </a:r>
+              <a:t>场景：圈存机等机器</a:t>
+            </a:r>
+            <a:endParaRPr kumimoji="1" lang="en-US" altLang="zh-CN" dirty="0" smtClean="0"/>
+          </a:p>
+          <a:p>
+            <a:pPr lvl="1"/>
+            <a:r>
+              <a:rPr kumimoji="1" lang="zh-CN" altLang="en-US" dirty="0" smtClean="0"/>
+              <a:t>权限：增加和减少卡上的金额</a:t>
+            </a:r>
+            <a:endParaRPr kumimoji="1" lang="en-US" altLang="zh-CN" dirty="0" smtClean="0"/>
+          </a:p>
+          <a:p>
             <a:r>
               <a:rPr kumimoji="1" lang="en-US" altLang="zh-CN" dirty="0" smtClean="0"/>
-              <a:t>Django</a:t>
-            </a:r>
+              <a:t>Access</a:t>
+            </a:r>
+          </a:p>
+          <a:p>
+            <a:pPr lvl="1"/>
             <a:r>
               <a:rPr kumimoji="1" lang="zh-CN" altLang="en-US" dirty="0" smtClean="0"/>
-              <a:t> </a:t>
-            </a:r>
+              <a:t>场景：宿舍楼下的门禁终端</a:t>
+            </a:r>
+            <a:endParaRPr kumimoji="1" lang="en-US" altLang="zh-CN" dirty="0" smtClean="0"/>
+          </a:p>
+          <a:p>
+            <a:pPr lvl="1"/>
+            <a:r>
+              <a:rPr kumimoji="1" lang="zh-CN" altLang="en-US" dirty="0" smtClean="0"/>
+              <a:t>权限：</a:t>
+            </a:r>
+            <a:r>
+              <a:rPr lang="zh-CN" altLang="en-US" dirty="0"/>
+              <a:t>判断一张卡是否有通过的</a:t>
+            </a:r>
+            <a:r>
+              <a:rPr lang="zh-CN" altLang="en-US" dirty="0" smtClean="0"/>
+              <a:t>权限</a:t>
+            </a:r>
+            <a:endParaRPr lang="en-US" altLang="zh-CN" dirty="0" smtClean="0"/>
+          </a:p>
+          <a:p>
             <a:r>
               <a:rPr kumimoji="1" lang="en-US" altLang="zh-CN" dirty="0" smtClean="0"/>
-              <a:t>REST</a:t>
-            </a:r>
+              <a:t>Root</a:t>
+            </a:r>
+          </a:p>
+          <a:p>
+            <a:pPr lvl="1"/>
             <a:r>
               <a:rPr kumimoji="1" lang="zh-CN" altLang="en-US" dirty="0" smtClean="0"/>
-              <a:t> </a:t>
-            </a:r>
-            <a:r>
-              <a:rPr kumimoji="1" lang="en-US" altLang="zh-CN" dirty="0" smtClean="0"/>
-              <a:t>framework</a:t>
-            </a:r>
+              <a:t>场景：后台管理员</a:t>
+            </a:r>
+            <a:endParaRPr kumimoji="1" lang="en-US" altLang="zh-CN" dirty="0" smtClean="0"/>
+          </a:p>
+          <a:p>
+            <a:pPr lvl="1"/>
             <a:r>
               <a:rPr kumimoji="1" lang="zh-CN" altLang="en-US" dirty="0" smtClean="0"/>
-              <a:t>框架</a:t>
+              <a:t>权限：以上所有权限，此外可以查看终端的操作日志</a:t>
             </a:r>
             <a:endParaRPr kumimoji="1" lang="en-US" altLang="zh-CN" dirty="0" smtClean="0"/>
           </a:p>
           <a:p>
             <a:pPr lvl="1"/>
-            <a:r>
-              <a:rPr kumimoji="1" lang="zh-CN" altLang="en-US" dirty="0" smtClean="0"/>
-              <a:t>比较成熟的框架，最大程度的保证了安全性，避免了一些常见的漏洞</a:t>
-            </a:r>
-            <a:endParaRPr kumimoji="1" lang="en-US" altLang="zh-CN" dirty="0" smtClean="0"/>
-          </a:p>
-          <a:p>
-            <a:r>
-              <a:rPr kumimoji="1" lang="en-US" altLang="zh-CN" dirty="0" smtClean="0"/>
-              <a:t>https</a:t>
-            </a:r>
-          </a:p>
-          <a:p>
-            <a:pPr lvl="1"/>
-            <a:r>
-              <a:rPr kumimoji="1" lang="zh-CN" altLang="en-US" dirty="0" smtClean="0"/>
-              <a:t>在传输层面用</a:t>
-            </a:r>
-            <a:r>
-              <a:rPr kumimoji="1" lang="en-US" altLang="zh-CN" dirty="0" smtClean="0"/>
-              <a:t>https</a:t>
-            </a:r>
-            <a:r>
-              <a:rPr kumimoji="1" lang="zh-CN" altLang="en-US" dirty="0" smtClean="0"/>
-              <a:t>进行加密传输，避免了信息被窃取的可能</a:t>
-            </a:r>
-            <a:endParaRPr kumimoji="1" lang="en-US" altLang="zh-CN" dirty="0"/>
-          </a:p>
-          <a:p>
-            <a:r>
-              <a:rPr kumimoji="1" lang="en-US" altLang="zh-CN" dirty="0" smtClean="0"/>
-              <a:t>token</a:t>
-            </a:r>
-            <a:r>
-              <a:rPr kumimoji="1" lang="zh-CN" altLang="en-US" dirty="0" smtClean="0"/>
-              <a:t> </a:t>
-            </a:r>
-            <a:r>
-              <a:rPr kumimoji="1" lang="en-US" altLang="zh-CN" dirty="0" smtClean="0"/>
-              <a:t>+</a:t>
-            </a:r>
-            <a:r>
-              <a:rPr kumimoji="1" lang="zh-CN" altLang="en-US" dirty="0" smtClean="0"/>
-              <a:t> </a:t>
-            </a:r>
-            <a:r>
-              <a:rPr kumimoji="1" lang="en-US" altLang="zh-CN" dirty="0" smtClean="0"/>
-              <a:t>session</a:t>
-            </a:r>
-            <a:r>
-              <a:rPr kumimoji="1" lang="zh-CN" altLang="en-US" dirty="0" smtClean="0"/>
-              <a:t>多种认证机制</a:t>
-            </a:r>
-            <a:endParaRPr kumimoji="1" lang="en-US" altLang="zh-CN" dirty="0" smtClean="0"/>
-          </a:p>
-          <a:p>
-            <a:pPr lvl="1"/>
-            <a:r>
-              <a:rPr kumimoji="1" lang="zh-CN" altLang="en-US" dirty="0" smtClean="0"/>
-              <a:t>减少明文密码泄露的风险</a:t>
-            </a:r>
-            <a:endParaRPr kumimoji="1" lang="en-US" altLang="zh-CN" dirty="0" smtClean="0"/>
-          </a:p>
-          <a:p>
-            <a:r>
-              <a:rPr kumimoji="1" lang="zh-CN" altLang="en-US" dirty="0" smtClean="0"/>
-              <a:t>终端操作日志</a:t>
-            </a:r>
-            <a:r>
-              <a:rPr kumimoji="1" lang="en-US" altLang="zh-CN" dirty="0" smtClean="0"/>
-              <a:t>log</a:t>
-            </a:r>
-          </a:p>
-          <a:p>
-            <a:pPr lvl="1"/>
-            <a:r>
-              <a:rPr kumimoji="1" lang="zh-CN" altLang="en-US" dirty="0" smtClean="0"/>
-              <a:t>记录所有终端的操作，及时检测高危不正常的操作，能够尽快发现危险</a:t>
-            </a:r>
-            <a:endParaRPr kumimoji="1" lang="en-US" altLang="zh-CN" dirty="0" smtClean="0"/>
+            <a:endParaRPr kumimoji="1" lang="zh-CN" altLang="en-US" dirty="0"/>
           </a:p>
         </p:txBody>
       </p:sp>
     </p:spTree>
     <p:extLst>
       <p:ext uri="{BB962C8B-B14F-4D97-AF65-F5344CB8AC3E}">
-        <p14:creationId xmlns:p14="http://schemas.microsoft.com/office/powerpoint/2010/main" val="530399183"/>
+        <p14:creationId xmlns:p14="http://schemas.microsoft.com/office/powerpoint/2010/main" val="303073681"/>
       </p:ext>
     </p:extLst>
   </p:cSld>
@@ -7926,76 +7952,727 @@
           <a:lstStyle/>
           <a:p>
             <a:r>
-              <a:rPr lang="zh-CN" altLang="en-US" dirty="0" smtClean="0"/>
-              <a:t>实际示例</a:t>
-            </a:r>
-            <a:endParaRPr lang="zh-CN" altLang="en-US" dirty="0"/>
-          </a:p>
-        </p:txBody>
-      </p:sp>
-      <p:pic>
-        <p:nvPicPr>
-          <p:cNvPr id="4" name="内容占位符 3"/>
-          <p:cNvPicPr>
-            <a:picLocks noGrp="1" noChangeAspect="1"/>
-          </p:cNvPicPr>
+              <a:rPr kumimoji="1" lang="zh-CN" altLang="en-US" dirty="0" smtClean="0"/>
+              <a:t>安全性分析</a:t>
+            </a:r>
+            <a:endParaRPr kumimoji="1" lang="zh-CN" altLang="en-US" dirty="0"/>
+          </a:p>
+        </p:txBody>
+      </p:sp>
+      <p:sp>
+        <p:nvSpPr>
+          <p:cNvPr id="3" name="内容占位符 2"/>
+          <p:cNvSpPr>
+            <a:spLocks noGrp="1"/>
+          </p:cNvSpPr>
           <p:nvPr>
             <p:ph idx="1"/>
           </p:nvPr>
-        </p:nvPicPr>
-        <p:blipFill>
-          <a:blip r:embed="rId2">
-            <a:extLst>
-              <a:ext uri="{28A0092B-C50C-407E-A947-70E740481C1C}">
-                <a14:useLocalDpi xmlns:a14="http://schemas.microsoft.com/office/drawing/2010/main" val="0"/>
-              </a:ext>
-            </a:extLst>
-          </a:blip>
-          <a:stretch>
-            <a:fillRect/>
-          </a:stretch>
-        </p:blipFill>
-        <p:spPr>
-          <a:xfrm>
-            <a:off x="2592925" y="2783426"/>
-            <a:ext cx="4270454" cy="2023581"/>
-          </a:xfrm>
-        </p:spPr>
-      </p:pic>
-      <p:pic>
-        <p:nvPicPr>
-          <p:cNvPr id="5" name="图片 4"/>
-          <p:cNvPicPr>
-            <a:picLocks noChangeAspect="1"/>
-          </p:cNvPicPr>
-          <p:nvPr/>
-        </p:nvPicPr>
-        <p:blipFill>
-          <a:blip r:embed="rId3">
-            <a:extLst>
-              <a:ext uri="{28A0092B-C50C-407E-A947-70E740481C1C}">
-                <a14:useLocalDpi xmlns:a14="http://schemas.microsoft.com/office/drawing/2010/main" val="0"/>
-              </a:ext>
-            </a:extLst>
-          </a:blip>
-          <a:stretch>
-            <a:fillRect/>
-          </a:stretch>
-        </p:blipFill>
-        <p:spPr>
-          <a:xfrm>
-            <a:off x="7245295" y="1363416"/>
-            <a:ext cx="4581482" cy="5327840"/>
-          </a:xfrm>
-          <a:prstGeom prst="rect">
-            <a:avLst/>
-          </a:prstGeom>
-        </p:spPr>
-      </p:pic>
+        </p:nvSpPr>
+        <p:spPr/>
+        <p:txBody>
+          <a:bodyPr>
+            <a:normAutofit fontScale="92500" lnSpcReduction="20000"/>
+          </a:bodyPr>
+          <a:lstStyle/>
+          <a:p>
+            <a:r>
+              <a:rPr kumimoji="1" lang="en-US" altLang="zh-CN" dirty="0" smtClean="0"/>
+              <a:t>Django</a:t>
+            </a:r>
+            <a:r>
+              <a:rPr kumimoji="1" lang="zh-CN" altLang="en-US" dirty="0" smtClean="0"/>
+              <a:t> </a:t>
+            </a:r>
+            <a:r>
+              <a:rPr kumimoji="1" lang="en-US" altLang="zh-CN" dirty="0" smtClean="0"/>
+              <a:t>+</a:t>
+            </a:r>
+            <a:r>
+              <a:rPr kumimoji="1" lang="zh-CN" altLang="en-US" dirty="0" smtClean="0"/>
+              <a:t> </a:t>
+            </a:r>
+            <a:r>
+              <a:rPr kumimoji="1" lang="en-US" altLang="zh-CN" dirty="0" smtClean="0"/>
+              <a:t>Django</a:t>
+            </a:r>
+            <a:r>
+              <a:rPr kumimoji="1" lang="zh-CN" altLang="en-US" dirty="0" smtClean="0"/>
+              <a:t> </a:t>
+            </a:r>
+            <a:r>
+              <a:rPr kumimoji="1" lang="en-US" altLang="zh-CN" dirty="0" smtClean="0"/>
+              <a:t>REST</a:t>
+            </a:r>
+            <a:r>
+              <a:rPr kumimoji="1" lang="zh-CN" altLang="en-US" dirty="0" smtClean="0"/>
+              <a:t> </a:t>
+            </a:r>
+            <a:r>
+              <a:rPr kumimoji="1" lang="en-US" altLang="zh-CN" dirty="0" smtClean="0"/>
+              <a:t>framework</a:t>
+            </a:r>
+            <a:r>
+              <a:rPr kumimoji="1" lang="zh-CN" altLang="en-US" dirty="0" smtClean="0"/>
+              <a:t>框架</a:t>
+            </a:r>
+            <a:endParaRPr kumimoji="1" lang="en-US" altLang="zh-CN" dirty="0" smtClean="0"/>
+          </a:p>
+          <a:p>
+            <a:pPr lvl="1"/>
+            <a:r>
+              <a:rPr kumimoji="1" lang="zh-CN" altLang="en-US" dirty="0" smtClean="0"/>
+              <a:t>比较成熟的框架，最大程度的保证了安全性，避免了一些常见的</a:t>
+            </a:r>
+            <a:r>
+              <a:rPr kumimoji="1" lang="zh-CN" altLang="en-US" dirty="0" smtClean="0"/>
+              <a:t>漏洞（</a:t>
+            </a:r>
+            <a:r>
+              <a:rPr lang="en-US" altLang="zh-CN" dirty="0">
+                <a:hlinkClick r:id="rId2"/>
+              </a:rPr>
+              <a:t>Security in </a:t>
+            </a:r>
+            <a:r>
+              <a:rPr lang="en-US" altLang="zh-CN" dirty="0" smtClean="0">
+                <a:hlinkClick r:id="rId2"/>
+              </a:rPr>
+              <a:t>Django</a:t>
+            </a:r>
+            <a:r>
+              <a:rPr kumimoji="1" lang="zh-CN" altLang="en-US" dirty="0" smtClean="0"/>
+              <a:t>）</a:t>
+            </a:r>
+            <a:endParaRPr kumimoji="1" lang="en-US" altLang="zh-CN" dirty="0" smtClean="0"/>
+          </a:p>
+          <a:p>
+            <a:pPr lvl="2"/>
+            <a:r>
+              <a:rPr kumimoji="1" lang="zh-CN" altLang="en-US" dirty="0"/>
+              <a:t>跨</a:t>
+            </a:r>
+            <a:r>
+              <a:rPr kumimoji="1" lang="zh-CN" altLang="en-US" dirty="0" smtClean="0"/>
+              <a:t>站脚本攻击</a:t>
+            </a:r>
+            <a:r>
+              <a:rPr kumimoji="1" lang="en-US" altLang="zh-CN" dirty="0" smtClean="0"/>
+              <a:t>XSS</a:t>
+            </a:r>
+          </a:p>
+          <a:p>
+            <a:pPr lvl="2"/>
+            <a:r>
+              <a:rPr kumimoji="1" lang="en-US" altLang="zh-CN" dirty="0" smtClean="0"/>
+              <a:t>CSRF</a:t>
+            </a:r>
+          </a:p>
+          <a:p>
+            <a:pPr lvl="2"/>
+            <a:r>
+              <a:rPr kumimoji="1" lang="en-US" altLang="zh-CN" dirty="0" smtClean="0"/>
+              <a:t>SQL</a:t>
+            </a:r>
+            <a:r>
+              <a:rPr kumimoji="1" lang="zh-CN" altLang="en-US" dirty="0" smtClean="0"/>
+              <a:t>注入</a:t>
+            </a:r>
+            <a:endParaRPr kumimoji="1" lang="en-US" altLang="zh-CN" dirty="0" smtClean="0"/>
+          </a:p>
+          <a:p>
+            <a:pPr lvl="2"/>
+            <a:r>
+              <a:rPr kumimoji="1" lang="zh-CN" altLang="en-US" dirty="0"/>
+              <a:t>点击劫持</a:t>
+            </a:r>
+            <a:endParaRPr kumimoji="1" lang="en-US" altLang="zh-CN" dirty="0" smtClean="0"/>
+          </a:p>
+          <a:p>
+            <a:r>
+              <a:rPr kumimoji="1" lang="en-US" altLang="zh-CN" dirty="0" smtClean="0"/>
+              <a:t>SSL/HTTPS</a:t>
+            </a:r>
+            <a:endParaRPr kumimoji="1" lang="en-US" altLang="zh-CN" dirty="0" smtClean="0"/>
+          </a:p>
+          <a:p>
+            <a:pPr lvl="1"/>
+            <a:r>
+              <a:rPr kumimoji="1" lang="zh-CN" altLang="en-US" dirty="0" smtClean="0"/>
+              <a:t>在传输层面用</a:t>
+            </a:r>
+            <a:r>
+              <a:rPr kumimoji="1" lang="en-US" altLang="zh-CN" dirty="0" smtClean="0"/>
+              <a:t>https</a:t>
+            </a:r>
+            <a:r>
+              <a:rPr kumimoji="1" lang="zh-CN" altLang="en-US" dirty="0" smtClean="0"/>
+              <a:t>进行加密传输，避免了信息被窃取的可能</a:t>
+            </a:r>
+            <a:endParaRPr kumimoji="1" lang="en-US" altLang="zh-CN" dirty="0"/>
+          </a:p>
+          <a:p>
+            <a:r>
+              <a:rPr kumimoji="1" lang="en-US" altLang="zh-CN" dirty="0" smtClean="0"/>
+              <a:t>token</a:t>
+            </a:r>
+            <a:r>
+              <a:rPr kumimoji="1" lang="zh-CN" altLang="en-US" dirty="0" smtClean="0"/>
+              <a:t> </a:t>
+            </a:r>
+            <a:r>
+              <a:rPr kumimoji="1" lang="en-US" altLang="zh-CN" dirty="0" smtClean="0"/>
+              <a:t>+</a:t>
+            </a:r>
+            <a:r>
+              <a:rPr kumimoji="1" lang="zh-CN" altLang="en-US" dirty="0" smtClean="0"/>
+              <a:t> </a:t>
+            </a:r>
+            <a:r>
+              <a:rPr kumimoji="1" lang="en-US" altLang="zh-CN" dirty="0" smtClean="0"/>
+              <a:t>session</a:t>
+            </a:r>
+            <a:r>
+              <a:rPr kumimoji="1" lang="zh-CN" altLang="en-US" dirty="0" smtClean="0"/>
+              <a:t>多种认证机制</a:t>
+            </a:r>
+            <a:endParaRPr kumimoji="1" lang="en-US" altLang="zh-CN" dirty="0" smtClean="0"/>
+          </a:p>
+          <a:p>
+            <a:pPr lvl="1"/>
+            <a:r>
+              <a:rPr kumimoji="1" lang="zh-CN" altLang="en-US" dirty="0" smtClean="0"/>
+              <a:t>减少明文密码泄露的风险</a:t>
+            </a:r>
+            <a:endParaRPr kumimoji="1" lang="en-US" altLang="zh-CN" dirty="0" smtClean="0"/>
+          </a:p>
+          <a:p>
+            <a:r>
+              <a:rPr kumimoji="1" lang="zh-CN" altLang="en-US" dirty="0" smtClean="0"/>
+              <a:t>终端操作日志</a:t>
+            </a:r>
+            <a:r>
+              <a:rPr kumimoji="1" lang="en-US" altLang="zh-CN" dirty="0" smtClean="0"/>
+              <a:t>log</a:t>
+            </a:r>
+          </a:p>
+          <a:p>
+            <a:pPr lvl="1"/>
+            <a:r>
+              <a:rPr kumimoji="1" lang="zh-CN" altLang="en-US" dirty="0" smtClean="0"/>
+              <a:t>记录所有终端的操作，及时检测高危不正常的操作，能够尽快发现危险</a:t>
+            </a:r>
+            <a:endParaRPr kumimoji="1" lang="en-US" altLang="zh-CN" dirty="0" smtClean="0"/>
+          </a:p>
+        </p:txBody>
+      </p:sp>
     </p:spTree>
     <p:extLst>
       <p:ext uri="{BB962C8B-B14F-4D97-AF65-F5344CB8AC3E}">
-        <p14:creationId xmlns:p14="http://schemas.microsoft.com/office/powerpoint/2010/main" val="17220427"/>
+        <p14:creationId xmlns:p14="http://schemas.microsoft.com/office/powerpoint/2010/main" val="530399183"/>
+      </p:ext>
+    </p:extLst>
+  </p:cSld>
+  <p:clrMapOvr>
+    <a:masterClrMapping/>
+  </p:clrMapOvr>
+</p:sld>
+</file>
+
+<file path=ppt/slides/slide12.xml><?xml version="1.0" encoding="utf-8"?>
+<p:sld xmlns:a="http://schemas.openxmlformats.org/drawingml/2006/main" xmlns:r="http://schemas.openxmlformats.org/officeDocument/2006/relationships" xmlns:p="http://schemas.openxmlformats.org/presentationml/2006/main">
+  <p:cSld>
+    <p:spTree>
+      <p:nvGrpSpPr>
+        <p:cNvPr id="1" name=""/>
+        <p:cNvGrpSpPr/>
+        <p:nvPr/>
+      </p:nvGrpSpPr>
+      <p:grpSpPr>
+        <a:xfrm>
+          <a:off x="0" y="0"/>
+          <a:ext cx="0" cy="0"/>
+          <a:chOff x="0" y="0"/>
+          <a:chExt cx="0" cy="0"/>
+        </a:xfrm>
+      </p:grpSpPr>
+      <p:sp>
+        <p:nvSpPr>
+          <p:cNvPr id="2" name="标题 1"/>
+          <p:cNvSpPr>
+            <a:spLocks noGrp="1"/>
+          </p:cNvSpPr>
+          <p:nvPr>
+            <p:ph type="title"/>
+          </p:nvPr>
+        </p:nvSpPr>
+        <p:spPr/>
+        <p:txBody>
+          <a:bodyPr/>
+          <a:lstStyle/>
+          <a:p>
+            <a:r>
+              <a:rPr lang="zh-CN" altLang="en-US" dirty="0" smtClean="0"/>
+              <a:t>总结</a:t>
+            </a:r>
+            <a:endParaRPr lang="zh-CN" altLang="en-US" dirty="0"/>
+          </a:p>
+        </p:txBody>
+      </p:sp>
+      <p:graphicFrame>
+        <p:nvGraphicFramePr>
+          <p:cNvPr id="4" name="内容占位符 3"/>
+          <p:cNvGraphicFramePr>
+            <a:graphicFrameLocks noGrp="1"/>
+          </p:cNvGraphicFramePr>
+          <p:nvPr>
+            <p:ph idx="1"/>
+            <p:extLst>
+              <p:ext uri="{D42A27DB-BD31-4B8C-83A1-F6EECF244321}">
+                <p14:modId xmlns:p14="http://schemas.microsoft.com/office/powerpoint/2010/main" val="2500707400"/>
+              </p:ext>
+            </p:extLst>
+          </p:nvPr>
+        </p:nvGraphicFramePr>
+        <p:xfrm>
+          <a:off x="1299412" y="2133600"/>
+          <a:ext cx="10205202" cy="1854200"/>
+        </p:xfrm>
+        <a:graphic>
+          <a:graphicData uri="http://schemas.openxmlformats.org/drawingml/2006/table">
+            <a:tbl>
+              <a:tblPr firstRow="1" bandRow="1">
+                <a:tableStyleId>{5C22544A-7EE6-4342-B048-85BDC9FD1C3A}</a:tableStyleId>
+              </a:tblPr>
+              <a:tblGrid>
+                <a:gridCol w="2061409">
+                  <a:extLst>
+                    <a:ext uri="{9D8B030D-6E8A-4147-A177-3AD203B41FA5}">
+                      <a16:colId xmlns:a16="http://schemas.microsoft.com/office/drawing/2014/main" val="1574263275"/>
+                    </a:ext>
+                  </a:extLst>
+                </a:gridCol>
+                <a:gridCol w="8143793">
+                  <a:extLst>
+                    <a:ext uri="{9D8B030D-6E8A-4147-A177-3AD203B41FA5}">
+                      <a16:colId xmlns:a16="http://schemas.microsoft.com/office/drawing/2014/main" val="2037661744"/>
+                    </a:ext>
+                  </a:extLst>
+                </a:gridCol>
+              </a:tblGrid>
+              <a:tr h="370840">
+                <a:tc>
+                  <a:txBody>
+                    <a:bodyPr/>
+                    <a:lstStyle/>
+                    <a:p>
+                      <a:r>
+                        <a:rPr lang="zh-CN" altLang="en-US" dirty="0" smtClean="0"/>
+                        <a:t>组件</a:t>
+                      </a:r>
+                      <a:endParaRPr lang="zh-CN" altLang="en-US" dirty="0"/>
+                    </a:p>
+                  </a:txBody>
+                  <a:tcPr/>
+                </a:tc>
+                <a:tc>
+                  <a:txBody>
+                    <a:bodyPr/>
+                    <a:lstStyle/>
+                    <a:p>
+                      <a:r>
+                        <a:rPr lang="zh-CN" altLang="en-US" dirty="0" smtClean="0"/>
+                        <a:t>安全性保障</a:t>
+                      </a:r>
+                      <a:endParaRPr lang="zh-CN" altLang="en-US" dirty="0"/>
+                    </a:p>
+                  </a:txBody>
+                  <a:tcPr/>
+                </a:tc>
+                <a:extLst>
+                  <a:ext uri="{0D108BD9-81ED-4DB2-BD59-A6C34878D82A}">
+                    <a16:rowId xmlns:a16="http://schemas.microsoft.com/office/drawing/2014/main" val="1513152487"/>
+                  </a:ext>
+                </a:extLst>
+              </a:tr>
+              <a:tr h="370840">
+                <a:tc>
+                  <a:txBody>
+                    <a:bodyPr/>
+                    <a:lstStyle/>
+                    <a:p>
+                      <a:r>
+                        <a:rPr lang="zh-CN" altLang="en-US" dirty="0" smtClean="0"/>
+                        <a:t>卡片</a:t>
+                      </a:r>
+                      <a:endParaRPr lang="zh-CN" altLang="en-US" dirty="0"/>
+                    </a:p>
+                  </a:txBody>
+                  <a:tcPr/>
+                </a:tc>
+                <a:tc>
+                  <a:txBody>
+                    <a:bodyPr/>
+                    <a:lstStyle/>
+                    <a:p>
+                      <a:pPr marL="0" marR="0" lvl="0" indent="0" algn="l" defTabSz="457200" rtl="0" eaLnBrk="1" fontAlgn="auto" latinLnBrk="0" hangingPunct="1">
+                        <a:lnSpc>
+                          <a:spcPct val="100000"/>
+                        </a:lnSpc>
+                        <a:spcBef>
+                          <a:spcPts val="0"/>
+                        </a:spcBef>
+                        <a:spcAft>
+                          <a:spcPts val="0"/>
+                        </a:spcAft>
+                        <a:buClrTx/>
+                        <a:buSzTx/>
+                        <a:buFontTx/>
+                        <a:buNone/>
+                        <a:tabLst/>
+                        <a:defRPr/>
+                      </a:pPr>
+                      <a:r>
+                        <a:rPr kumimoji="1" lang="zh-CN" altLang="en-US" dirty="0" smtClean="0"/>
+                        <a:t>卡片读写密钥</a:t>
+                      </a:r>
+                      <a:r>
+                        <a:rPr kumimoji="0" lang="zh-CN" altLang="en-US" dirty="0" smtClean="0"/>
+                        <a:t>；</a:t>
+                      </a:r>
+                      <a:r>
+                        <a:rPr kumimoji="1" lang="zh-CN" altLang="en-US" dirty="0" smtClean="0"/>
+                        <a:t>小钱包余额</a:t>
+                      </a:r>
+                      <a:r>
+                        <a:rPr kumimoji="1" lang="en-US" altLang="zh-CN" dirty="0" smtClean="0"/>
+                        <a:t>AES</a:t>
+                      </a:r>
+                      <a:r>
+                        <a:rPr kumimoji="1" lang="zh-CN" altLang="en-US" dirty="0" smtClean="0"/>
+                        <a:t>加密保存；闪付交易仅在卡内记录交易日志</a:t>
+                      </a:r>
+                      <a:endParaRPr kumimoji="1" lang="en-US" altLang="zh-CN" dirty="0" smtClean="0"/>
+                    </a:p>
+                  </a:txBody>
+                  <a:tcPr/>
+                </a:tc>
+                <a:extLst>
+                  <a:ext uri="{0D108BD9-81ED-4DB2-BD59-A6C34878D82A}">
+                    <a16:rowId xmlns:a16="http://schemas.microsoft.com/office/drawing/2014/main" val="2376445704"/>
+                  </a:ext>
+                </a:extLst>
+              </a:tr>
+              <a:tr h="370840">
+                <a:tc>
+                  <a:txBody>
+                    <a:bodyPr/>
+                    <a:lstStyle/>
+                    <a:p>
+                      <a:r>
+                        <a:rPr lang="zh-CN" altLang="en-US" dirty="0" smtClean="0"/>
+                        <a:t>桌面终端</a:t>
+                      </a:r>
+                      <a:endParaRPr lang="zh-CN" altLang="en-US" dirty="0"/>
+                    </a:p>
+                  </a:txBody>
+                  <a:tcPr/>
+                </a:tc>
+                <a:tc>
+                  <a:txBody>
+                    <a:bodyPr/>
+                    <a:lstStyle/>
+                    <a:p>
+                      <a:r>
+                        <a:rPr lang="zh-CN" altLang="en-US" dirty="0" smtClean="0"/>
+                        <a:t>封装在固定设备中；编译为二进制文件；</a:t>
+                      </a:r>
+                      <a:r>
+                        <a:rPr lang="en-US" altLang="zh-CN" dirty="0" smtClean="0"/>
+                        <a:t>AES</a:t>
+                      </a:r>
+                      <a:r>
+                        <a:rPr lang="zh-CN" altLang="en-US" dirty="0" smtClean="0"/>
+                        <a:t>加密本地存储</a:t>
+                      </a:r>
+                      <a:endParaRPr lang="zh-CN" altLang="en-US" dirty="0"/>
+                    </a:p>
+                  </a:txBody>
+                  <a:tcPr/>
+                </a:tc>
+                <a:extLst>
+                  <a:ext uri="{0D108BD9-81ED-4DB2-BD59-A6C34878D82A}">
+                    <a16:rowId xmlns:a16="http://schemas.microsoft.com/office/drawing/2014/main" val="3432356043"/>
+                  </a:ext>
+                </a:extLst>
+              </a:tr>
+              <a:tr h="370840">
+                <a:tc>
+                  <a:txBody>
+                    <a:bodyPr/>
+                    <a:lstStyle/>
+                    <a:p>
+                      <a:r>
+                        <a:rPr lang="zh-CN" altLang="en-US" dirty="0" smtClean="0"/>
+                        <a:t>终端</a:t>
+                      </a:r>
+                      <a:r>
+                        <a:rPr lang="en-US" altLang="zh-CN" dirty="0" smtClean="0"/>
+                        <a:t>&lt;-&gt;</a:t>
+                      </a:r>
+                      <a:r>
+                        <a:rPr lang="zh-CN" altLang="en-US" dirty="0" smtClean="0"/>
+                        <a:t>后台</a:t>
+                      </a:r>
+                      <a:endParaRPr lang="zh-CN" altLang="en-US" dirty="0"/>
+                    </a:p>
+                  </a:txBody>
+                  <a:tcPr/>
+                </a:tc>
+                <a:tc>
+                  <a:txBody>
+                    <a:bodyPr/>
+                    <a:lstStyle/>
+                    <a:p>
+                      <a:r>
+                        <a:rPr lang="en-US" altLang="zh-CN" dirty="0" smtClean="0"/>
+                        <a:t>SSL/HTTPS</a:t>
+                      </a:r>
+                      <a:r>
+                        <a:rPr lang="zh-CN" altLang="en-US" dirty="0" smtClean="0"/>
+                        <a:t>；验证信息为</a:t>
+                      </a:r>
+                      <a:r>
+                        <a:rPr lang="en-US" altLang="zh-CN" dirty="0" smtClean="0"/>
+                        <a:t>token</a:t>
+                      </a:r>
+                      <a:r>
+                        <a:rPr lang="zh-CN" altLang="en-US" dirty="0" smtClean="0"/>
+                        <a:t>而不是明文密码</a:t>
+                      </a:r>
+                      <a:endParaRPr lang="zh-CN" altLang="en-US" dirty="0"/>
+                    </a:p>
+                  </a:txBody>
+                  <a:tcPr/>
+                </a:tc>
+                <a:extLst>
+                  <a:ext uri="{0D108BD9-81ED-4DB2-BD59-A6C34878D82A}">
+                    <a16:rowId xmlns:a16="http://schemas.microsoft.com/office/drawing/2014/main" val="2343877139"/>
+                  </a:ext>
+                </a:extLst>
+              </a:tr>
+              <a:tr h="370840">
+                <a:tc>
+                  <a:txBody>
+                    <a:bodyPr/>
+                    <a:lstStyle/>
+                    <a:p>
+                      <a:r>
+                        <a:rPr lang="zh-CN" altLang="en-US" dirty="0" smtClean="0"/>
+                        <a:t>后台</a:t>
+                      </a:r>
+                      <a:endParaRPr lang="zh-CN" altLang="en-US" dirty="0"/>
+                    </a:p>
+                  </a:txBody>
+                  <a:tcPr/>
+                </a:tc>
+                <a:tc>
+                  <a:txBody>
+                    <a:bodyPr/>
+                    <a:lstStyle/>
+                    <a:p>
+                      <a:r>
+                        <a:rPr lang="zh-CN" altLang="en-US" dirty="0" smtClean="0"/>
+                        <a:t>成熟的框架；操作日志；</a:t>
+                      </a:r>
+                      <a:r>
+                        <a:rPr lang="en-US" altLang="zh-CN" dirty="0" err="1" smtClean="0"/>
+                        <a:t>token+session</a:t>
+                      </a:r>
+                      <a:r>
+                        <a:rPr lang="zh-CN" altLang="en-US" dirty="0" smtClean="0"/>
+                        <a:t>验证机制</a:t>
+                      </a:r>
+                      <a:endParaRPr lang="zh-CN" altLang="en-US" dirty="0"/>
+                    </a:p>
+                  </a:txBody>
+                  <a:tcPr/>
+                </a:tc>
+                <a:extLst>
+                  <a:ext uri="{0D108BD9-81ED-4DB2-BD59-A6C34878D82A}">
+                    <a16:rowId xmlns:a16="http://schemas.microsoft.com/office/drawing/2014/main" val="1754646587"/>
+                  </a:ext>
+                </a:extLst>
+              </a:tr>
+            </a:tbl>
+          </a:graphicData>
+        </a:graphic>
+      </p:graphicFrame>
+    </p:spTree>
+    <p:extLst>
+      <p:ext uri="{BB962C8B-B14F-4D97-AF65-F5344CB8AC3E}">
+        <p14:creationId xmlns:p14="http://schemas.microsoft.com/office/powerpoint/2010/main" val="1708239708"/>
+      </p:ext>
+    </p:extLst>
+  </p:cSld>
+  <p:clrMapOvr>
+    <a:masterClrMapping/>
+  </p:clrMapOvr>
+</p:sld>
+</file>
+
+<file path=ppt/slides/slide13.xml><?xml version="1.0" encoding="utf-8"?>
+<p:sld xmlns:a="http://schemas.openxmlformats.org/drawingml/2006/main" xmlns:r="http://schemas.openxmlformats.org/officeDocument/2006/relationships" xmlns:p="http://schemas.openxmlformats.org/presentationml/2006/main">
+  <p:cSld>
+    <p:spTree>
+      <p:nvGrpSpPr>
+        <p:cNvPr id="1" name=""/>
+        <p:cNvGrpSpPr/>
+        <p:nvPr/>
+      </p:nvGrpSpPr>
+      <p:grpSpPr>
+        <a:xfrm>
+          <a:off x="0" y="0"/>
+          <a:ext cx="0" cy="0"/>
+          <a:chOff x="0" y="0"/>
+          <a:chExt cx="0" cy="0"/>
+        </a:xfrm>
+      </p:grpSpPr>
+      <p:sp>
+        <p:nvSpPr>
+          <p:cNvPr id="2" name="标题 1"/>
+          <p:cNvSpPr>
+            <a:spLocks noGrp="1"/>
+          </p:cNvSpPr>
+          <p:nvPr>
+            <p:ph type="title"/>
+          </p:nvPr>
+        </p:nvSpPr>
+        <p:spPr/>
+        <p:txBody>
+          <a:bodyPr/>
+          <a:lstStyle/>
+          <a:p>
+            <a:r>
+              <a:rPr lang="zh-CN" altLang="en-US" dirty="0"/>
+              <a:t>总结</a:t>
+            </a:r>
+          </a:p>
+        </p:txBody>
+      </p:sp>
+      <p:sp>
+        <p:nvSpPr>
+          <p:cNvPr id="3" name="内容占位符 2"/>
+          <p:cNvSpPr>
+            <a:spLocks noGrp="1"/>
+          </p:cNvSpPr>
+          <p:nvPr>
+            <p:ph idx="1"/>
+          </p:nvPr>
+        </p:nvSpPr>
+        <p:spPr/>
+        <p:txBody>
+          <a:bodyPr/>
+          <a:lstStyle/>
+          <a:p>
+            <a:r>
+              <a:rPr lang="zh-CN" altLang="en-US" dirty="0" smtClean="0">
+                <a:hlinkClick r:id="rId2" action="ppaction://hlinksldjump"/>
+              </a:rPr>
+              <a:t>问题分析</a:t>
+            </a:r>
+            <a:endParaRPr lang="en-US" altLang="zh-CN" dirty="0" smtClean="0"/>
+          </a:p>
+          <a:p>
+            <a:r>
+              <a:rPr lang="zh-CN" altLang="en-US" dirty="0">
+                <a:hlinkClick r:id="rId3" action="ppaction://hlinksldjump"/>
+              </a:rPr>
+              <a:t>实现</a:t>
+            </a:r>
+            <a:r>
+              <a:rPr lang="zh-CN" altLang="en-US" dirty="0" smtClean="0">
+                <a:hlinkClick r:id="rId3" action="ppaction://hlinksldjump"/>
+              </a:rPr>
+              <a:t>功能</a:t>
+            </a:r>
+            <a:endParaRPr lang="en-US" altLang="zh-CN" dirty="0" smtClean="0"/>
+          </a:p>
+          <a:p>
+            <a:r>
+              <a:rPr lang="zh-CN" altLang="en-US" dirty="0">
+                <a:hlinkClick r:id="rId4" action="ppaction://hlinksldjump"/>
+              </a:rPr>
+              <a:t>基础</a:t>
+            </a:r>
+            <a:r>
+              <a:rPr lang="zh-CN" altLang="en-US" dirty="0" smtClean="0">
+                <a:hlinkClick r:id="rId4" action="ppaction://hlinksldjump"/>
+              </a:rPr>
+              <a:t>框架</a:t>
+            </a:r>
+            <a:endParaRPr lang="en-US" altLang="zh-CN" dirty="0" smtClean="0"/>
+          </a:p>
+          <a:p>
+            <a:r>
+              <a:rPr lang="zh-CN" altLang="en-US" dirty="0">
+                <a:hlinkClick r:id="rId5" action="ppaction://hlinksldjump"/>
+              </a:rPr>
+              <a:t>校园</a:t>
+            </a:r>
+            <a:r>
+              <a:rPr lang="zh-CN" altLang="en-US" dirty="0" smtClean="0">
+                <a:hlinkClick r:id="rId5" action="ppaction://hlinksldjump"/>
+              </a:rPr>
+              <a:t>卡数据存储</a:t>
+            </a:r>
+            <a:endParaRPr lang="en-US" altLang="zh-CN" dirty="0" smtClean="0"/>
+          </a:p>
+          <a:p>
+            <a:r>
+              <a:rPr lang="en-US" altLang="zh-CN" dirty="0" smtClean="0">
+                <a:hlinkClick r:id="rId6" action="ppaction://hlinksldjump"/>
+              </a:rPr>
+              <a:t>M1</a:t>
+            </a:r>
+            <a:r>
+              <a:rPr lang="zh-CN" altLang="en-US" dirty="0" smtClean="0">
+                <a:hlinkClick r:id="rId6" action="ppaction://hlinksldjump"/>
+              </a:rPr>
+              <a:t>读卡器</a:t>
+            </a:r>
+            <a:endParaRPr lang="en-US" altLang="zh-CN" dirty="0" smtClean="0"/>
+          </a:p>
+          <a:p>
+            <a:r>
+              <a:rPr lang="zh-CN" altLang="en-US" dirty="0">
+                <a:hlinkClick r:id="rId7" action="ppaction://hlinksldjump"/>
+              </a:rPr>
+              <a:t>桌面</a:t>
+            </a:r>
+            <a:r>
+              <a:rPr lang="zh-CN" altLang="en-US" dirty="0" smtClean="0">
+                <a:hlinkClick r:id="rId7" action="ppaction://hlinksldjump"/>
+              </a:rPr>
+              <a:t>终端</a:t>
+            </a:r>
+            <a:endParaRPr lang="en-US" altLang="zh-CN" dirty="0" smtClean="0"/>
+          </a:p>
+          <a:p>
+            <a:r>
+              <a:rPr lang="zh-CN" altLang="en-US" dirty="0">
+                <a:hlinkClick r:id="rId8" action="ppaction://hlinksldjump"/>
+              </a:rPr>
+              <a:t>后台</a:t>
+            </a:r>
+            <a:endParaRPr lang="en-US" altLang="zh-CN" dirty="0" smtClean="0"/>
+          </a:p>
+        </p:txBody>
+      </p:sp>
+    </p:spTree>
+    <p:extLst>
+      <p:ext uri="{BB962C8B-B14F-4D97-AF65-F5344CB8AC3E}">
+        <p14:creationId xmlns:p14="http://schemas.microsoft.com/office/powerpoint/2010/main" val="495434060"/>
       </p:ext>
     </p:extLst>
   </p:cSld>
@@ -8039,7 +8716,7 @@
           <a:p>
             <a:r>
               <a:rPr lang="zh-CN" altLang="en-US" dirty="0" smtClean="0"/>
-              <a:t>实现功能</a:t>
+              <a:t>问题分析</a:t>
             </a:r>
             <a:endParaRPr lang="zh-CN" altLang="en-US" dirty="0"/>
           </a:p>
@@ -8057,133 +8734,107 @@
         </p:nvSpPr>
         <p:spPr/>
         <p:txBody>
-          <a:bodyPr>
-            <a:normAutofit/>
-          </a:bodyPr>
+          <a:bodyPr/>
           <a:lstStyle/>
           <a:p>
             <a:r>
               <a:rPr lang="zh-CN" altLang="en-US" dirty="0" smtClean="0"/>
-              <a:t>基础功能</a:t>
+              <a:t>挑战主要是实现高安全性，同时兼顾便利性</a:t>
             </a:r>
             <a:endParaRPr lang="en-US" altLang="zh-CN" dirty="0" smtClean="0"/>
           </a:p>
           <a:p>
+            <a:r>
+              <a:rPr lang="zh-CN" altLang="en-US" dirty="0" smtClean="0"/>
+              <a:t>关于安全性的初步分析：</a:t>
+            </a:r>
+            <a:endParaRPr lang="en-US" altLang="zh-CN" dirty="0" smtClean="0"/>
+          </a:p>
+          <a:p>
             <a:pPr lvl="1"/>
             <a:r>
               <a:rPr lang="zh-CN" altLang="en-US" dirty="0" smtClean="0"/>
-              <a:t>制作</a:t>
+              <a:t>卡片是可以被轻易获取的，所以卡片上不能保存机密信息</a:t>
+            </a:r>
+            <a:endParaRPr lang="en-US" altLang="zh-CN" dirty="0" smtClean="0"/>
+          </a:p>
+          <a:p>
+            <a:pPr lvl="1"/>
+            <a:r>
+              <a:rPr lang="zh-CN" altLang="en-US" dirty="0"/>
+              <a:t>相对</a:t>
+            </a:r>
+            <a:r>
+              <a:rPr lang="zh-CN" altLang="en-US" dirty="0" smtClean="0"/>
+              <a:t>地，服务器是很难被侵入的，在服务器上使用一个数据库保存高安全性要求的信息是必要的</a:t>
+            </a:r>
+            <a:endParaRPr lang="en-US" altLang="zh-CN" dirty="0" smtClean="0"/>
+          </a:p>
+          <a:p>
+            <a:pPr lvl="1"/>
+            <a:r>
+              <a:rPr lang="zh-CN" altLang="en-US" dirty="0" smtClean="0"/>
+              <a:t>因为有了和服务器的交互，而</a:t>
             </a:r>
             <a:r>
               <a:rPr lang="en-US" altLang="zh-CN" dirty="0" smtClean="0"/>
-              <a:t>/</a:t>
+              <a:t>Arduino</a:t>
+            </a:r>
+            <a:r>
+              <a:rPr lang="zh-CN" altLang="en-US" dirty="0"/>
+              <a:t>能</a:t>
             </a:r>
             <a:r>
               <a:rPr lang="zh-CN" altLang="en-US" dirty="0" smtClean="0"/>
-              <a:t>注销校园卡</a:t>
+              <a:t>实现的功能有限，增加一个在桌面上实现的终端来连接读卡器和后台服务器。</a:t>
             </a:r>
             <a:endParaRPr lang="en-US" altLang="zh-CN" dirty="0" smtClean="0"/>
           </a:p>
           <a:p>
+            <a:r>
+              <a:rPr lang="zh-CN" altLang="en-US" dirty="0"/>
+              <a:t>关于便利</a:t>
+            </a:r>
+            <a:r>
+              <a:rPr lang="zh-CN" altLang="en-US" dirty="0" smtClean="0"/>
+              <a:t>性的分析：</a:t>
+            </a:r>
+            <a:endParaRPr lang="en-US" altLang="zh-CN" dirty="0" smtClean="0"/>
+          </a:p>
+          <a:p>
             <a:pPr lvl="1"/>
             <a:r>
+              <a:rPr lang="zh-CN" altLang="en-US" dirty="0" smtClean="0"/>
+              <a:t>一些小额消费的场景比如水卡和澡卡可以存储在卡上 </a:t>
+            </a:r>
+            <a:r>
+              <a:rPr lang="en-US" altLang="zh-CN" dirty="0" smtClean="0"/>
+              <a:t>-&gt; </a:t>
+            </a:r>
+            <a:r>
+              <a:rPr lang="zh-CN" altLang="en-US" dirty="0" smtClean="0"/>
+              <a:t>减少网络设备的成本，提高可用性</a:t>
+            </a:r>
+            <a:endParaRPr lang="en-US" altLang="zh-CN" dirty="0" smtClean="0"/>
+          </a:p>
+          <a:p>
+            <a:pPr lvl="1"/>
+            <a:r>
               <a:rPr lang="zh-CN" altLang="en-US" dirty="0"/>
-              <a:t>学生</a:t>
+              <a:t>安全</a:t>
             </a:r>
             <a:r>
               <a:rPr lang="zh-CN" altLang="en-US" dirty="0" smtClean="0"/>
-              <a:t>注册，更新卡的有效期</a:t>
-            </a:r>
-            <a:endParaRPr lang="en-US" altLang="zh-CN" dirty="0" smtClean="0"/>
-          </a:p>
-          <a:p>
-            <a:pPr lvl="1"/>
-            <a:r>
-              <a:rPr lang="zh-CN" altLang="en-US" dirty="0" smtClean="0"/>
-              <a:t>门禁控制</a:t>
-            </a:r>
-            <a:endParaRPr lang="en-US" altLang="zh-CN" dirty="0" smtClean="0"/>
-          </a:p>
-          <a:p>
-            <a:pPr lvl="1"/>
-            <a:r>
-              <a:rPr lang="zh-CN" altLang="en-US" dirty="0"/>
-              <a:t>闪</a:t>
-            </a:r>
-            <a:r>
-              <a:rPr lang="zh-CN" altLang="en-US" dirty="0" smtClean="0"/>
-              <a:t>付储值与消费</a:t>
-            </a:r>
-            <a:endParaRPr lang="en-US" altLang="zh-CN" dirty="0"/>
-          </a:p>
-          <a:p>
-            <a:r>
-              <a:rPr lang="zh-CN" altLang="en-US" dirty="0"/>
-              <a:t>扩展</a:t>
-            </a:r>
-            <a:r>
-              <a:rPr lang="zh-CN" altLang="en-US" dirty="0" smtClean="0"/>
-              <a:t>功能</a:t>
-            </a:r>
-            <a:endParaRPr lang="en-US" altLang="zh-CN" dirty="0" smtClean="0"/>
-          </a:p>
-          <a:p>
-            <a:pPr lvl="1"/>
-            <a:r>
-              <a:rPr lang="zh-CN" altLang="en-US" dirty="0" smtClean="0"/>
-              <a:t>支持类似于水卡的小钱包功能</a:t>
-            </a:r>
-            <a:endParaRPr lang="en-US" altLang="zh-CN" dirty="0" smtClean="0"/>
-          </a:p>
-          <a:p>
-            <a:pPr lvl="1"/>
-            <a:r>
-              <a:rPr lang="zh-CN" altLang="en-US" dirty="0" smtClean="0"/>
-              <a:t>联网</a:t>
-            </a:r>
-            <a:r>
-              <a:rPr lang="en-US" altLang="zh-CN" dirty="0" smtClean="0"/>
-              <a:t>/</a:t>
-            </a:r>
-            <a:r>
-              <a:rPr lang="zh-CN" altLang="en-US" dirty="0" smtClean="0"/>
-              <a:t>离线均可用的门禁系统</a:t>
-            </a:r>
-            <a:endParaRPr lang="en-US" altLang="zh-CN" dirty="0" smtClean="0"/>
-          </a:p>
-          <a:p>
-            <a:pPr lvl="1"/>
-            <a:r>
-              <a:rPr lang="zh-CN" altLang="en-US" dirty="0"/>
-              <a:t>采用</a:t>
-            </a:r>
-            <a:r>
-              <a:rPr lang="en-US" altLang="zh-CN" dirty="0"/>
-              <a:t>AES</a:t>
-            </a:r>
-            <a:r>
-              <a:rPr lang="zh-CN" altLang="en-US" dirty="0" smtClean="0"/>
-              <a:t>加密的小钱包金额存储</a:t>
-            </a:r>
-            <a:endParaRPr lang="en-US" altLang="zh-CN" dirty="0" smtClean="0"/>
-          </a:p>
-          <a:p>
-            <a:pPr lvl="1"/>
-            <a:r>
-              <a:rPr lang="zh-CN" altLang="en-US" dirty="0" smtClean="0"/>
-              <a:t>网站后台支持</a:t>
-            </a:r>
-            <a:r>
-              <a:rPr lang="en-US" altLang="zh-CN" dirty="0" smtClean="0"/>
-              <a:t>https</a:t>
-            </a:r>
+              <a:t>要求不高的地点（比如宿舍楼）的门禁可以放松要求</a:t>
+            </a:r>
+            <a:endParaRPr lang="zh-CN" altLang="en-US" dirty="0"/>
           </a:p>
         </p:txBody>
       </p:sp>
     </p:spTree>
     <p:extLst>
       <p:ext uri="{BB962C8B-B14F-4D97-AF65-F5344CB8AC3E}">
-        <p14:creationId xmlns:p14="http://schemas.microsoft.com/office/powerpoint/2010/main" val="2346307457"/>
+        <p14:creationId xmlns:p14="http://schemas.microsoft.com/office/powerpoint/2010/main" val="3378724554"/>
       </p:ext>
     </p:extLst>
   </p:cSld>
@@ -8227,6 +8878,194 @@
           <a:p>
             <a:r>
               <a:rPr lang="zh-CN" altLang="en-US" dirty="0" smtClean="0"/>
+              <a:t>实现功能</a:t>
+            </a:r>
+            <a:endParaRPr lang="zh-CN" altLang="en-US" dirty="0"/>
+          </a:p>
+        </p:txBody>
+      </p:sp>
+      <p:sp>
+        <p:nvSpPr>
+          <p:cNvPr id="3" name="内容占位符 2"/>
+          <p:cNvSpPr>
+            <a:spLocks noGrp="1"/>
+          </p:cNvSpPr>
+          <p:nvPr>
+            <p:ph idx="1"/>
+          </p:nvPr>
+        </p:nvSpPr>
+        <p:spPr/>
+        <p:txBody>
+          <a:bodyPr>
+            <a:normAutofit/>
+          </a:bodyPr>
+          <a:lstStyle/>
+          <a:p>
+            <a:r>
+              <a:rPr lang="zh-CN" altLang="en-US" dirty="0" smtClean="0"/>
+              <a:t>基础功能</a:t>
+            </a:r>
+            <a:endParaRPr lang="en-US" altLang="zh-CN" dirty="0" smtClean="0"/>
+          </a:p>
+          <a:p>
+            <a:pPr lvl="1"/>
+            <a:r>
+              <a:rPr lang="zh-CN" altLang="en-US" dirty="0" smtClean="0"/>
+              <a:t>制作</a:t>
+            </a:r>
+            <a:r>
+              <a:rPr lang="en-US" altLang="zh-CN" dirty="0" smtClean="0"/>
+              <a:t>/</a:t>
+            </a:r>
+            <a:r>
+              <a:rPr lang="zh-CN" altLang="en-US" dirty="0" smtClean="0"/>
+              <a:t>注销校园卡</a:t>
+            </a:r>
+            <a:endParaRPr lang="en-US" altLang="zh-CN" dirty="0" smtClean="0"/>
+          </a:p>
+          <a:p>
+            <a:pPr lvl="1"/>
+            <a:r>
+              <a:rPr lang="zh-CN" altLang="en-US" dirty="0"/>
+              <a:t>学生</a:t>
+            </a:r>
+            <a:r>
+              <a:rPr lang="zh-CN" altLang="en-US" dirty="0" smtClean="0"/>
+              <a:t>注册，更新卡的有效期</a:t>
+            </a:r>
+            <a:endParaRPr lang="en-US" altLang="zh-CN" dirty="0" smtClean="0"/>
+          </a:p>
+          <a:p>
+            <a:pPr lvl="1"/>
+            <a:r>
+              <a:rPr lang="zh-CN" altLang="en-US" dirty="0" smtClean="0"/>
+              <a:t>门禁控制</a:t>
+            </a:r>
+            <a:endParaRPr lang="en-US" altLang="zh-CN" dirty="0" smtClean="0"/>
+          </a:p>
+          <a:p>
+            <a:pPr lvl="1"/>
+            <a:r>
+              <a:rPr lang="zh-CN" altLang="en-US" dirty="0"/>
+              <a:t>闪</a:t>
+            </a:r>
+            <a:r>
+              <a:rPr lang="zh-CN" altLang="en-US" dirty="0" smtClean="0"/>
+              <a:t>付储值与消费</a:t>
+            </a:r>
+            <a:endParaRPr lang="en-US" altLang="zh-CN" dirty="0"/>
+          </a:p>
+          <a:p>
+            <a:r>
+              <a:rPr lang="zh-CN" altLang="en-US" dirty="0"/>
+              <a:t>扩展</a:t>
+            </a:r>
+            <a:r>
+              <a:rPr lang="zh-CN" altLang="en-US" dirty="0" smtClean="0"/>
+              <a:t>功能</a:t>
+            </a:r>
+            <a:endParaRPr lang="en-US" altLang="zh-CN" dirty="0" smtClean="0"/>
+          </a:p>
+          <a:p>
+            <a:pPr lvl="1"/>
+            <a:r>
+              <a:rPr lang="zh-CN" altLang="en-US" dirty="0" smtClean="0"/>
+              <a:t>支持类似于水卡的小钱包功能</a:t>
+            </a:r>
+            <a:endParaRPr lang="en-US" altLang="zh-CN" dirty="0" smtClean="0"/>
+          </a:p>
+          <a:p>
+            <a:pPr lvl="1"/>
+            <a:r>
+              <a:rPr lang="zh-CN" altLang="en-US" dirty="0" smtClean="0"/>
+              <a:t>联网</a:t>
+            </a:r>
+            <a:r>
+              <a:rPr lang="en-US" altLang="zh-CN" dirty="0" smtClean="0"/>
+              <a:t>/</a:t>
+            </a:r>
+            <a:r>
+              <a:rPr lang="zh-CN" altLang="en-US" dirty="0" smtClean="0"/>
+              <a:t>离线均可用的门禁系统</a:t>
+            </a:r>
+            <a:endParaRPr lang="en-US" altLang="zh-CN" dirty="0" smtClean="0"/>
+          </a:p>
+          <a:p>
+            <a:pPr lvl="1"/>
+            <a:r>
+              <a:rPr lang="zh-CN" altLang="en-US" dirty="0"/>
+              <a:t>采用</a:t>
+            </a:r>
+            <a:r>
+              <a:rPr lang="en-US" altLang="zh-CN" dirty="0"/>
+              <a:t>AES</a:t>
+            </a:r>
+            <a:r>
+              <a:rPr lang="zh-CN" altLang="en-US" dirty="0" smtClean="0"/>
+              <a:t>加密的小钱包金额存储</a:t>
+            </a:r>
+            <a:endParaRPr lang="en-US" altLang="zh-CN" dirty="0" smtClean="0"/>
+          </a:p>
+          <a:p>
+            <a:pPr lvl="1"/>
+            <a:r>
+              <a:rPr lang="zh-CN" altLang="en-US" dirty="0" smtClean="0"/>
+              <a:t>网站后台支持</a:t>
+            </a:r>
+            <a:r>
+              <a:rPr lang="en-US" altLang="zh-CN" dirty="0" smtClean="0"/>
+              <a:t>https</a:t>
+            </a:r>
+          </a:p>
+        </p:txBody>
+      </p:sp>
+    </p:spTree>
+    <p:extLst>
+      <p:ext uri="{BB962C8B-B14F-4D97-AF65-F5344CB8AC3E}">
+        <p14:creationId xmlns:p14="http://schemas.microsoft.com/office/powerpoint/2010/main" val="2346307457"/>
+      </p:ext>
+    </p:extLst>
+  </p:cSld>
+  <p:clrMapOvr>
+    <a:masterClrMapping/>
+  </p:clrMapOvr>
+</p:sld>
+</file>
+
+<file path=ppt/slides/slide4.xml><?xml version="1.0" encoding="utf-8"?>
+<p:sld xmlns:a="http://schemas.openxmlformats.org/drawingml/2006/main" xmlns:r="http://schemas.openxmlformats.org/officeDocument/2006/relationships" xmlns:p="http://schemas.openxmlformats.org/presentationml/2006/main">
+  <p:cSld>
+    <p:spTree>
+      <p:nvGrpSpPr>
+        <p:cNvPr id="1" name=""/>
+        <p:cNvGrpSpPr/>
+        <p:nvPr/>
+      </p:nvGrpSpPr>
+      <p:grpSpPr>
+        <a:xfrm>
+          <a:off x="0" y="0"/>
+          <a:ext cx="0" cy="0"/>
+          <a:chOff x="0" y="0"/>
+          <a:chExt cx="0" cy="0"/>
+        </a:xfrm>
+      </p:grpSpPr>
+      <p:sp>
+        <p:nvSpPr>
+          <p:cNvPr id="2" name="标题 1"/>
+          <p:cNvSpPr>
+            <a:spLocks noGrp="1"/>
+          </p:cNvSpPr>
+          <p:nvPr>
+            <p:ph type="title"/>
+          </p:nvPr>
+        </p:nvSpPr>
+        <p:spPr/>
+        <p:txBody>
+          <a:bodyPr/>
+          <a:lstStyle/>
+          <a:p>
+            <a:r>
+              <a:rPr lang="zh-CN" altLang="en-US" dirty="0" smtClean="0"/>
               <a:t>基础框架</a:t>
             </a:r>
             <a:endParaRPr lang="zh-CN" altLang="en-US" dirty="0"/>
@@ -8367,7 +9206,7 @@
 </p:sld>
 </file>
 
-<file path=ppt/slides/slide4.xml><?xml version="1.0" encoding="utf-8"?>
+<file path=ppt/slides/slide5.xml><?xml version="1.0" encoding="utf-8"?>
 <p:sld xmlns:a="http://schemas.openxmlformats.org/drawingml/2006/main" xmlns:r="http://schemas.openxmlformats.org/officeDocument/2006/relationships" xmlns:p="http://schemas.openxmlformats.org/presentationml/2006/main">
   <p:cSld>
     <p:spTree>
@@ -8615,156 +9454,6 @@
 </p:sld>
 </file>
 
-<file path=ppt/slides/slide5.xml><?xml version="1.0" encoding="utf-8"?>
-<p:sld xmlns:a="http://schemas.openxmlformats.org/drawingml/2006/main" xmlns:r="http://schemas.openxmlformats.org/officeDocument/2006/relationships" xmlns:p="http://schemas.openxmlformats.org/presentationml/2006/main">
-  <p:cSld>
-    <p:spTree>
-      <p:nvGrpSpPr>
-        <p:cNvPr id="1" name=""/>
-        <p:cNvGrpSpPr/>
-        <p:nvPr/>
-      </p:nvGrpSpPr>
-      <p:grpSpPr>
-        <a:xfrm>
-          <a:off x="0" y="0"/>
-          <a:ext cx="0" cy="0"/>
-          <a:chOff x="0" y="0"/>
-          <a:chExt cx="0" cy="0"/>
-        </a:xfrm>
-      </p:grpSpPr>
-      <p:sp>
-        <p:nvSpPr>
-          <p:cNvPr id="2" name="标题 1"/>
-          <p:cNvSpPr>
-            <a:spLocks noGrp="1"/>
-          </p:cNvSpPr>
-          <p:nvPr>
-            <p:ph type="title"/>
-          </p:nvPr>
-        </p:nvSpPr>
-        <p:spPr/>
-        <p:txBody>
-          <a:bodyPr/>
-          <a:lstStyle/>
-          <a:p>
-            <a:r>
-              <a:rPr lang="en-US" altLang="zh-CN" dirty="0" smtClean="0"/>
-              <a:t>Arduino</a:t>
-            </a:r>
-            <a:r>
-              <a:rPr lang="zh-CN" altLang="en-US" dirty="0" smtClean="0"/>
-              <a:t>读卡器</a:t>
-            </a:r>
-            <a:endParaRPr lang="zh-CN" altLang="en-US" dirty="0"/>
-          </a:p>
-        </p:txBody>
-      </p:sp>
-      <p:sp>
-        <p:nvSpPr>
-          <p:cNvPr id="3" name="内容占位符 2"/>
-          <p:cNvSpPr>
-            <a:spLocks noGrp="1"/>
-          </p:cNvSpPr>
-          <p:nvPr>
-            <p:ph idx="1"/>
-          </p:nvPr>
-        </p:nvSpPr>
-        <p:spPr/>
-        <p:txBody>
-          <a:bodyPr/>
-          <a:lstStyle/>
-          <a:p>
-            <a:r>
-              <a:rPr lang="zh-CN" altLang="en-US" smtClean="0"/>
-              <a:t>基于</a:t>
-            </a:r>
-            <a:r>
-              <a:rPr lang="en-US" altLang="zh-CN" smtClean="0"/>
-              <a:t>Arduino </a:t>
-            </a:r>
-            <a:r>
-              <a:rPr lang="en-US" altLang="zh-CN" dirty="0"/>
-              <a:t>Uno</a:t>
-            </a:r>
-            <a:r>
-              <a:rPr lang="zh-CN" altLang="en-US" dirty="0"/>
-              <a:t>与</a:t>
-            </a:r>
-            <a:r>
-              <a:rPr lang="en-US" altLang="zh-CN" dirty="0"/>
-              <a:t>RFID</a:t>
-            </a:r>
-            <a:r>
-              <a:rPr lang="zh-CN" altLang="en-US" dirty="0"/>
-              <a:t>芯片</a:t>
-            </a:r>
-            <a:r>
-              <a:rPr lang="en-US" altLang="zh-CN" dirty="0"/>
-              <a:t>(RFID-RC522)</a:t>
-            </a:r>
-            <a:r>
-              <a:rPr lang="zh-CN" altLang="en-US" dirty="0"/>
-              <a:t>设计</a:t>
-            </a:r>
-            <a:r>
-              <a:rPr lang="zh-CN" altLang="en-US" dirty="0" smtClean="0"/>
-              <a:t>实现</a:t>
-            </a:r>
-            <a:endParaRPr lang="en-US" altLang="zh-CN" dirty="0" smtClean="0"/>
-          </a:p>
-          <a:p>
-            <a:r>
-              <a:rPr lang="zh-CN" altLang="en-US" dirty="0" smtClean="0"/>
-              <a:t>通过串口通讯与桌面终端交互</a:t>
-            </a:r>
-            <a:endParaRPr lang="en-US" altLang="zh-CN" dirty="0" smtClean="0"/>
-          </a:p>
-          <a:p>
-            <a:pPr lvl="1"/>
-            <a:r>
-              <a:rPr lang="zh-CN" altLang="en-US" dirty="0" smtClean="0"/>
-              <a:t>在交互时仅传递指令，读卡器与桌面终端的内部实现彼此封闭，确保安全</a:t>
-            </a:r>
-            <a:endParaRPr lang="en-US" altLang="zh-CN" dirty="0" smtClean="0"/>
-          </a:p>
-          <a:p>
-            <a:pPr lvl="1"/>
-            <a:r>
-              <a:rPr lang="zh-CN" altLang="en-US" dirty="0" smtClean="0"/>
-              <a:t>传输需要直接保存在卡上的敏感数据（如小钱包余额）时，采用</a:t>
-            </a:r>
-            <a:r>
-              <a:rPr lang="en-US" altLang="zh-CN" dirty="0" smtClean="0"/>
-              <a:t>AES</a:t>
-            </a:r>
-            <a:r>
-              <a:rPr lang="zh-CN" altLang="en-US" dirty="0" smtClean="0"/>
-              <a:t>加密传输</a:t>
-            </a:r>
-            <a:endParaRPr lang="en-US" altLang="zh-CN" dirty="0"/>
-          </a:p>
-          <a:p>
-            <a:r>
-              <a:rPr lang="zh-CN" altLang="en-US" dirty="0" smtClean="0"/>
-              <a:t>根据收到的指令，读卡器可模拟制作新卡、门禁控制、闪付储值消费、小钱包储值消费、注销卡片等不同场景</a:t>
-            </a:r>
-            <a:endParaRPr lang="zh-CN" altLang="en-US" dirty="0"/>
-          </a:p>
-        </p:txBody>
-      </p:sp>
-    </p:spTree>
-    <p:extLst>
-      <p:ext uri="{BB962C8B-B14F-4D97-AF65-F5344CB8AC3E}">
-        <p14:creationId xmlns:p14="http://schemas.microsoft.com/office/powerpoint/2010/main" val="2382032591"/>
-      </p:ext>
-    </p:extLst>
-  </p:cSld>
-  <p:clrMapOvr>
-    <a:masterClrMapping/>
-  </p:clrMapOvr>
-</p:sld>
-</file>
-
 <file path=ppt/slides/slide6.xml><?xml version="1.0" encoding="utf-8"?>
 <p:sld xmlns:a="http://schemas.openxmlformats.org/drawingml/2006/main" xmlns:r="http://schemas.openxmlformats.org/officeDocument/2006/relationships" xmlns:p="http://schemas.openxmlformats.org/presentationml/2006/main">
   <p:cSld>
@@ -8798,8 +9487,12 @@
           <a:lstStyle/>
           <a:p>
             <a:r>
+              <a:rPr lang="en-US" altLang="zh-CN" dirty="0" smtClean="0"/>
+              <a:t>Arduino</a:t>
+            </a:r>
+            <a:r>
               <a:rPr lang="zh-CN" altLang="en-US" dirty="0" smtClean="0"/>
-              <a:t>安全性分析</a:t>
+              <a:t>读卡器</a:t>
             </a:r>
             <a:endParaRPr lang="zh-CN" altLang="en-US" dirty="0"/>
           </a:p>
@@ -8821,101 +9514,79 @@
           <a:lstStyle/>
           <a:p>
             <a:r>
-              <a:rPr kumimoji="1" lang="zh-CN" altLang="en-US" dirty="0" smtClean="0"/>
-              <a:t>卡片读写密钥</a:t>
-            </a:r>
-            <a:endParaRPr kumimoji="1" lang="en-US" altLang="zh-CN" dirty="0" smtClean="0"/>
+              <a:rPr lang="zh-CN" altLang="en-US" smtClean="0"/>
+              <a:t>基于</a:t>
+            </a:r>
+            <a:r>
+              <a:rPr lang="en-US" altLang="zh-CN" smtClean="0"/>
+              <a:t>Arduino </a:t>
+            </a:r>
+            <a:r>
+              <a:rPr lang="en-US" altLang="zh-CN" dirty="0"/>
+              <a:t>Uno</a:t>
+            </a:r>
+            <a:r>
+              <a:rPr lang="zh-CN" altLang="en-US" dirty="0"/>
+              <a:t>与</a:t>
+            </a:r>
+            <a:r>
+              <a:rPr lang="en-US" altLang="zh-CN" dirty="0"/>
+              <a:t>RFID</a:t>
+            </a:r>
+            <a:r>
+              <a:rPr lang="zh-CN" altLang="en-US" dirty="0"/>
+              <a:t>芯片</a:t>
+            </a:r>
+            <a:r>
+              <a:rPr lang="en-US" altLang="zh-CN" dirty="0"/>
+              <a:t>(RFID-RC522)</a:t>
+            </a:r>
+            <a:r>
+              <a:rPr lang="zh-CN" altLang="en-US" dirty="0"/>
+              <a:t>设计</a:t>
+            </a:r>
+            <a:r>
+              <a:rPr lang="zh-CN" altLang="en-US" dirty="0" smtClean="0"/>
+              <a:t>实现</a:t>
+            </a:r>
+            <a:endParaRPr lang="en-US" altLang="zh-CN" dirty="0" smtClean="0"/>
+          </a:p>
+          <a:p>
+            <a:r>
+              <a:rPr lang="zh-CN" altLang="en-US" dirty="0" smtClean="0"/>
+              <a:t>通过串口通讯与桌面终端交互</a:t>
+            </a:r>
+            <a:endParaRPr lang="en-US" altLang="zh-CN" dirty="0" smtClean="0"/>
           </a:p>
           <a:p>
             <a:pPr lvl="1"/>
             <a:r>
-              <a:rPr kumimoji="1" lang="zh-CN" altLang="en-US" dirty="0" smtClean="0"/>
-              <a:t>对于卡片上保存数据的扇区，更改其默认密钥</a:t>
-            </a:r>
-            <a:r>
-              <a:rPr kumimoji="1" lang="en-US" altLang="zh-CN" dirty="0" smtClean="0"/>
-              <a:t>0xFFFFFFFFFFFF</a:t>
-            </a:r>
-            <a:r>
-              <a:rPr kumimoji="1" lang="zh-CN" altLang="en-US" dirty="0" smtClean="0"/>
-              <a:t>，使卡内数据难以泄露</a:t>
-            </a:r>
-            <a:endParaRPr kumimoji="1" lang="en-US" altLang="zh-CN" dirty="0"/>
+              <a:rPr lang="zh-CN" altLang="en-US" dirty="0" smtClean="0"/>
+              <a:t>在交互时仅传递指令，读卡器与桌面终端的内部实现彼此封闭，确保安全</a:t>
+            </a:r>
+            <a:endParaRPr lang="en-US" altLang="zh-CN" dirty="0" smtClean="0"/>
           </a:p>
           <a:p>
             <a:pPr lvl="1"/>
             <a:r>
-              <a:rPr kumimoji="1" lang="zh-CN" altLang="en-US" dirty="0" smtClean="0"/>
-              <a:t>使用基础实验中采用的读卡代码，以及网上流传的一些“</a:t>
-            </a:r>
-            <a:r>
-              <a:rPr kumimoji="1" lang="en-US" altLang="zh-CN" dirty="0" smtClean="0"/>
-              <a:t>M1</a:t>
-            </a:r>
-            <a:r>
-              <a:rPr kumimoji="1" lang="zh-CN" altLang="en-US" dirty="0" smtClean="0"/>
-              <a:t>卡破解代码”进行测试，发现其无法读到卡内数据。这样的防护机制与清华澡卡类似</a:t>
-            </a:r>
-            <a:endParaRPr kumimoji="1" lang="en-US" altLang="zh-CN" dirty="0"/>
-          </a:p>
-          <a:p>
-            <a:r>
-              <a:rPr kumimoji="1" lang="zh-CN" altLang="en-US" dirty="0" smtClean="0"/>
-              <a:t>小钱包余额</a:t>
-            </a:r>
-            <a:r>
-              <a:rPr kumimoji="1" lang="en-US" altLang="zh-CN" dirty="0" smtClean="0"/>
+              <a:rPr lang="zh-CN" altLang="en-US" dirty="0" smtClean="0"/>
+              <a:t>传输需要直接保存在卡上的敏感数据（如小钱包余额）时，采用</a:t>
+            </a:r>
+            <a:r>
+              <a:rPr lang="en-US" altLang="zh-CN" dirty="0" smtClean="0"/>
               <a:t>AES</a:t>
             </a:r>
             <a:r>
-              <a:rPr kumimoji="1" lang="zh-CN" altLang="en-US" dirty="0" smtClean="0"/>
-              <a:t>加密保存</a:t>
-            </a:r>
-            <a:endParaRPr kumimoji="1" lang="en-US" altLang="zh-CN" dirty="0"/>
-          </a:p>
-          <a:p>
-            <a:pPr lvl="1"/>
-            <a:r>
-              <a:rPr kumimoji="1" lang="zh-CN" altLang="en-US" dirty="0" smtClean="0"/>
-              <a:t>加密</a:t>
-            </a:r>
-            <a:r>
-              <a:rPr kumimoji="1" lang="zh-CN" altLang="en-US" dirty="0"/>
-              <a:t>过程在桌面终端实现，密钥也由桌面终端</a:t>
-            </a:r>
-            <a:r>
-              <a:rPr kumimoji="1" lang="zh-CN" altLang="en-US" dirty="0" smtClean="0"/>
-              <a:t>保存</a:t>
-            </a:r>
-            <a:endParaRPr kumimoji="1" lang="en-US" altLang="zh-CN" dirty="0" smtClean="0"/>
-          </a:p>
-          <a:p>
-            <a:pPr lvl="1"/>
-            <a:r>
-              <a:rPr kumimoji="1" lang="zh-CN" altLang="en-US" dirty="0" smtClean="0"/>
-              <a:t>即使密钥被破解，破解者也仅能在卡内找到加密后的小钱包余额数据，无法恢复原始数据</a:t>
-            </a:r>
-            <a:endParaRPr kumimoji="1" lang="en-US" altLang="zh-CN" dirty="0" smtClean="0"/>
-          </a:p>
-          <a:p>
-            <a:r>
-              <a:rPr kumimoji="1" lang="zh-CN" altLang="en-US" dirty="0" smtClean="0"/>
-              <a:t>闪付交易仅在卡内记录交易日志</a:t>
-            </a:r>
-            <a:endParaRPr kumimoji="1" lang="en-US" altLang="zh-CN" dirty="0" smtClean="0"/>
-          </a:p>
-          <a:p>
-            <a:pPr lvl="1"/>
-            <a:r>
-              <a:rPr kumimoji="1" lang="zh-CN" altLang="en-US" dirty="0" smtClean="0"/>
-              <a:t>卡内不保存敏感的余额数据，用户的余额信息由桌面终端负责计算，在网络后台保存</a:t>
-            </a:r>
-            <a:endParaRPr kumimoji="1" lang="en-US" altLang="zh-CN" dirty="0"/>
-          </a:p>
-          <a:p>
-            <a:pPr marL="0" indent="0">
-              <a:buNone/>
-            </a:pPr>
+              <a:rPr lang="zh-CN" altLang="en-US" dirty="0" smtClean="0"/>
+              <a:t>加密传输</a:t>
+            </a:r>
+            <a:endParaRPr lang="en-US" altLang="zh-CN" dirty="0"/>
+          </a:p>
+          <a:p>
+            <a:r>
+              <a:rPr lang="zh-CN" altLang="en-US" dirty="0" smtClean="0"/>
+              <a:t>根据收到的指令，读卡器可模拟制作新卡、门禁控制、闪付储值消费、小钱包储值消费、注销卡片等不同场景</a:t>
+            </a:r>
             <a:endParaRPr lang="zh-CN" altLang="en-US" dirty="0"/>
           </a:p>
         </p:txBody>
@@ -8923,7 +9594,7 @@
     </p:spTree>
     <p:extLst>
       <p:ext uri="{BB962C8B-B14F-4D97-AF65-F5344CB8AC3E}">
-        <p14:creationId xmlns:p14="http://schemas.microsoft.com/office/powerpoint/2010/main" val="479574227"/>
+        <p14:creationId xmlns:p14="http://schemas.microsoft.com/office/powerpoint/2010/main" val="2382032591"/>
       </p:ext>
     </p:extLst>
   </p:cSld>
@@ -8967,7 +9638,7 @@
           <a:p>
             <a:r>
               <a:rPr lang="zh-CN" altLang="en-US" dirty="0" smtClean="0"/>
-              <a:t>桌面终端</a:t>
+              <a:t>安全性分析</a:t>
             </a:r>
             <a:endParaRPr lang="zh-CN" altLang="en-US" dirty="0"/>
           </a:p>
@@ -8988,14 +9659,110 @@
           <a:bodyPr/>
           <a:lstStyle/>
           <a:p>
-            <a:endParaRPr lang="zh-CN" altLang="en-US"/>
+            <a:r>
+              <a:rPr kumimoji="1" lang="zh-CN" altLang="en-US" dirty="0" smtClean="0"/>
+              <a:t>卡片读写密钥</a:t>
+            </a:r>
+            <a:endParaRPr kumimoji="1" lang="en-US" altLang="zh-CN" dirty="0" smtClean="0"/>
+          </a:p>
+          <a:p>
+            <a:pPr lvl="1"/>
+            <a:r>
+              <a:rPr kumimoji="1" lang="zh-CN" altLang="en-US" dirty="0" smtClean="0"/>
+              <a:t>对于卡片上保存数据的扇区，更改其默认密钥</a:t>
+            </a:r>
+            <a:r>
+              <a:rPr kumimoji="1" lang="en-US" altLang="zh-CN" dirty="0" smtClean="0"/>
+              <a:t>0xFFFFFFFFFFFF</a:t>
+            </a:r>
+            <a:r>
+              <a:rPr kumimoji="1" lang="zh-CN" altLang="en-US" dirty="0" smtClean="0"/>
+              <a:t>，使卡内数据难以泄露</a:t>
+            </a:r>
+            <a:endParaRPr kumimoji="1" lang="en-US" altLang="zh-CN" dirty="0"/>
+          </a:p>
+          <a:p>
+            <a:pPr lvl="1"/>
+            <a:r>
+              <a:rPr kumimoji="1" lang="zh-CN" altLang="en-US" dirty="0" smtClean="0"/>
+              <a:t>使用基础实验中采用的读卡代码，以及网上流传的一些“</a:t>
+            </a:r>
+            <a:r>
+              <a:rPr kumimoji="1" lang="en-US" altLang="zh-CN" dirty="0" smtClean="0"/>
+              <a:t>M1</a:t>
+            </a:r>
+            <a:r>
+              <a:rPr kumimoji="1" lang="zh-CN" altLang="en-US" dirty="0" smtClean="0"/>
+              <a:t>卡破解代码”进行测试，发现其无法读到卡内数据。这样的防护机制与清华澡卡类似</a:t>
+            </a:r>
+            <a:endParaRPr kumimoji="1" lang="en-US" altLang="zh-CN" dirty="0"/>
+          </a:p>
+          <a:p>
+            <a:r>
+              <a:rPr kumimoji="1" lang="zh-CN" altLang="en-US" dirty="0" smtClean="0"/>
+              <a:t>小钱包余额</a:t>
+            </a:r>
+            <a:r>
+              <a:rPr kumimoji="1" lang="en-US" altLang="zh-CN" dirty="0" smtClean="0"/>
+              <a:t>AES</a:t>
+            </a:r>
+            <a:r>
+              <a:rPr kumimoji="1" lang="zh-CN" altLang="en-US" dirty="0" smtClean="0"/>
+              <a:t>加密保存</a:t>
+            </a:r>
+            <a:endParaRPr kumimoji="1" lang="en-US" altLang="zh-CN" dirty="0"/>
+          </a:p>
+          <a:p>
+            <a:pPr lvl="1"/>
+            <a:r>
+              <a:rPr kumimoji="1" lang="zh-CN" altLang="en-US" dirty="0" smtClean="0"/>
+              <a:t>加密</a:t>
+            </a:r>
+            <a:r>
+              <a:rPr kumimoji="1" lang="zh-CN" altLang="en-US" dirty="0"/>
+              <a:t>过程在桌面终端实现，密钥也由桌面终端</a:t>
+            </a:r>
+            <a:r>
+              <a:rPr kumimoji="1" lang="zh-CN" altLang="en-US" dirty="0" smtClean="0"/>
+              <a:t>保存</a:t>
+            </a:r>
+            <a:endParaRPr kumimoji="1" lang="en-US" altLang="zh-CN" dirty="0" smtClean="0"/>
+          </a:p>
+          <a:p>
+            <a:pPr lvl="1"/>
+            <a:r>
+              <a:rPr kumimoji="1" lang="zh-CN" altLang="en-US" dirty="0" smtClean="0"/>
+              <a:t>即使密钥被破解，破解者也仅能在卡内找到加密后的小钱包余额数据，无法恢复原始数据</a:t>
+            </a:r>
+            <a:endParaRPr kumimoji="1" lang="en-US" altLang="zh-CN" dirty="0" smtClean="0"/>
+          </a:p>
+          <a:p>
+            <a:r>
+              <a:rPr kumimoji="1" lang="zh-CN" altLang="en-US" dirty="0" smtClean="0"/>
+              <a:t>闪付交易仅在卡内记录交易日志</a:t>
+            </a:r>
+            <a:endParaRPr kumimoji="1" lang="en-US" altLang="zh-CN" dirty="0" smtClean="0"/>
+          </a:p>
+          <a:p>
+            <a:pPr lvl="1"/>
+            <a:r>
+              <a:rPr kumimoji="1" lang="zh-CN" altLang="en-US" dirty="0" smtClean="0"/>
+              <a:t>卡内不保存敏感的余额数据，用户的余额信息由桌面终端负责计算，在网络后台保存</a:t>
+            </a:r>
+            <a:endParaRPr kumimoji="1" lang="en-US" altLang="zh-CN" dirty="0"/>
+          </a:p>
+          <a:p>
+            <a:pPr marL="0" indent="0">
+              <a:buNone/>
+            </a:pPr>
+            <a:endParaRPr lang="zh-CN" altLang="en-US" dirty="0"/>
           </a:p>
         </p:txBody>
       </p:sp>
     </p:spTree>
     <p:extLst>
       <p:ext uri="{BB962C8B-B14F-4D97-AF65-F5344CB8AC3E}">
-        <p14:creationId xmlns:p14="http://schemas.microsoft.com/office/powerpoint/2010/main" val="2619177453"/>
+        <p14:creationId xmlns:p14="http://schemas.microsoft.com/office/powerpoint/2010/main" val="479574227"/>
       </p:ext>
     </p:extLst>
   </p:cSld>
@@ -9039,7 +9806,7 @@
           <a:p>
             <a:r>
               <a:rPr lang="zh-CN" altLang="en-US" dirty="0" smtClean="0"/>
-              <a:t>网络后台</a:t>
+              <a:t>桌面终端</a:t>
             </a:r>
             <a:endParaRPr lang="zh-CN" altLang="en-US" dirty="0"/>
           </a:p>
@@ -9057,114 +9824,175 @@
         </p:nvSpPr>
         <p:spPr/>
         <p:txBody>
-          <a:bodyPr/>
+          <a:bodyPr>
+            <a:normAutofit lnSpcReduction="10000"/>
+          </a:bodyPr>
           <a:lstStyle/>
           <a:p>
             <a:r>
               <a:rPr lang="zh-CN" altLang="en-US" dirty="0" smtClean="0"/>
-              <a:t>采用了</a:t>
+              <a:t>连接用户</a:t>
+            </a:r>
+            <a:r>
+              <a:rPr lang="zh-CN" altLang="en-US" dirty="0" smtClean="0"/>
+              <a:t>，读卡器，后台：</a:t>
             </a:r>
             <a:r>
               <a:rPr lang="en-US" altLang="zh-CN" dirty="0" smtClean="0"/>
-              <a:t>Django </a:t>
-            </a:r>
-            <a:r>
-              <a:rPr lang="en-US" altLang="zh-CN" dirty="0"/>
-              <a:t>REST </a:t>
+              <a:t>GUI</a:t>
+            </a:r>
+          </a:p>
+          <a:p>
+            <a:pPr lvl="1"/>
+            <a:endParaRPr lang="en-US" altLang="zh-CN" dirty="0" smtClean="0"/>
+          </a:p>
+          <a:p>
+            <a:endParaRPr lang="en-US" altLang="zh-CN" dirty="0" smtClean="0"/>
+          </a:p>
+          <a:p>
+            <a:endParaRPr lang="en-US" altLang="zh-CN" dirty="0"/>
+          </a:p>
+          <a:p>
+            <a:r>
+              <a:rPr lang="zh-CN" altLang="en-US" dirty="0" smtClean="0"/>
+              <a:t>本地门禁控制</a:t>
+            </a:r>
+            <a:endParaRPr lang="en-US" altLang="zh-CN" dirty="0" smtClean="0"/>
+          </a:p>
+          <a:p>
+            <a:pPr lvl="1"/>
+            <a:r>
+              <a:rPr lang="zh-CN" altLang="en-US" dirty="0" smtClean="0"/>
+              <a:t>突发断网，放心最近若干天若干个曾成功通过的用户</a:t>
+            </a:r>
+            <a:endParaRPr lang="en-US" altLang="zh-CN" dirty="0" smtClean="0"/>
+          </a:p>
+          <a:p>
+            <a:pPr lvl="1"/>
+            <a:r>
+              <a:rPr lang="zh-CN" altLang="en-US" dirty="0"/>
+              <a:t>本地</a:t>
+            </a:r>
+            <a:r>
+              <a:rPr lang="zh-CN" altLang="en-US" dirty="0" smtClean="0"/>
+              <a:t>数据库使用</a:t>
             </a:r>
             <a:r>
               <a:rPr lang="en-US" altLang="zh-CN" dirty="0" smtClean="0"/>
-              <a:t>framework</a:t>
+              <a:t>AES</a:t>
             </a:r>
             <a:r>
               <a:rPr lang="zh-CN" altLang="en-US" dirty="0" smtClean="0"/>
-              <a:t>作为网站后台的框架</a:t>
+              <a:t>加密存储</a:t>
             </a:r>
             <a:endParaRPr lang="en-US" altLang="zh-CN" dirty="0" smtClean="0"/>
           </a:p>
           <a:p>
+            <a:r>
+              <a:rPr lang="zh-CN" altLang="en-US" dirty="0" smtClean="0"/>
+              <a:t>打包</a:t>
+            </a:r>
+            <a:r>
+              <a:rPr lang="en-US" altLang="zh-CN" dirty="0" smtClean="0"/>
+              <a:t>python</a:t>
+            </a:r>
+            <a:r>
+              <a:rPr lang="zh-CN" altLang="en-US" dirty="0" smtClean="0"/>
+              <a:t>为单文件</a:t>
+            </a:r>
+            <a:r>
+              <a:rPr lang="en-US" altLang="zh-CN" dirty="0" smtClean="0"/>
+              <a:t>exe</a:t>
+            </a:r>
+          </a:p>
+          <a:p>
             <a:pPr lvl="1"/>
             <a:r>
               <a:rPr lang="zh-CN" altLang="en-US" dirty="0" smtClean="0"/>
-              <a:t>提供</a:t>
-            </a:r>
-            <a:r>
-              <a:rPr lang="en-US" altLang="zh-CN" dirty="0" smtClean="0"/>
-              <a:t>RESTful</a:t>
-            </a:r>
+              <a:t>加大逆向工程的难度</a:t>
+            </a:r>
+            <a:endParaRPr lang="en-US" altLang="zh-CN" dirty="0" smtClean="0"/>
+          </a:p>
+          <a:p>
             <a:r>
               <a:rPr lang="zh-CN" altLang="en-US" dirty="0" smtClean="0"/>
-              <a:t>形式的</a:t>
-            </a:r>
-            <a:r>
-              <a:rPr lang="en-US" altLang="zh-CN" dirty="0" smtClean="0"/>
-              <a:t>API</a:t>
-            </a:r>
+              <a:t>终端一般封装在一个固定，密闭的设备中</a:t>
+            </a:r>
+            <a:endParaRPr lang="en-US" altLang="zh-CN" dirty="0" smtClean="0"/>
           </a:p>
           <a:p>
             <a:pPr lvl="1"/>
-            <a:r>
-              <a:rPr lang="zh-CN" altLang="en-US" dirty="0" smtClean="0"/>
-              <a:t>方便的权限管理</a:t>
-            </a:r>
             <a:endParaRPr lang="en-US" altLang="zh-CN" dirty="0" smtClean="0"/>
           </a:p>
           <a:p>
-            <a:r>
-              <a:rPr lang="en-US" altLang="zh-CN" dirty="0" err="1" smtClean="0"/>
-              <a:t>Apache+https</a:t>
-            </a:r>
-            <a:r>
-              <a:rPr lang="zh-CN" altLang="en-US" dirty="0" smtClean="0"/>
-              <a:t>的配置</a:t>
-            </a:r>
-            <a:endParaRPr lang="en-US" altLang="zh-CN" dirty="0" smtClean="0"/>
-          </a:p>
-          <a:p>
-            <a:pPr lvl="1"/>
-            <a:r>
-              <a:rPr lang="zh-CN" altLang="en-US" dirty="0" smtClean="0"/>
-              <a:t>传输层面更加安全</a:t>
-            </a:r>
-            <a:endParaRPr lang="en-US" altLang="zh-CN" dirty="0" smtClean="0"/>
-          </a:p>
-          <a:p>
-            <a:pPr lvl="1"/>
-            <a:r>
-              <a:rPr lang="zh-CN" altLang="en-US" dirty="0" smtClean="0"/>
-              <a:t>并发性更好</a:t>
-            </a:r>
-            <a:endParaRPr lang="en-US" altLang="zh-CN" dirty="0" smtClean="0"/>
-          </a:p>
-          <a:p>
-            <a:r>
-              <a:rPr lang="zh-CN" altLang="en-US" dirty="0" smtClean="0"/>
-              <a:t>采用</a:t>
-            </a:r>
-            <a:r>
-              <a:rPr lang="en-US" altLang="zh-CN" dirty="0" smtClean="0"/>
-              <a:t>token</a:t>
-            </a:r>
-            <a:r>
-              <a:rPr lang="zh-CN" altLang="en-US" dirty="0" smtClean="0"/>
-              <a:t>的验证方式</a:t>
-            </a:r>
-            <a:endParaRPr lang="en-US" altLang="zh-CN" dirty="0" smtClean="0"/>
-          </a:p>
-          <a:p>
-            <a:pPr lvl="1"/>
-            <a:r>
-              <a:rPr lang="zh-CN" altLang="en-US" dirty="0" smtClean="0"/>
-              <a:t>避免了直接使用密码明文</a:t>
-            </a:r>
             <a:endParaRPr lang="zh-CN" altLang="en-US" dirty="0"/>
           </a:p>
         </p:txBody>
       </p:sp>
+      <p:pic>
+        <p:nvPicPr>
+          <p:cNvPr id="4" name="图片 3"/>
+          <p:cNvPicPr>
+            <a:picLocks noChangeAspect="1"/>
+          </p:cNvPicPr>
+          <p:nvPr/>
+        </p:nvPicPr>
+        <p:blipFill>
+          <a:blip r:embed="rId2">
+            <a:extLst>
+              <a:ext uri="{28A0092B-C50C-407E-A947-70E740481C1C}">
+                <a14:useLocalDpi xmlns:a14="http://schemas.microsoft.com/office/drawing/2010/main" val="0"/>
+              </a:ext>
+            </a:extLst>
+          </a:blip>
+          <a:stretch>
+            <a:fillRect/>
+          </a:stretch>
+        </p:blipFill>
+        <p:spPr>
+          <a:xfrm>
+            <a:off x="4616479" y="2731717"/>
+            <a:ext cx="1610423" cy="671375"/>
+          </a:xfrm>
+          <a:prstGeom prst="rect">
+            <a:avLst/>
+          </a:prstGeom>
+        </p:spPr>
+      </p:pic>
+      <p:pic>
+        <p:nvPicPr>
+          <p:cNvPr id="5" name="图片 4"/>
+          <p:cNvPicPr>
+            <a:picLocks noChangeAspect="1"/>
+          </p:cNvPicPr>
+          <p:nvPr/>
+        </p:nvPicPr>
+        <p:blipFill>
+          <a:blip r:embed="rId3">
+            <a:extLst>
+              <a:ext uri="{28A0092B-C50C-407E-A947-70E740481C1C}">
+                <a14:useLocalDpi xmlns:a14="http://schemas.microsoft.com/office/drawing/2010/main" val="0"/>
+              </a:ext>
+            </a:extLst>
+          </a:blip>
+          <a:stretch>
+            <a:fillRect/>
+          </a:stretch>
+        </p:blipFill>
+        <p:spPr>
+          <a:xfrm>
+            <a:off x="6415542" y="1652336"/>
+            <a:ext cx="1996294" cy="2233217"/>
+          </a:xfrm>
+          <a:prstGeom prst="rect">
+            <a:avLst/>
+          </a:prstGeom>
+        </p:spPr>
+      </p:pic>
     </p:spTree>
     <p:extLst>
       <p:ext uri="{BB962C8B-B14F-4D97-AF65-F5344CB8AC3E}">
-        <p14:creationId xmlns:p14="http://schemas.microsoft.com/office/powerpoint/2010/main" val="3299760390"/>
+        <p14:creationId xmlns:p14="http://schemas.microsoft.com/office/powerpoint/2010/main" val="2619177453"/>
       </p:ext>
     </p:extLst>
   </p:cSld>
@@ -9207,10 +10035,10 @@
           <a:lstStyle/>
           <a:p>
             <a:r>
-              <a:rPr kumimoji="1" lang="zh-CN" altLang="en-US" dirty="0" smtClean="0"/>
-              <a:t>终端用户分类</a:t>
-            </a:r>
-            <a:endParaRPr kumimoji="1" lang="zh-CN" altLang="en-US" dirty="0"/>
+              <a:rPr lang="zh-CN" altLang="en-US" dirty="0" smtClean="0"/>
+              <a:t>网络后台</a:t>
+            </a:r>
+            <a:endParaRPr lang="zh-CN" altLang="en-US" dirty="0"/>
           </a:p>
         </p:txBody>
       </p:sp>
@@ -9224,166 +10052,132 @@
             <p:ph idx="1"/>
           </p:nvPr>
         </p:nvSpPr>
-        <p:spPr>
-          <a:xfrm>
-            <a:off x="2589212" y="1490597"/>
-            <a:ext cx="8915400" cy="5248405"/>
-          </a:xfrm>
-        </p:spPr>
-        <p:txBody>
-          <a:bodyPr>
-            <a:normAutofit fontScale="92500" lnSpcReduction="10000"/>
-          </a:bodyPr>
+        <p:spPr/>
+        <p:txBody>
+          <a:bodyPr/>
           <a:lstStyle/>
           <a:p>
             <a:r>
-              <a:rPr kumimoji="1" lang="en-US" altLang="zh-CN" dirty="0" smtClean="0"/>
-              <a:t>Register</a:t>
-            </a:r>
+              <a:rPr lang="zh-CN" altLang="en-US" dirty="0" smtClean="0"/>
+              <a:t>采用了</a:t>
+            </a:r>
+            <a:r>
+              <a:rPr lang="en-US" altLang="zh-CN" dirty="0" smtClean="0"/>
+              <a:t>Django </a:t>
+            </a:r>
+            <a:r>
+              <a:rPr lang="en-US" altLang="zh-CN" dirty="0"/>
+              <a:t>REST </a:t>
+            </a:r>
+            <a:r>
+              <a:rPr lang="en-US" altLang="zh-CN" dirty="0" smtClean="0"/>
+              <a:t>framework</a:t>
+            </a:r>
+            <a:r>
+              <a:rPr lang="zh-CN" altLang="en-US" dirty="0" smtClean="0"/>
+              <a:t>作为网站后台的框架</a:t>
+            </a:r>
+            <a:endParaRPr lang="en-US" altLang="zh-CN" dirty="0" smtClean="0"/>
           </a:p>
           <a:p>
             <a:pPr lvl="1"/>
             <a:r>
-              <a:rPr kumimoji="1" lang="zh-CN" altLang="en-US" dirty="0" smtClean="0"/>
-              <a:t>场景：注册中心的终端</a:t>
-            </a:r>
-            <a:endParaRPr kumimoji="1" lang="en-US" altLang="zh-CN" dirty="0" smtClean="0"/>
+              <a:rPr lang="zh-CN" altLang="en-US" dirty="0" smtClean="0"/>
+              <a:t>提供</a:t>
+            </a:r>
+            <a:r>
+              <a:rPr lang="en-US" altLang="zh-CN" dirty="0" smtClean="0"/>
+              <a:t>RESTful</a:t>
+            </a:r>
+            <a:r>
+              <a:rPr lang="zh-CN" altLang="en-US" dirty="0" smtClean="0"/>
+              <a:t>形式的</a:t>
+            </a:r>
+            <a:r>
+              <a:rPr lang="en-US" altLang="zh-CN" dirty="0" smtClean="0"/>
+              <a:t>API</a:t>
+            </a:r>
           </a:p>
           <a:p>
             <a:pPr lvl="1"/>
             <a:r>
               <a:rPr lang="zh-CN" altLang="en-US" dirty="0" smtClean="0"/>
-              <a:t>权限：为</a:t>
-            </a:r>
-            <a:r>
-              <a:rPr lang="zh-CN" altLang="en-US" dirty="0"/>
-              <a:t>一个学生注册新卡、更新卡的有效期和获取学生的基本信息</a:t>
+              <a:t>方便的权限</a:t>
             </a:r>
             <a:r>
               <a:rPr lang="zh-CN" altLang="en-US" dirty="0" smtClean="0"/>
-              <a:t>等</a:t>
+              <a:t>管理</a:t>
             </a:r>
             <a:endParaRPr lang="en-US" altLang="zh-CN" dirty="0" smtClean="0"/>
           </a:p>
           <a:p>
-            <a:r>
-              <a:rPr kumimoji="1" lang="en-US" altLang="zh-CN" dirty="0" err="1" smtClean="0"/>
-              <a:t>Pos</a:t>
-            </a:r>
-            <a:endParaRPr kumimoji="1" lang="en-US" altLang="zh-CN" dirty="0" smtClean="0"/>
-          </a:p>
-          <a:p>
             <a:pPr lvl="1"/>
             <a:r>
-              <a:rPr kumimoji="1" lang="zh-CN" altLang="en-US" dirty="0" smtClean="0"/>
-              <a:t>场景：云闪付消费场所，如食堂和超市等</a:t>
-            </a:r>
-            <a:endParaRPr kumimoji="1" lang="en-US" altLang="zh-CN" dirty="0" smtClean="0"/>
+              <a:rPr lang="en-US" altLang="zh-CN" dirty="0" smtClean="0"/>
+              <a:t>Django</a:t>
+            </a:r>
+            <a:r>
+              <a:rPr lang="zh-CN" altLang="en-US" dirty="0" smtClean="0"/>
+              <a:t>本身提供了大量的安全性的保障</a:t>
+            </a:r>
+            <a:endParaRPr lang="en-US" altLang="zh-CN" dirty="0" smtClean="0"/>
+          </a:p>
+          <a:p>
+            <a:r>
+              <a:rPr lang="en-US" altLang="zh-CN" dirty="0" err="1" smtClean="0"/>
+              <a:t>Apache+https</a:t>
+            </a:r>
+            <a:r>
+              <a:rPr lang="zh-CN" altLang="en-US" dirty="0" smtClean="0"/>
+              <a:t>的配置</a:t>
+            </a:r>
+            <a:endParaRPr lang="en-US" altLang="zh-CN" dirty="0" smtClean="0"/>
           </a:p>
           <a:p>
             <a:pPr lvl="1"/>
             <a:r>
-              <a:rPr kumimoji="1" lang="zh-CN" altLang="en-US" dirty="0" smtClean="0"/>
-              <a:t>权限：</a:t>
-            </a:r>
-            <a:r>
               <a:rPr lang="zh-CN" altLang="en-US" dirty="0" smtClean="0"/>
-              <a:t>减少</a:t>
-            </a:r>
-            <a:r>
-              <a:rPr lang="zh-CN" altLang="en-US" dirty="0"/>
-              <a:t>卡的</a:t>
-            </a:r>
+              <a:t>传输层面更加安全</a:t>
+            </a:r>
+            <a:endParaRPr lang="en-US" altLang="zh-CN" dirty="0" smtClean="0"/>
+          </a:p>
+          <a:p>
+            <a:pPr lvl="1"/>
             <a:r>
               <a:rPr lang="zh-CN" altLang="en-US" dirty="0" smtClean="0"/>
-              <a:t>金额</a:t>
+              <a:t>并发性更好</a:t>
             </a:r>
             <a:endParaRPr lang="en-US" altLang="zh-CN" dirty="0" smtClean="0"/>
           </a:p>
           <a:p>
             <a:r>
-              <a:rPr kumimoji="1" lang="en-US" altLang="zh-CN" dirty="0" smtClean="0"/>
-              <a:t>ATM</a:t>
-            </a:r>
+              <a:rPr lang="zh-CN" altLang="en-US" dirty="0" smtClean="0"/>
+              <a:t>采用</a:t>
+            </a:r>
+            <a:r>
+              <a:rPr lang="en-US" altLang="zh-CN" dirty="0" smtClean="0"/>
+              <a:t>token</a:t>
+            </a:r>
+            <a:r>
+              <a:rPr lang="zh-CN" altLang="en-US" dirty="0" smtClean="0"/>
+              <a:t>的验证方式</a:t>
+            </a:r>
+            <a:endParaRPr lang="en-US" altLang="zh-CN" dirty="0" smtClean="0"/>
           </a:p>
           <a:p>
             <a:pPr lvl="1"/>
             <a:r>
-              <a:rPr kumimoji="1" lang="zh-CN" altLang="en-US" dirty="0" smtClean="0"/>
-              <a:t>场景：圈存机等机器</a:t>
-            </a:r>
-            <a:endParaRPr kumimoji="1" lang="en-US" altLang="zh-CN" dirty="0" smtClean="0"/>
-          </a:p>
-          <a:p>
-            <a:pPr lvl="1"/>
-            <a:r>
-              <a:rPr kumimoji="1" lang="zh-CN" altLang="en-US" dirty="0" smtClean="0"/>
-              <a:t>权限：增加和减少卡上的金额</a:t>
-            </a:r>
-            <a:endParaRPr kumimoji="1" lang="en-US" altLang="zh-CN" dirty="0" smtClean="0"/>
-          </a:p>
-          <a:p>
-            <a:r>
-              <a:rPr kumimoji="1" lang="en-US" altLang="zh-CN" dirty="0" smtClean="0"/>
-              <a:t>Access</a:t>
-            </a:r>
-          </a:p>
-          <a:p>
-            <a:pPr lvl="1"/>
-            <a:r>
-              <a:rPr kumimoji="1" lang="zh-CN" altLang="en-US" dirty="0" smtClean="0"/>
-              <a:t>场景：宿舍楼下的门禁终端</a:t>
-            </a:r>
-            <a:endParaRPr kumimoji="1" lang="en-US" altLang="zh-CN" dirty="0" smtClean="0"/>
-          </a:p>
-          <a:p>
-            <a:pPr lvl="1"/>
-            <a:r>
-              <a:rPr kumimoji="1" lang="zh-CN" altLang="en-US" dirty="0" smtClean="0"/>
-              <a:t>权限：</a:t>
-            </a:r>
-            <a:r>
-              <a:rPr lang="zh-CN" altLang="en-US" dirty="0"/>
-              <a:t>判断一张卡是否有通过的</a:t>
-            </a:r>
-            <a:r>
               <a:rPr lang="zh-CN" altLang="en-US" dirty="0" smtClean="0"/>
-              <a:t>权限</a:t>
-            </a:r>
-            <a:endParaRPr lang="en-US" altLang="zh-CN" dirty="0" smtClean="0"/>
-          </a:p>
-          <a:p>
-            <a:r>
-              <a:rPr kumimoji="1" lang="en-US" altLang="zh-CN" dirty="0" smtClean="0"/>
-              <a:t>Root</a:t>
-            </a:r>
-          </a:p>
-          <a:p>
-            <a:pPr lvl="1"/>
-            <a:r>
-              <a:rPr kumimoji="1" lang="zh-CN" altLang="en-US" dirty="0" smtClean="0"/>
-              <a:t>场景：后台管理员</a:t>
-            </a:r>
-            <a:endParaRPr kumimoji="1" lang="en-US" altLang="zh-CN" dirty="0" smtClean="0"/>
-          </a:p>
-          <a:p>
-            <a:pPr lvl="1"/>
-            <a:r>
-              <a:rPr kumimoji="1" lang="zh-CN" altLang="en-US" dirty="0" smtClean="0"/>
-              <a:t>权限：以上所有权限，此外可以查看终端的操作日志</a:t>
-            </a:r>
-            <a:endParaRPr kumimoji="1" lang="en-US" altLang="zh-CN" dirty="0" smtClean="0"/>
-          </a:p>
-          <a:p>
-            <a:pPr lvl="1"/>
-            <a:endParaRPr kumimoji="1" lang="zh-CN" altLang="en-US" dirty="0"/>
+              <a:t>避免了直接使用密码明文</a:t>
+            </a:r>
+            <a:endParaRPr lang="zh-CN" altLang="en-US" dirty="0"/>
           </a:p>
         </p:txBody>
       </p:sp>
     </p:spTree>
     <p:extLst>
       <p:ext uri="{BB962C8B-B14F-4D97-AF65-F5344CB8AC3E}">
-        <p14:creationId xmlns:p14="http://schemas.microsoft.com/office/powerpoint/2010/main" val="303073681"/>
+        <p14:creationId xmlns:p14="http://schemas.microsoft.com/office/powerpoint/2010/main" val="3299760390"/>
       </p:ext>
     </p:extLst>
   </p:cSld>

--- a/pre.pptx
+++ b/pre.pptx
@@ -313,7 +313,7 @@
             <a:fld id="{B61BEF0D-F0BB-DE4B-95CE-6DB70DBA9567}" type="datetimeFigureOut">
               <a:rPr lang="en-US" dirty="0"/>
               <a:pPr/>
-              <a:t>7/27/2017</a:t>
+              <a:t>7/28/2017</a:t>
             </a:fld>
             <a:endParaRPr lang="en-US" dirty="0"/>
           </a:p>
@@ -648,7 +648,7 @@
             <a:fld id="{B61BEF0D-F0BB-DE4B-95CE-6DB70DBA9567}" type="datetimeFigureOut">
               <a:rPr lang="en-US" dirty="0"/>
               <a:pPr/>
-              <a:t>7/27/2017</a:t>
+              <a:t>7/28/2017</a:t>
             </a:fld>
             <a:endParaRPr lang="en-US" dirty="0"/>
           </a:p>
@@ -1046,7 +1046,7 @@
             <a:fld id="{B61BEF0D-F0BB-DE4B-95CE-6DB70DBA9567}" type="datetimeFigureOut">
               <a:rPr lang="en-US" dirty="0"/>
               <a:pPr/>
-              <a:t>7/27/2017</a:t>
+              <a:t>7/28/2017</a:t>
             </a:fld>
             <a:endParaRPr lang="en-US" dirty="0"/>
           </a:p>
@@ -1379,7 +1379,7 @@
             <a:fld id="{B61BEF0D-F0BB-DE4B-95CE-6DB70DBA9567}" type="datetimeFigureOut">
               <a:rPr lang="en-US" dirty="0"/>
               <a:pPr/>
-              <a:t>7/27/2017</a:t>
+              <a:t>7/28/2017</a:t>
             </a:fld>
             <a:endParaRPr lang="en-US" dirty="0"/>
           </a:p>
@@ -1696,7 +1696,7 @@
             <a:fld id="{B61BEF0D-F0BB-DE4B-95CE-6DB70DBA9567}" type="datetimeFigureOut">
               <a:rPr lang="en-US" dirty="0"/>
               <a:pPr/>
-              <a:t>7/27/2017</a:t>
+              <a:t>7/28/2017</a:t>
             </a:fld>
             <a:endParaRPr lang="en-US" dirty="0"/>
           </a:p>
@@ -2089,7 +2089,7 @@
             <a:fld id="{B61BEF0D-F0BB-DE4B-95CE-6DB70DBA9567}" type="datetimeFigureOut">
               <a:rPr lang="en-US" dirty="0"/>
               <a:pPr/>
-              <a:t>7/27/2017</a:t>
+              <a:t>7/28/2017</a:t>
             </a:fld>
             <a:endParaRPr lang="en-US" dirty="0"/>
           </a:p>
@@ -2343,7 +2343,7 @@
             <a:fld id="{B61BEF0D-F0BB-DE4B-95CE-6DB70DBA9567}" type="datetimeFigureOut">
               <a:rPr lang="en-US" dirty="0"/>
               <a:pPr/>
-              <a:t>7/27/2017</a:t>
+              <a:t>7/28/2017</a:t>
             </a:fld>
             <a:endParaRPr lang="en-US" dirty="0"/>
           </a:p>
@@ -2602,7 +2602,7 @@
             <a:fld id="{B61BEF0D-F0BB-DE4B-95CE-6DB70DBA9567}" type="datetimeFigureOut">
               <a:rPr lang="en-US" dirty="0"/>
               <a:pPr/>
-              <a:t>7/27/2017</a:t>
+              <a:t>7/28/2017</a:t>
             </a:fld>
             <a:endParaRPr lang="en-US" dirty="0"/>
           </a:p>
@@ -2861,7 +2861,7 @@
             <a:fld id="{B61BEF0D-F0BB-DE4B-95CE-6DB70DBA9567}" type="datetimeFigureOut">
               <a:rPr lang="en-US" dirty="0"/>
               <a:pPr/>
-              <a:t>7/27/2017</a:t>
+              <a:t>7/28/2017</a:t>
             </a:fld>
             <a:endParaRPr lang="en-US" dirty="0"/>
           </a:p>
@@ -3187,7 +3187,7 @@
             <a:fld id="{B61BEF0D-F0BB-DE4B-95CE-6DB70DBA9567}" type="datetimeFigureOut">
               <a:rPr lang="en-US" dirty="0"/>
               <a:pPr/>
-              <a:t>7/27/2017</a:t>
+              <a:t>7/28/2017</a:t>
             </a:fld>
             <a:endParaRPr lang="en-US" dirty="0"/>
           </a:p>
@@ -3507,7 +3507,7 @@
             <a:fld id="{B61BEF0D-F0BB-DE4B-95CE-6DB70DBA9567}" type="datetimeFigureOut">
               <a:rPr lang="en-US" dirty="0"/>
               <a:pPr/>
-              <a:t>7/27/2017</a:t>
+              <a:t>7/28/2017</a:t>
             </a:fld>
             <a:endParaRPr lang="en-US" dirty="0"/>
           </a:p>
@@ -3961,7 +3961,7 @@
             <a:fld id="{B61BEF0D-F0BB-DE4B-95CE-6DB70DBA9567}" type="datetimeFigureOut">
               <a:rPr lang="en-US" dirty="0"/>
               <a:pPr/>
-              <a:t>7/27/2017</a:t>
+              <a:t>7/28/2017</a:t>
             </a:fld>
             <a:endParaRPr lang="en-US" dirty="0"/>
           </a:p>
@@ -4163,7 +4163,7 @@
             <a:fld id="{B61BEF0D-F0BB-DE4B-95CE-6DB70DBA9567}" type="datetimeFigureOut">
               <a:rPr lang="en-US" dirty="0"/>
               <a:pPr/>
-              <a:t>7/27/2017</a:t>
+              <a:t>7/28/2017</a:t>
             </a:fld>
             <a:endParaRPr lang="en-US" dirty="0"/>
           </a:p>
@@ -4337,7 +4337,7 @@
             <a:fld id="{B61BEF0D-F0BB-DE4B-95CE-6DB70DBA9567}" type="datetimeFigureOut">
               <a:rPr lang="en-US" dirty="0"/>
               <a:pPr/>
-              <a:t>7/27/2017</a:t>
+              <a:t>7/28/2017</a:t>
             </a:fld>
             <a:endParaRPr lang="en-US" dirty="0"/>
           </a:p>
@@ -4667,7 +4667,7 @@
             <a:fld id="{B61BEF0D-F0BB-DE4B-95CE-6DB70DBA9567}" type="datetimeFigureOut">
               <a:rPr lang="en-US" dirty="0"/>
               <a:pPr/>
-              <a:t>7/27/2017</a:t>
+              <a:t>7/28/2017</a:t>
             </a:fld>
             <a:endParaRPr lang="en-US" dirty="0"/>
           </a:p>
@@ -5009,7 +5009,7 @@
             <a:fld id="{B61BEF0D-F0BB-DE4B-95CE-6DB70DBA9567}" type="datetimeFigureOut">
               <a:rPr lang="en-US" dirty="0"/>
               <a:pPr/>
-              <a:t>7/27/2017</a:t>
+              <a:t>7/28/2017</a:t>
             </a:fld>
             <a:endParaRPr lang="en-US" dirty="0"/>
           </a:p>
@@ -7123,7 +7123,7 @@
             <a:fld id="{B61BEF0D-F0BB-DE4B-95CE-6DB70DBA9567}" type="datetimeFigureOut">
               <a:rPr lang="en-US" dirty="0"/>
               <a:pPr/>
-              <a:t>7/27/2017</a:t>
+              <a:t>7/28/2017</a:t>
             </a:fld>
             <a:endParaRPr lang="en-US" dirty="0"/>
           </a:p>
@@ -7681,7 +7681,27 @@
             </a:r>
             <a:r>
               <a:rPr lang="zh-CN" altLang="en-US" dirty="0" smtClean="0"/>
-              <a:t>李则言 卫强宇 吕鑫</a:t>
+              <a:t>李则</a:t>
+            </a:r>
+            <a:r>
+              <a:rPr lang="zh-CN" altLang="en-US" smtClean="0"/>
+              <a:t>言 </a:t>
+            </a:r>
+            <a:r>
+              <a:rPr lang="zh-CN" altLang="en-US" smtClean="0"/>
+              <a:t>卫</a:t>
+            </a:r>
+            <a:r>
+              <a:rPr lang="zh-CN" altLang="en-US"/>
+              <a:t>翔</a:t>
+            </a:r>
+            <a:r>
+              <a:rPr lang="zh-CN" altLang="en-US" smtClean="0"/>
+              <a:t>宇 </a:t>
+            </a:r>
+            <a:r>
+              <a:rPr lang="zh-CN" altLang="en-US" dirty="0" smtClean="0"/>
+              <a:t>吕鑫</a:t>
             </a:r>
             <a:endParaRPr lang="zh-CN" altLang="en-US" dirty="0"/>
           </a:p>
@@ -8022,11 +8042,7 @@
             <a:pPr lvl="1"/>
             <a:r>
               <a:rPr kumimoji="1" lang="zh-CN" altLang="en-US" dirty="0" smtClean="0"/>
-              <a:t>比较成熟的框架，最大程度的保证了安全性，避免了一些常见的</a:t>
-            </a:r>
-            <a:r>
-              <a:rPr kumimoji="1" lang="zh-CN" altLang="en-US" dirty="0" smtClean="0"/>
-              <a:t>漏洞（</a:t>
+              <a:t>比较成熟的框架，最大程度的保证了安全性，避免了一些常见的漏洞（</a:t>
             </a:r>
             <a:r>
               <a:rPr lang="en-US" altLang="zh-CN" dirty="0">
@@ -8093,7 +8109,6 @@
               <a:rPr kumimoji="1" lang="en-US" altLang="zh-CN" dirty="0" smtClean="0"/>
               <a:t>SSL/HTTPS</a:t>
             </a:r>
-            <a:endParaRPr kumimoji="1" lang="en-US" altLang="zh-CN" dirty="0" smtClean="0"/>
           </a:p>
           <a:p>
             <a:pPr lvl="1"/>
@@ -9831,11 +9846,7 @@
           <a:p>
             <a:r>
               <a:rPr lang="zh-CN" altLang="en-US" dirty="0" smtClean="0"/>
-              <a:t>连接用户</a:t>
-            </a:r>
-            <a:r>
-              <a:rPr lang="zh-CN" altLang="en-US" dirty="0" smtClean="0"/>
-              <a:t>，读卡器，后台：</a:t>
+              <a:t>连接用户，读卡器，后台：</a:t>
             </a:r>
             <a:r>
               <a:rPr lang="en-US" altLang="zh-CN" dirty="0" smtClean="0"/>
@@ -10102,11 +10113,7 @@
             <a:pPr lvl="1"/>
             <a:r>
               <a:rPr lang="zh-CN" altLang="en-US" dirty="0" smtClean="0"/>
-              <a:t>方便的权限</a:t>
-            </a:r>
-            <a:r>
-              <a:rPr lang="zh-CN" altLang="en-US" dirty="0" smtClean="0"/>
-              <a:t>管理</a:t>
+              <a:t>方便的权限管理</a:t>
             </a:r>
             <a:endParaRPr lang="en-US" altLang="zh-CN" dirty="0" smtClean="0"/>
           </a:p>
